--- a/P4_CreateReportDB/SQL Project Submission.pptx
+++ b/P4_CreateReportDB/SQL Project Submission.pptx
@@ -29,16 +29,16 @@
   <p:notesSz cx="6858000" cy="9144000"/>
   <p:embeddedFontLst>
     <p:embeddedFont>
-      <p:font typeface="等线" panose="02010600030101010101" pitchFamily="2" charset="-122"/>
+      <p:font typeface="Open Sans" panose="020B0606030504020204" pitchFamily="34" charset="0"/>
       <p:regular r:id="rId19"/>
       <p:bold r:id="rId20"/>
+      <p:italic r:id="rId21"/>
+      <p:boldItalic r:id="rId22"/>
     </p:embeddedFont>
     <p:embeddedFont>
-      <p:font typeface="Open Sans" panose="020B0606030504020204" pitchFamily="34" charset="0"/>
-      <p:regular r:id="rId21"/>
-      <p:bold r:id="rId22"/>
-      <p:italic r:id="rId23"/>
-      <p:boldItalic r:id="rId24"/>
+      <p:font typeface="等线" panose="02010600030101010101" pitchFamily="2" charset="-122"/>
+      <p:regular r:id="rId23"/>
+      <p:bold r:id="rId24"/>
     </p:embeddedFont>
   </p:embeddedFontLst>
   <p:defaultTextStyle>
@@ -243,6 +243,11 @@
       </a:defRPr>
     </a:lvl9pPr>
   </p:defaultTextStyle>
+  <p:extLst>
+    <p:ext uri="{EFAFB233-063F-42B5-8137-9DF3F51BA10A}">
+      <p15:sldGuideLst xmlns:p15="http://schemas.microsoft.com/office/powerpoint/2012/main"/>
+    </p:ext>
+  </p:extLst>
 </p:presentation>
 </file>
 
@@ -33822,296 +33827,6 @@
               <a:sym typeface="Open Sans"/>
             </a:endParaRPr>
           </a:p>
-          <a:p>
-            <a:pPr lvl="0">
-              <a:lnSpc>
-                <a:spcPct val="100000"/>
-              </a:lnSpc>
-              <a:spcAft>
-                <a:spcPts val="0"/>
-              </a:spcAft>
-            </a:pPr>
-            <a:r>
-              <a:rPr lang="en-US" dirty="0">
-                <a:latin typeface="Open Sans"/>
-                <a:ea typeface="Open Sans"/>
-                <a:cs typeface="Open Sans"/>
-                <a:sym typeface="Open Sans"/>
-              </a:rPr>
-              <a:t>SELECT </a:t>
-            </a:r>
-            <a:r>
-              <a:rPr lang="en-US" dirty="0" err="1">
-                <a:latin typeface="Open Sans"/>
-                <a:ea typeface="Open Sans"/>
-                <a:cs typeface="Open Sans"/>
-                <a:sym typeface="Open Sans"/>
-              </a:rPr>
-              <a:t>c.CompanyName</a:t>
-            </a:r>
-            <a:r>
-              <a:rPr lang="en-US" dirty="0">
-                <a:latin typeface="Open Sans"/>
-                <a:ea typeface="Open Sans"/>
-                <a:cs typeface="Open Sans"/>
-                <a:sym typeface="Open Sans"/>
-              </a:rPr>
-              <a:t>, COUNT(</a:t>
-            </a:r>
-            <a:r>
-              <a:rPr lang="en-US" dirty="0" err="1">
-                <a:latin typeface="Open Sans"/>
-                <a:ea typeface="Open Sans"/>
-                <a:cs typeface="Open Sans"/>
-                <a:sym typeface="Open Sans"/>
-              </a:rPr>
-              <a:t>o.ShipCountry</a:t>
-            </a:r>
-            <a:r>
-              <a:rPr lang="en-US" dirty="0">
-                <a:latin typeface="Open Sans"/>
-                <a:ea typeface="Open Sans"/>
-                <a:cs typeface="Open Sans"/>
-                <a:sym typeface="Open Sans"/>
-              </a:rPr>
-              <a:t>) AS </a:t>
-            </a:r>
-            <a:r>
-              <a:rPr lang="en-US" dirty="0" err="1">
-                <a:latin typeface="Open Sans"/>
-                <a:ea typeface="Open Sans"/>
-                <a:cs typeface="Open Sans"/>
-                <a:sym typeface="Open Sans"/>
-              </a:rPr>
-              <a:t>ShipCountryNum</a:t>
-            </a:r>
-            <a:endParaRPr lang="en-US" dirty="0">
-              <a:latin typeface="Open Sans"/>
-              <a:ea typeface="Open Sans"/>
-              <a:cs typeface="Open Sans"/>
-              <a:sym typeface="Open Sans"/>
-            </a:endParaRPr>
-          </a:p>
-          <a:p>
-            <a:pPr lvl="0">
-              <a:lnSpc>
-                <a:spcPct val="100000"/>
-              </a:lnSpc>
-              <a:spcAft>
-                <a:spcPts val="0"/>
-              </a:spcAft>
-            </a:pPr>
-            <a:r>
-              <a:rPr lang="en-US" dirty="0">
-                <a:latin typeface="Open Sans"/>
-                <a:ea typeface="Open Sans"/>
-                <a:cs typeface="Open Sans"/>
-                <a:sym typeface="Open Sans"/>
-              </a:rPr>
-              <a:t>FROM Customers c</a:t>
-            </a:r>
-          </a:p>
-          <a:p>
-            <a:pPr lvl="0">
-              <a:lnSpc>
-                <a:spcPct val="100000"/>
-              </a:lnSpc>
-              <a:spcAft>
-                <a:spcPts val="0"/>
-              </a:spcAft>
-            </a:pPr>
-            <a:r>
-              <a:rPr lang="en-US" dirty="0">
-                <a:latin typeface="Open Sans"/>
-                <a:ea typeface="Open Sans"/>
-                <a:cs typeface="Open Sans"/>
-                <a:sym typeface="Open Sans"/>
-              </a:rPr>
-              <a:t>JOIN Orders o</a:t>
-            </a:r>
-          </a:p>
-          <a:p>
-            <a:pPr lvl="0">
-              <a:lnSpc>
-                <a:spcPct val="100000"/>
-              </a:lnSpc>
-              <a:spcAft>
-                <a:spcPts val="0"/>
-              </a:spcAft>
-            </a:pPr>
-            <a:r>
-              <a:rPr lang="en-US" dirty="0">
-                <a:latin typeface="Open Sans"/>
-                <a:ea typeface="Open Sans"/>
-                <a:cs typeface="Open Sans"/>
-                <a:sym typeface="Open Sans"/>
-              </a:rPr>
-              <a:t>ON </a:t>
-            </a:r>
-            <a:r>
-              <a:rPr lang="en-US" dirty="0" err="1">
-                <a:latin typeface="Open Sans"/>
-                <a:ea typeface="Open Sans"/>
-                <a:cs typeface="Open Sans"/>
-                <a:sym typeface="Open Sans"/>
-              </a:rPr>
-              <a:t>c.CustomerID</a:t>
-            </a:r>
-            <a:r>
-              <a:rPr lang="en-US" dirty="0">
-                <a:latin typeface="Open Sans"/>
-                <a:ea typeface="Open Sans"/>
-                <a:cs typeface="Open Sans"/>
-                <a:sym typeface="Open Sans"/>
-              </a:rPr>
-              <a:t> = </a:t>
-            </a:r>
-            <a:r>
-              <a:rPr lang="en-US" dirty="0" err="1">
-                <a:latin typeface="Open Sans"/>
-                <a:ea typeface="Open Sans"/>
-                <a:cs typeface="Open Sans"/>
-                <a:sym typeface="Open Sans"/>
-              </a:rPr>
-              <a:t>o.CustomerID</a:t>
-            </a:r>
-            <a:endParaRPr lang="en-US" dirty="0">
-              <a:latin typeface="Open Sans"/>
-              <a:ea typeface="Open Sans"/>
-              <a:cs typeface="Open Sans"/>
-              <a:sym typeface="Open Sans"/>
-            </a:endParaRPr>
-          </a:p>
-          <a:p>
-            <a:pPr lvl="0">
-              <a:lnSpc>
-                <a:spcPct val="100000"/>
-              </a:lnSpc>
-              <a:spcAft>
-                <a:spcPts val="0"/>
-              </a:spcAft>
-            </a:pPr>
-            <a:r>
-              <a:rPr lang="en-US" dirty="0">
-                <a:latin typeface="Open Sans"/>
-                <a:ea typeface="Open Sans"/>
-                <a:cs typeface="Open Sans"/>
-                <a:sym typeface="Open Sans"/>
-              </a:rPr>
-              <a:t>GROUP BY </a:t>
-            </a:r>
-            <a:r>
-              <a:rPr lang="en-US" dirty="0" err="1">
-                <a:latin typeface="Open Sans"/>
-                <a:ea typeface="Open Sans"/>
-                <a:cs typeface="Open Sans"/>
-                <a:sym typeface="Open Sans"/>
-              </a:rPr>
-              <a:t>c.CompanyName</a:t>
-            </a:r>
-            <a:endParaRPr lang="en-US" dirty="0">
-              <a:latin typeface="Open Sans"/>
-              <a:ea typeface="Open Sans"/>
-              <a:cs typeface="Open Sans"/>
-              <a:sym typeface="Open Sans"/>
-            </a:endParaRPr>
-          </a:p>
-          <a:p>
-            <a:pPr lvl="0">
-              <a:lnSpc>
-                <a:spcPct val="100000"/>
-              </a:lnSpc>
-              <a:spcAft>
-                <a:spcPts val="0"/>
-              </a:spcAft>
-            </a:pPr>
-            <a:r>
-              <a:rPr lang="en-US" dirty="0">
-                <a:latin typeface="Open Sans"/>
-                <a:ea typeface="Open Sans"/>
-                <a:cs typeface="Open Sans"/>
-                <a:sym typeface="Open Sans"/>
-              </a:rPr>
-              <a:t>HAVING COUNT(</a:t>
-            </a:r>
-            <a:r>
-              <a:rPr lang="en-US" dirty="0" err="1">
-                <a:latin typeface="Open Sans"/>
-                <a:ea typeface="Open Sans"/>
-                <a:cs typeface="Open Sans"/>
-                <a:sym typeface="Open Sans"/>
-              </a:rPr>
-              <a:t>o.ShipCountry</a:t>
-            </a:r>
-            <a:r>
-              <a:rPr lang="en-US" dirty="0">
-                <a:latin typeface="Open Sans"/>
-                <a:ea typeface="Open Sans"/>
-                <a:cs typeface="Open Sans"/>
-                <a:sym typeface="Open Sans"/>
-              </a:rPr>
-              <a:t>) &gt; 10</a:t>
-            </a:r>
-          </a:p>
-          <a:p>
-            <a:pPr lvl="0">
-              <a:lnSpc>
-                <a:spcPct val="100000"/>
-              </a:lnSpc>
-              <a:spcAft>
-                <a:spcPts val="0"/>
-              </a:spcAft>
-            </a:pPr>
-            <a:r>
-              <a:rPr lang="en-US" dirty="0">
-                <a:latin typeface="Open Sans"/>
-                <a:ea typeface="Open Sans"/>
-                <a:cs typeface="Open Sans"/>
-                <a:sym typeface="Open Sans"/>
-              </a:rPr>
-              <a:t>ORDER BY </a:t>
-            </a:r>
-            <a:r>
-              <a:rPr lang="en-US" dirty="0" err="1">
-                <a:latin typeface="Open Sans"/>
-                <a:ea typeface="Open Sans"/>
-                <a:cs typeface="Open Sans"/>
-                <a:sym typeface="Open Sans"/>
-              </a:rPr>
-              <a:t>ShipCountryNum</a:t>
-            </a:r>
-            <a:endParaRPr lang="en-US" dirty="0">
-              <a:latin typeface="Open Sans"/>
-              <a:ea typeface="Open Sans"/>
-              <a:cs typeface="Open Sans"/>
-              <a:sym typeface="Open Sans"/>
-            </a:endParaRPr>
-          </a:p>
-          <a:p>
-            <a:pPr lvl="0">
-              <a:lnSpc>
-                <a:spcPct val="100000"/>
-              </a:lnSpc>
-              <a:spcAft>
-                <a:spcPts val="0"/>
-              </a:spcAft>
-            </a:pPr>
-            <a:r>
-              <a:rPr lang="en-US" dirty="0">
-                <a:latin typeface="Open Sans"/>
-                <a:ea typeface="Open Sans"/>
-                <a:cs typeface="Open Sans"/>
-                <a:sym typeface="Open Sans"/>
-              </a:rPr>
-              <a:t>DESC;</a:t>
-            </a:r>
-            <a:endParaRPr lang="en" dirty="0">
-              <a:latin typeface="Open Sans"/>
-              <a:ea typeface="Open Sans"/>
-              <a:cs typeface="Open Sans"/>
-              <a:sym typeface="Open Sans"/>
-            </a:endParaRPr>
-          </a:p>
         </p:txBody>
       </p:sp>
       <p:sp>
@@ -34369,205 +34084,6 @@
             </a:endParaRPr>
           </a:p>
           <a:p>
-            <a:pPr>
-              <a:lnSpc>
-                <a:spcPct val="100000"/>
-              </a:lnSpc>
-              <a:spcAft>
-                <a:spcPts val="0"/>
-              </a:spcAft>
-            </a:pPr>
-            <a:r>
-              <a:rPr lang="en-US" altLang="zh-CN" dirty="0"/>
-              <a:t>SELECT </a:t>
-            </a:r>
-            <a:r>
-              <a:rPr lang="en-US" altLang="zh-CN" dirty="0" err="1"/>
-              <a:t>p.ProductName</a:t>
-            </a:r>
-            <a:r>
-              <a:rPr lang="en-US" altLang="zh-CN" dirty="0"/>
-              <a:t>, STRFTIME('%Y-%m', </a:t>
-            </a:r>
-            <a:r>
-              <a:rPr lang="en-US" altLang="zh-CN" dirty="0" err="1"/>
-              <a:t>o.OrderDate</a:t>
-            </a:r>
-            <a:r>
-              <a:rPr lang="en-US" altLang="zh-CN" dirty="0"/>
-              <a:t>) AS </a:t>
-            </a:r>
-            <a:r>
-              <a:rPr lang="en-US" altLang="zh-CN" dirty="0" err="1"/>
-              <a:t>OrderMonth</a:t>
-            </a:r>
-            <a:r>
-              <a:rPr lang="en-US" altLang="zh-CN" dirty="0"/>
-              <a:t>, SUM(</a:t>
-            </a:r>
-            <a:r>
-              <a:rPr lang="en-US" altLang="zh-CN" dirty="0" err="1"/>
-              <a:t>od.UnitPrice</a:t>
-            </a:r>
-            <a:r>
-              <a:rPr lang="en-US" altLang="zh-CN" dirty="0"/>
-              <a:t> * </a:t>
-            </a:r>
-            <a:r>
-              <a:rPr lang="en-US" altLang="zh-CN" dirty="0" err="1"/>
-              <a:t>od.Quantity</a:t>
-            </a:r>
-            <a:r>
-              <a:rPr lang="en-US" altLang="zh-CN" dirty="0"/>
-              <a:t> * (1 - </a:t>
-            </a:r>
-            <a:r>
-              <a:rPr lang="en-US" altLang="zh-CN" dirty="0" err="1"/>
-              <a:t>od.Discount</a:t>
-            </a:r>
-            <a:r>
-              <a:rPr lang="en-US" altLang="zh-CN" dirty="0"/>
-              <a:t>)) AS </a:t>
-            </a:r>
-            <a:r>
-              <a:rPr lang="en-US" altLang="zh-CN" dirty="0" err="1"/>
-              <a:t>TotalSales</a:t>
-            </a:r>
-            <a:endParaRPr lang="en-US" altLang="zh-CN" dirty="0"/>
-          </a:p>
-          <a:p>
-            <a:pPr>
-              <a:lnSpc>
-                <a:spcPct val="100000"/>
-              </a:lnSpc>
-              <a:spcAft>
-                <a:spcPts val="0"/>
-              </a:spcAft>
-            </a:pPr>
-            <a:r>
-              <a:rPr lang="en-US" altLang="zh-CN" dirty="0"/>
-              <a:t>FROM Products p</a:t>
-            </a:r>
-          </a:p>
-          <a:p>
-            <a:pPr>
-              <a:lnSpc>
-                <a:spcPct val="100000"/>
-              </a:lnSpc>
-              <a:spcAft>
-                <a:spcPts val="0"/>
-              </a:spcAft>
-            </a:pPr>
-            <a:r>
-              <a:rPr lang="en-US" altLang="zh-CN" dirty="0"/>
-              <a:t>JOIN </a:t>
-            </a:r>
-            <a:r>
-              <a:rPr lang="en-US" altLang="zh-CN" dirty="0" err="1"/>
-              <a:t>OrderDetails</a:t>
-            </a:r>
-            <a:r>
-              <a:rPr lang="en-US" altLang="zh-CN" dirty="0"/>
-              <a:t> od</a:t>
-            </a:r>
-          </a:p>
-          <a:p>
-            <a:pPr>
-              <a:lnSpc>
-                <a:spcPct val="100000"/>
-              </a:lnSpc>
-              <a:spcAft>
-                <a:spcPts val="0"/>
-              </a:spcAft>
-            </a:pPr>
-            <a:r>
-              <a:rPr lang="en-US" altLang="zh-CN" dirty="0"/>
-              <a:t>ON </a:t>
-            </a:r>
-            <a:r>
-              <a:rPr lang="en-US" altLang="zh-CN" dirty="0" err="1"/>
-              <a:t>p.ProductID</a:t>
-            </a:r>
-            <a:r>
-              <a:rPr lang="en-US" altLang="zh-CN" dirty="0"/>
-              <a:t> = </a:t>
-            </a:r>
-            <a:r>
-              <a:rPr lang="en-US" altLang="zh-CN" dirty="0" err="1"/>
-              <a:t>od.ProductID</a:t>
-            </a:r>
-            <a:endParaRPr lang="en-US" altLang="zh-CN" dirty="0"/>
-          </a:p>
-          <a:p>
-            <a:pPr>
-              <a:lnSpc>
-                <a:spcPct val="100000"/>
-              </a:lnSpc>
-              <a:spcAft>
-                <a:spcPts val="0"/>
-              </a:spcAft>
-            </a:pPr>
-            <a:r>
-              <a:rPr lang="en-US" altLang="zh-CN" dirty="0"/>
-              <a:t>JOIN Orders o</a:t>
-            </a:r>
-          </a:p>
-          <a:p>
-            <a:pPr>
-              <a:lnSpc>
-                <a:spcPct val="100000"/>
-              </a:lnSpc>
-              <a:spcAft>
-                <a:spcPts val="0"/>
-              </a:spcAft>
-            </a:pPr>
-            <a:r>
-              <a:rPr lang="en-US" altLang="zh-CN" dirty="0"/>
-              <a:t>ON </a:t>
-            </a:r>
-            <a:r>
-              <a:rPr lang="en-US" altLang="zh-CN" dirty="0" err="1"/>
-              <a:t>od.OrderID</a:t>
-            </a:r>
-            <a:r>
-              <a:rPr lang="en-US" altLang="zh-CN" dirty="0"/>
-              <a:t> = </a:t>
-            </a:r>
-            <a:r>
-              <a:rPr lang="en-US" altLang="zh-CN" dirty="0" err="1"/>
-              <a:t>o.OrderId</a:t>
-            </a:r>
-            <a:endParaRPr lang="en-US" altLang="zh-CN" dirty="0"/>
-          </a:p>
-          <a:p>
-            <a:pPr>
-              <a:lnSpc>
-                <a:spcPct val="100000"/>
-              </a:lnSpc>
-              <a:spcAft>
-                <a:spcPts val="0"/>
-              </a:spcAft>
-            </a:pPr>
-            <a:r>
-              <a:rPr lang="en-US" altLang="zh-CN" dirty="0"/>
-              <a:t>GROUP BY 1, 2</a:t>
-            </a:r>
-          </a:p>
-          <a:p>
-            <a:pPr>
-              <a:lnSpc>
-                <a:spcPct val="100000"/>
-              </a:lnSpc>
-              <a:spcAft>
-                <a:spcPts val="0"/>
-              </a:spcAft>
-            </a:pPr>
-            <a:r>
-              <a:rPr lang="en-US" altLang="zh-CN" dirty="0"/>
-              <a:t>ORDER BY 1, 2</a:t>
-            </a:r>
-          </a:p>
-          <a:p>
             <a:pPr lvl="0" rtl="0">
               <a:spcBef>
                 <a:spcPts val="0"/>
@@ -34813,401 +34329,6 @@
               <a:cs typeface="Open Sans"/>
               <a:sym typeface="Open Sans"/>
             </a:endParaRPr>
-          </a:p>
-          <a:p>
-            <a:pPr>
-              <a:lnSpc>
-                <a:spcPct val="100000"/>
-              </a:lnSpc>
-              <a:spcAft>
-                <a:spcPts val="0"/>
-              </a:spcAft>
-            </a:pPr>
-            <a:r>
-              <a:rPr lang="en-US" altLang="zh-CN" dirty="0" err="1"/>
-              <a:t>WIth</a:t>
-            </a:r>
-            <a:r>
-              <a:rPr lang="en-US" altLang="zh-CN" dirty="0"/>
-              <a:t> </a:t>
-            </a:r>
-            <a:r>
-              <a:rPr lang="en-US" altLang="zh-CN" dirty="0" err="1"/>
-              <a:t>TopProducts</a:t>
-            </a:r>
-            <a:r>
-              <a:rPr lang="en-US" altLang="zh-CN" dirty="0"/>
-              <a:t> AS (SELECT </a:t>
-            </a:r>
-            <a:r>
-              <a:rPr lang="en-US" altLang="zh-CN" dirty="0" err="1"/>
-              <a:t>ProductID</a:t>
-            </a:r>
-            <a:r>
-              <a:rPr lang="en-US" altLang="zh-CN" dirty="0"/>
-              <a:t> FROM (SELECT </a:t>
-            </a:r>
-            <a:r>
-              <a:rPr lang="en-US" altLang="zh-CN" dirty="0" err="1"/>
-              <a:t>p.ProductID</a:t>
-            </a:r>
-            <a:r>
-              <a:rPr lang="en-US" altLang="zh-CN" dirty="0"/>
-              <a:t>, COUNT(*) AS </a:t>
-            </a:r>
-            <a:r>
-              <a:rPr lang="en-US" altLang="zh-CN" dirty="0" err="1"/>
-              <a:t>ProductNum</a:t>
-            </a:r>
-            <a:endParaRPr lang="en-US" altLang="zh-CN" dirty="0"/>
-          </a:p>
-          <a:p>
-            <a:pPr>
-              <a:lnSpc>
-                <a:spcPct val="100000"/>
-              </a:lnSpc>
-              <a:spcAft>
-                <a:spcPts val="0"/>
-              </a:spcAft>
-            </a:pPr>
-            <a:r>
-              <a:rPr lang="en-US" altLang="zh-CN" dirty="0"/>
-              <a:t>FROM Orders o</a:t>
-            </a:r>
-          </a:p>
-          <a:p>
-            <a:pPr>
-              <a:lnSpc>
-                <a:spcPct val="100000"/>
-              </a:lnSpc>
-              <a:spcAft>
-                <a:spcPts val="0"/>
-              </a:spcAft>
-            </a:pPr>
-            <a:r>
-              <a:rPr lang="en-US" altLang="zh-CN" dirty="0"/>
-              <a:t>JOIN </a:t>
-            </a:r>
-            <a:r>
-              <a:rPr lang="en-US" altLang="zh-CN" dirty="0" err="1"/>
-              <a:t>OrderDetails</a:t>
-            </a:r>
-            <a:r>
-              <a:rPr lang="en-US" altLang="zh-CN" dirty="0"/>
-              <a:t> od</a:t>
-            </a:r>
-          </a:p>
-          <a:p>
-            <a:pPr>
-              <a:lnSpc>
-                <a:spcPct val="100000"/>
-              </a:lnSpc>
-              <a:spcAft>
-                <a:spcPts val="0"/>
-              </a:spcAft>
-            </a:pPr>
-            <a:r>
-              <a:rPr lang="en-US" altLang="zh-CN" dirty="0"/>
-              <a:t>ON </a:t>
-            </a:r>
-            <a:r>
-              <a:rPr lang="en-US" altLang="zh-CN" dirty="0" err="1"/>
-              <a:t>o.OrderId</a:t>
-            </a:r>
-            <a:r>
-              <a:rPr lang="en-US" altLang="zh-CN" dirty="0"/>
-              <a:t> = </a:t>
-            </a:r>
-            <a:r>
-              <a:rPr lang="en-US" altLang="zh-CN" dirty="0" err="1"/>
-              <a:t>od.OrderID</a:t>
-            </a:r>
-            <a:endParaRPr lang="en-US" altLang="zh-CN" dirty="0"/>
-          </a:p>
-          <a:p>
-            <a:pPr>
-              <a:lnSpc>
-                <a:spcPct val="100000"/>
-              </a:lnSpc>
-              <a:spcAft>
-                <a:spcPts val="0"/>
-              </a:spcAft>
-            </a:pPr>
-            <a:r>
-              <a:rPr lang="en-US" altLang="zh-CN" dirty="0"/>
-              <a:t>JOIN Products p</a:t>
-            </a:r>
-          </a:p>
-          <a:p>
-            <a:pPr>
-              <a:lnSpc>
-                <a:spcPct val="100000"/>
-              </a:lnSpc>
-              <a:spcAft>
-                <a:spcPts val="0"/>
-              </a:spcAft>
-            </a:pPr>
-            <a:r>
-              <a:rPr lang="en-US" altLang="zh-CN" dirty="0"/>
-              <a:t>ON </a:t>
-            </a:r>
-            <a:r>
-              <a:rPr lang="en-US" altLang="zh-CN" dirty="0" err="1"/>
-              <a:t>od.ProductID</a:t>
-            </a:r>
-            <a:r>
-              <a:rPr lang="en-US" altLang="zh-CN" dirty="0"/>
-              <a:t> = </a:t>
-            </a:r>
-            <a:r>
-              <a:rPr lang="en-US" altLang="zh-CN" dirty="0" err="1"/>
-              <a:t>p.ProductID</a:t>
-            </a:r>
-            <a:endParaRPr lang="en-US" altLang="zh-CN" dirty="0"/>
-          </a:p>
-          <a:p>
-            <a:pPr>
-              <a:lnSpc>
-                <a:spcPct val="100000"/>
-              </a:lnSpc>
-              <a:spcAft>
-                <a:spcPts val="0"/>
-              </a:spcAft>
-            </a:pPr>
-            <a:r>
-              <a:rPr lang="en-US" altLang="zh-CN" dirty="0"/>
-              <a:t>GROUP BY </a:t>
-            </a:r>
-            <a:r>
-              <a:rPr lang="en-US" altLang="zh-CN" dirty="0" err="1"/>
-              <a:t>p.ProductID</a:t>
-            </a:r>
-            <a:endParaRPr lang="en-US" altLang="zh-CN" dirty="0"/>
-          </a:p>
-          <a:p>
-            <a:pPr>
-              <a:lnSpc>
-                <a:spcPct val="100000"/>
-              </a:lnSpc>
-              <a:spcAft>
-                <a:spcPts val="0"/>
-              </a:spcAft>
-            </a:pPr>
-            <a:r>
-              <a:rPr lang="en-US" altLang="zh-CN" dirty="0"/>
-              <a:t>ORDER BY </a:t>
-            </a:r>
-            <a:r>
-              <a:rPr lang="en-US" altLang="zh-CN" dirty="0" err="1"/>
-              <a:t>ProductNum</a:t>
-            </a:r>
-            <a:r>
-              <a:rPr lang="en-US" altLang="zh-CN" dirty="0"/>
-              <a:t> </a:t>
-            </a:r>
-          </a:p>
-          <a:p>
-            <a:pPr>
-              <a:lnSpc>
-                <a:spcPct val="100000"/>
-              </a:lnSpc>
-              <a:spcAft>
-                <a:spcPts val="0"/>
-              </a:spcAft>
-            </a:pPr>
-            <a:r>
-              <a:rPr lang="en-US" altLang="zh-CN" dirty="0"/>
-              <a:t>DESC </a:t>
-            </a:r>
-          </a:p>
-          <a:p>
-            <a:pPr>
-              <a:lnSpc>
-                <a:spcPct val="100000"/>
-              </a:lnSpc>
-              <a:spcAft>
-                <a:spcPts val="0"/>
-              </a:spcAft>
-            </a:pPr>
-            <a:r>
-              <a:rPr lang="en-US" altLang="zh-CN" dirty="0"/>
-              <a:t>LIMIT 10) sub)</a:t>
-            </a:r>
-          </a:p>
-          <a:p>
-            <a:pPr>
-              <a:lnSpc>
-                <a:spcPct val="100000"/>
-              </a:lnSpc>
-              <a:spcAft>
-                <a:spcPts val="0"/>
-              </a:spcAft>
-            </a:pPr>
-            <a:br>
-              <a:rPr lang="en-US" altLang="zh-CN" dirty="0"/>
-            </a:br>
-            <a:r>
-              <a:rPr lang="en-US" altLang="zh-CN" dirty="0"/>
-              <a:t>SELECT </a:t>
-            </a:r>
-            <a:r>
-              <a:rPr lang="en-US" altLang="zh-CN" dirty="0" err="1"/>
-              <a:t>p.ProductName</a:t>
-            </a:r>
-            <a:r>
-              <a:rPr lang="en-US" altLang="zh-CN" dirty="0"/>
-              <a:t>, COUNT(*) AS </a:t>
-            </a:r>
-            <a:r>
-              <a:rPr lang="en-US" altLang="zh-CN" dirty="0" err="1"/>
-              <a:t>SupplierNum</a:t>
-            </a:r>
-            <a:endParaRPr lang="en-US" altLang="zh-CN" dirty="0"/>
-          </a:p>
-          <a:p>
-            <a:pPr>
-              <a:lnSpc>
-                <a:spcPct val="100000"/>
-              </a:lnSpc>
-              <a:spcAft>
-                <a:spcPts val="0"/>
-              </a:spcAft>
-            </a:pPr>
-            <a:r>
-              <a:rPr lang="en-US" altLang="zh-CN" dirty="0"/>
-              <a:t>FROM Products p</a:t>
-            </a:r>
-          </a:p>
-          <a:p>
-            <a:pPr>
-              <a:lnSpc>
-                <a:spcPct val="100000"/>
-              </a:lnSpc>
-              <a:spcAft>
-                <a:spcPts val="0"/>
-              </a:spcAft>
-            </a:pPr>
-            <a:r>
-              <a:rPr lang="en-US" altLang="zh-CN" dirty="0"/>
-              <a:t>JOIN Suppliers s</a:t>
-            </a:r>
-          </a:p>
-          <a:p>
-            <a:pPr>
-              <a:lnSpc>
-                <a:spcPct val="100000"/>
-              </a:lnSpc>
-              <a:spcAft>
-                <a:spcPts val="0"/>
-              </a:spcAft>
-            </a:pPr>
-            <a:r>
-              <a:rPr lang="en-US" altLang="zh-CN" dirty="0"/>
-              <a:t>ON </a:t>
-            </a:r>
-            <a:r>
-              <a:rPr lang="en-US" altLang="zh-CN" dirty="0" err="1"/>
-              <a:t>p.SupplierID</a:t>
-            </a:r>
-            <a:r>
-              <a:rPr lang="en-US" altLang="zh-CN" dirty="0"/>
-              <a:t> = </a:t>
-            </a:r>
-            <a:r>
-              <a:rPr lang="en-US" altLang="zh-CN" dirty="0" err="1"/>
-              <a:t>s.SupplierID</a:t>
-            </a:r>
-            <a:endParaRPr lang="en-US" altLang="zh-CN" dirty="0"/>
-          </a:p>
-          <a:p>
-            <a:pPr>
-              <a:lnSpc>
-                <a:spcPct val="100000"/>
-              </a:lnSpc>
-              <a:spcAft>
-                <a:spcPts val="0"/>
-              </a:spcAft>
-            </a:pPr>
-            <a:r>
-              <a:rPr lang="en-US" altLang="zh-CN" dirty="0"/>
-              <a:t>JOIN </a:t>
-            </a:r>
-            <a:r>
-              <a:rPr lang="en-US" altLang="zh-CN" dirty="0" err="1"/>
-              <a:t>TopProducts</a:t>
-            </a:r>
-            <a:r>
-              <a:rPr lang="en-US" altLang="zh-CN" dirty="0"/>
-              <a:t> t</a:t>
-            </a:r>
-          </a:p>
-          <a:p>
-            <a:pPr>
-              <a:lnSpc>
-                <a:spcPct val="100000"/>
-              </a:lnSpc>
-              <a:spcAft>
-                <a:spcPts val="0"/>
-              </a:spcAft>
-            </a:pPr>
-            <a:r>
-              <a:rPr lang="en-US" altLang="zh-CN" dirty="0"/>
-              <a:t>ON </a:t>
-            </a:r>
-            <a:r>
-              <a:rPr lang="en-US" altLang="zh-CN" dirty="0" err="1"/>
-              <a:t>t.ProductID</a:t>
-            </a:r>
-            <a:r>
-              <a:rPr lang="en-US" altLang="zh-CN" dirty="0"/>
-              <a:t> = </a:t>
-            </a:r>
-            <a:r>
-              <a:rPr lang="en-US" altLang="zh-CN" dirty="0" err="1"/>
-              <a:t>p.ProductID</a:t>
-            </a:r>
-            <a:endParaRPr lang="en-US" altLang="zh-CN" dirty="0"/>
-          </a:p>
-          <a:p>
-            <a:pPr>
-              <a:lnSpc>
-                <a:spcPct val="100000"/>
-              </a:lnSpc>
-              <a:spcAft>
-                <a:spcPts val="0"/>
-              </a:spcAft>
-            </a:pPr>
-            <a:r>
-              <a:rPr lang="en-US" altLang="zh-CN" dirty="0"/>
-              <a:t>GROUP BY </a:t>
-            </a:r>
-            <a:r>
-              <a:rPr lang="en-US" altLang="zh-CN" dirty="0" err="1"/>
-              <a:t>p.ProductName</a:t>
-            </a:r>
-            <a:endParaRPr lang="en-US" altLang="zh-CN" dirty="0"/>
-          </a:p>
-          <a:p>
-            <a:pPr>
-              <a:lnSpc>
-                <a:spcPct val="100000"/>
-              </a:lnSpc>
-              <a:spcAft>
-                <a:spcPts val="0"/>
-              </a:spcAft>
-            </a:pPr>
-            <a:r>
-              <a:rPr lang="en-US" altLang="zh-CN" dirty="0"/>
-              <a:t>ORDER BY </a:t>
-            </a:r>
-            <a:r>
-              <a:rPr lang="en-US" altLang="zh-CN" dirty="0" err="1"/>
-              <a:t>SupplierNum</a:t>
-            </a:r>
-            <a:r>
-              <a:rPr lang="en-US" altLang="zh-CN" dirty="0"/>
-              <a:t>;</a:t>
-            </a:r>
           </a:p>
           <a:p>
             <a:pPr lvl="0" rtl="0">
@@ -35527,116 +34648,6 @@
             </a:endParaRPr>
           </a:p>
           <a:p>
-            <a:pPr>
-              <a:lnSpc>
-                <a:spcPct val="100000"/>
-              </a:lnSpc>
-              <a:spcAft>
-                <a:spcPts val="0"/>
-              </a:spcAft>
-            </a:pPr>
-            <a:r>
-              <a:rPr lang="en-US" altLang="zh-CN" dirty="0"/>
-              <a:t>SELECT </a:t>
-            </a:r>
-            <a:r>
-              <a:rPr lang="en-US" altLang="zh-CN" dirty="0" err="1"/>
-              <a:t>c.CategoryName</a:t>
-            </a:r>
-            <a:r>
-              <a:rPr lang="en-US" altLang="zh-CN" dirty="0"/>
-              <a:t>, COUNT(*) AS </a:t>
-            </a:r>
-            <a:r>
-              <a:rPr lang="en-US" altLang="zh-CN" dirty="0" err="1"/>
-              <a:t>ProductNum</a:t>
-            </a:r>
-            <a:endParaRPr lang="en-US" altLang="zh-CN" dirty="0"/>
-          </a:p>
-          <a:p>
-            <a:pPr>
-              <a:lnSpc>
-                <a:spcPct val="100000"/>
-              </a:lnSpc>
-              <a:spcAft>
-                <a:spcPts val="0"/>
-              </a:spcAft>
-            </a:pPr>
-            <a:r>
-              <a:rPr lang="en-US" altLang="zh-CN" dirty="0"/>
-              <a:t>FROM Categories c</a:t>
-            </a:r>
-          </a:p>
-          <a:p>
-            <a:pPr>
-              <a:lnSpc>
-                <a:spcPct val="100000"/>
-              </a:lnSpc>
-              <a:spcAft>
-                <a:spcPts val="0"/>
-              </a:spcAft>
-            </a:pPr>
-            <a:r>
-              <a:rPr lang="en-US" altLang="zh-CN" dirty="0"/>
-              <a:t>JOIN Products p</a:t>
-            </a:r>
-          </a:p>
-          <a:p>
-            <a:pPr>
-              <a:lnSpc>
-                <a:spcPct val="100000"/>
-              </a:lnSpc>
-              <a:spcAft>
-                <a:spcPts val="0"/>
-              </a:spcAft>
-            </a:pPr>
-            <a:r>
-              <a:rPr lang="en-US" altLang="zh-CN" dirty="0"/>
-              <a:t>ON </a:t>
-            </a:r>
-            <a:r>
-              <a:rPr lang="en-US" altLang="zh-CN" dirty="0" err="1"/>
-              <a:t>c.CategoryID</a:t>
-            </a:r>
-            <a:r>
-              <a:rPr lang="en-US" altLang="zh-CN" dirty="0"/>
-              <a:t> = </a:t>
-            </a:r>
-            <a:r>
-              <a:rPr lang="en-US" altLang="zh-CN" dirty="0" err="1"/>
-              <a:t>p.CategoryID</a:t>
-            </a:r>
-            <a:endParaRPr lang="en-US" altLang="zh-CN" dirty="0"/>
-          </a:p>
-          <a:p>
-            <a:pPr>
-              <a:lnSpc>
-                <a:spcPct val="100000"/>
-              </a:lnSpc>
-              <a:spcAft>
-                <a:spcPts val="0"/>
-              </a:spcAft>
-            </a:pPr>
-            <a:r>
-              <a:rPr lang="en-US" altLang="zh-CN" dirty="0"/>
-              <a:t>GROUP BY 1</a:t>
-            </a:r>
-          </a:p>
-          <a:p>
-            <a:pPr>
-              <a:lnSpc>
-                <a:spcPct val="100000"/>
-              </a:lnSpc>
-              <a:spcAft>
-                <a:spcPts val="0"/>
-              </a:spcAft>
-            </a:pPr>
-            <a:r>
-              <a:rPr lang="en-US" altLang="zh-CN" dirty="0"/>
-              <a:t>ORDER BY 2 DESC;</a:t>
-            </a:r>
-          </a:p>
-          <a:p>
             <a:pPr lvl="0" rtl="0">
               <a:spcBef>
                 <a:spcPts val="0"/>
@@ -35902,228 +34913,6 @@
             </a:endParaRPr>
           </a:p>
           <a:p>
-            <a:pPr>
-              <a:lnSpc>
-                <a:spcPct val="100000"/>
-              </a:lnSpc>
-              <a:spcAft>
-                <a:spcPts val="0"/>
-              </a:spcAft>
-            </a:pPr>
-            <a:r>
-              <a:rPr lang="en-US" altLang="zh-CN" dirty="0"/>
-              <a:t>SELECT PRINTF('%s %s', </a:t>
-            </a:r>
-            <a:r>
-              <a:rPr lang="en-US" altLang="zh-CN" dirty="0" err="1"/>
-              <a:t>e.FirstName</a:t>
-            </a:r>
-            <a:r>
-              <a:rPr lang="en-US" altLang="zh-CN" dirty="0"/>
-              <a:t>, </a:t>
-            </a:r>
-            <a:r>
-              <a:rPr lang="en-US" altLang="zh-CN" dirty="0" err="1"/>
-              <a:t>e.LastName</a:t>
-            </a:r>
-            <a:r>
-              <a:rPr lang="en-US" altLang="zh-CN" dirty="0"/>
-              <a:t>) AS Name, SUM(</a:t>
-            </a:r>
-            <a:r>
-              <a:rPr lang="en-US" altLang="zh-CN" dirty="0" err="1"/>
-              <a:t>od.UnitPrice</a:t>
-            </a:r>
-            <a:r>
-              <a:rPr lang="en-US" altLang="zh-CN" dirty="0"/>
-              <a:t> * </a:t>
-            </a:r>
-            <a:r>
-              <a:rPr lang="en-US" altLang="zh-CN" dirty="0" err="1"/>
-              <a:t>od.Quantity</a:t>
-            </a:r>
-            <a:r>
-              <a:rPr lang="en-US" altLang="zh-CN" dirty="0"/>
-              <a:t> * (1 - </a:t>
-            </a:r>
-            <a:r>
-              <a:rPr lang="en-US" altLang="zh-CN" dirty="0" err="1"/>
-              <a:t>od.Discount</a:t>
-            </a:r>
-            <a:r>
-              <a:rPr lang="en-US" altLang="zh-CN" dirty="0"/>
-              <a:t>)) AS </a:t>
-            </a:r>
-            <a:r>
-              <a:rPr lang="en-US" altLang="zh-CN" dirty="0" err="1"/>
-              <a:t>TotalSales</a:t>
-            </a:r>
-            <a:r>
-              <a:rPr lang="en-US" altLang="zh-CN" dirty="0"/>
-              <a:t> </a:t>
-            </a:r>
-          </a:p>
-          <a:p>
-            <a:pPr>
-              <a:lnSpc>
-                <a:spcPct val="100000"/>
-              </a:lnSpc>
-              <a:spcAft>
-                <a:spcPts val="0"/>
-              </a:spcAft>
-            </a:pPr>
-            <a:r>
-              <a:rPr lang="en-US" altLang="zh-CN" dirty="0"/>
-              <a:t>FROM Employees e</a:t>
-            </a:r>
-          </a:p>
-          <a:p>
-            <a:pPr>
-              <a:lnSpc>
-                <a:spcPct val="100000"/>
-              </a:lnSpc>
-              <a:spcAft>
-                <a:spcPts val="0"/>
-              </a:spcAft>
-            </a:pPr>
-            <a:r>
-              <a:rPr lang="en-US" altLang="zh-CN" dirty="0"/>
-              <a:t>JOIN Orders o</a:t>
-            </a:r>
-          </a:p>
-          <a:p>
-            <a:pPr>
-              <a:lnSpc>
-                <a:spcPct val="100000"/>
-              </a:lnSpc>
-              <a:spcAft>
-                <a:spcPts val="0"/>
-              </a:spcAft>
-            </a:pPr>
-            <a:r>
-              <a:rPr lang="en-US" altLang="zh-CN" dirty="0"/>
-              <a:t>ON </a:t>
-            </a:r>
-            <a:r>
-              <a:rPr lang="en-US" altLang="zh-CN" dirty="0" err="1"/>
-              <a:t>o.EmployeeID</a:t>
-            </a:r>
-            <a:r>
-              <a:rPr lang="en-US" altLang="zh-CN" dirty="0"/>
-              <a:t> = </a:t>
-            </a:r>
-            <a:r>
-              <a:rPr lang="en-US" altLang="zh-CN" dirty="0" err="1"/>
-              <a:t>e.EmployeeID</a:t>
-            </a:r>
-            <a:endParaRPr lang="en-US" altLang="zh-CN" dirty="0"/>
-          </a:p>
-          <a:p>
-            <a:pPr>
-              <a:lnSpc>
-                <a:spcPct val="100000"/>
-              </a:lnSpc>
-              <a:spcAft>
-                <a:spcPts val="0"/>
-              </a:spcAft>
-            </a:pPr>
-            <a:r>
-              <a:rPr lang="en-US" altLang="zh-CN" dirty="0"/>
-              <a:t>JOIN </a:t>
-            </a:r>
-            <a:r>
-              <a:rPr lang="en-US" altLang="zh-CN" dirty="0" err="1"/>
-              <a:t>OrderDetails</a:t>
-            </a:r>
-            <a:r>
-              <a:rPr lang="en-US" altLang="zh-CN" dirty="0"/>
-              <a:t> od</a:t>
-            </a:r>
-          </a:p>
-          <a:p>
-            <a:pPr>
-              <a:lnSpc>
-                <a:spcPct val="100000"/>
-              </a:lnSpc>
-              <a:spcAft>
-                <a:spcPts val="0"/>
-              </a:spcAft>
-            </a:pPr>
-            <a:r>
-              <a:rPr lang="en-US" altLang="zh-CN" dirty="0"/>
-              <a:t>ON </a:t>
-            </a:r>
-            <a:r>
-              <a:rPr lang="en-US" altLang="zh-CN" dirty="0" err="1"/>
-              <a:t>od.OrderID</a:t>
-            </a:r>
-            <a:r>
-              <a:rPr lang="en-US" altLang="zh-CN" dirty="0"/>
-              <a:t> = </a:t>
-            </a:r>
-            <a:r>
-              <a:rPr lang="en-US" altLang="zh-CN" dirty="0" err="1"/>
-              <a:t>o.OrderId</a:t>
-            </a:r>
-            <a:endParaRPr lang="en-US" altLang="zh-CN" dirty="0"/>
-          </a:p>
-          <a:p>
-            <a:pPr>
-              <a:lnSpc>
-                <a:spcPct val="100000"/>
-              </a:lnSpc>
-              <a:spcAft>
-                <a:spcPts val="0"/>
-              </a:spcAft>
-            </a:pPr>
-            <a:r>
-              <a:rPr lang="en-US" altLang="zh-CN" dirty="0"/>
-              <a:t>GROUP BY 1</a:t>
-            </a:r>
-          </a:p>
-          <a:p>
-            <a:pPr>
-              <a:lnSpc>
-                <a:spcPct val="100000"/>
-              </a:lnSpc>
-              <a:spcAft>
-                <a:spcPts val="0"/>
-              </a:spcAft>
-            </a:pPr>
-            <a:r>
-              <a:rPr lang="en-US" altLang="zh-CN" dirty="0"/>
-              <a:t>ORDER BY 2</a:t>
-            </a:r>
-          </a:p>
-          <a:p>
-            <a:pPr>
-              <a:lnSpc>
-                <a:spcPct val="100000"/>
-              </a:lnSpc>
-              <a:spcAft>
-                <a:spcPts val="0"/>
-              </a:spcAft>
-            </a:pPr>
-            <a:r>
-              <a:rPr lang="en-US" altLang="zh-CN" dirty="0"/>
-              <a:t>DESC</a:t>
-            </a:r>
-          </a:p>
-          <a:p>
-            <a:pPr>
-              <a:lnSpc>
-                <a:spcPct val="100000"/>
-              </a:lnSpc>
-              <a:spcAft>
-                <a:spcPts val="0"/>
-              </a:spcAft>
-            </a:pPr>
-            <a:r>
-              <a:rPr lang="en-US" altLang="zh-CN" dirty="0"/>
-              <a:t>LIMIT 1;</a:t>
-            </a:r>
-          </a:p>
-          <a:p>
             <a:pPr lvl="0" rtl="0">
               <a:spcBef>
                 <a:spcPts val="0"/>
@@ -36351,280 +35140,6 @@
               <a:cs typeface="Open Sans"/>
               <a:sym typeface="Open Sans"/>
             </a:endParaRPr>
-          </a:p>
-          <a:p>
-            <a:pPr>
-              <a:lnSpc>
-                <a:spcPct val="100000"/>
-              </a:lnSpc>
-              <a:spcAft>
-                <a:spcPts val="0"/>
-              </a:spcAft>
-            </a:pPr>
-            <a:r>
-              <a:rPr lang="en-US" altLang="zh-CN" dirty="0"/>
-              <a:t>SELECT </a:t>
-            </a:r>
-            <a:r>
-              <a:rPr lang="en-US" altLang="zh-CN" dirty="0" err="1"/>
-              <a:t>EmployeeID</a:t>
-            </a:r>
-            <a:r>
-              <a:rPr lang="en-US" altLang="zh-CN" dirty="0"/>
-              <a:t>, PRINTF('%s %s', FirstName, </a:t>
-            </a:r>
-            <a:r>
-              <a:rPr lang="en-US" altLang="zh-CN" dirty="0" err="1"/>
-              <a:t>LastName</a:t>
-            </a:r>
-            <a:r>
-              <a:rPr lang="en-US" altLang="zh-CN" dirty="0"/>
-              <a:t>) AS Name, Country</a:t>
-            </a:r>
-          </a:p>
-          <a:p>
-            <a:pPr>
-              <a:lnSpc>
-                <a:spcPct val="100000"/>
-              </a:lnSpc>
-              <a:spcAft>
-                <a:spcPts val="0"/>
-              </a:spcAft>
-            </a:pPr>
-            <a:r>
-              <a:rPr lang="en-US" altLang="zh-CN" dirty="0"/>
-              <a:t>FROM Employees</a:t>
-            </a:r>
-          </a:p>
-          <a:p>
-            <a:pPr>
-              <a:lnSpc>
-                <a:spcPct val="100000"/>
-              </a:lnSpc>
-              <a:spcAft>
-                <a:spcPts val="0"/>
-              </a:spcAft>
-            </a:pPr>
-            <a:r>
-              <a:rPr lang="en-US" altLang="zh-CN" dirty="0"/>
-              <a:t>WHERE </a:t>
-            </a:r>
-            <a:r>
-              <a:rPr lang="en-US" altLang="zh-CN" dirty="0" err="1"/>
-              <a:t>EmployeeID</a:t>
-            </a:r>
-            <a:r>
-              <a:rPr lang="en-US" altLang="zh-CN" dirty="0"/>
-              <a:t> = (SELECT </a:t>
-            </a:r>
-            <a:r>
-              <a:rPr lang="en-US" altLang="zh-CN" dirty="0" err="1"/>
-              <a:t>EmployeeID</a:t>
-            </a:r>
-            <a:r>
-              <a:rPr lang="en-US" altLang="zh-CN" dirty="0"/>
-              <a:t> FROM (SELECT </a:t>
-            </a:r>
-            <a:r>
-              <a:rPr lang="en-US" altLang="zh-CN" dirty="0" err="1"/>
-              <a:t>e.EmployeeID</a:t>
-            </a:r>
-            <a:r>
-              <a:rPr lang="en-US" altLang="zh-CN" dirty="0"/>
-              <a:t>, SUM(</a:t>
-            </a:r>
-            <a:r>
-              <a:rPr lang="en-US" altLang="zh-CN" dirty="0" err="1"/>
-              <a:t>od.UnitPrice</a:t>
-            </a:r>
-            <a:r>
-              <a:rPr lang="en-US" altLang="zh-CN" dirty="0"/>
-              <a:t> * </a:t>
-            </a:r>
-            <a:r>
-              <a:rPr lang="en-US" altLang="zh-CN" dirty="0" err="1"/>
-              <a:t>od.Quantity</a:t>
-            </a:r>
-            <a:r>
-              <a:rPr lang="en-US" altLang="zh-CN" dirty="0"/>
-              <a:t> * (1 - </a:t>
-            </a:r>
-            <a:r>
-              <a:rPr lang="en-US" altLang="zh-CN" dirty="0" err="1"/>
-              <a:t>od.Discount</a:t>
-            </a:r>
-            <a:r>
-              <a:rPr lang="en-US" altLang="zh-CN" dirty="0"/>
-              <a:t>)) AS </a:t>
-            </a:r>
-            <a:r>
-              <a:rPr lang="en-US" altLang="zh-CN" dirty="0" err="1"/>
-              <a:t>TotalSales</a:t>
-            </a:r>
-            <a:r>
-              <a:rPr lang="en-US" altLang="zh-CN" dirty="0"/>
-              <a:t> </a:t>
-            </a:r>
-          </a:p>
-          <a:p>
-            <a:pPr>
-              <a:lnSpc>
-                <a:spcPct val="100000"/>
-              </a:lnSpc>
-              <a:spcAft>
-                <a:spcPts val="0"/>
-              </a:spcAft>
-            </a:pPr>
-            <a:r>
-              <a:rPr lang="en-US" altLang="zh-CN" dirty="0"/>
-              <a:t>FROM Employees e</a:t>
-            </a:r>
-          </a:p>
-          <a:p>
-            <a:pPr>
-              <a:lnSpc>
-                <a:spcPct val="100000"/>
-              </a:lnSpc>
-              <a:spcAft>
-                <a:spcPts val="0"/>
-              </a:spcAft>
-            </a:pPr>
-            <a:r>
-              <a:rPr lang="en-US" altLang="zh-CN" dirty="0"/>
-              <a:t>JOIN Orders o</a:t>
-            </a:r>
-          </a:p>
-          <a:p>
-            <a:pPr>
-              <a:lnSpc>
-                <a:spcPct val="100000"/>
-              </a:lnSpc>
-              <a:spcAft>
-                <a:spcPts val="0"/>
-              </a:spcAft>
-            </a:pPr>
-            <a:r>
-              <a:rPr lang="en-US" altLang="zh-CN" dirty="0"/>
-              <a:t>ON </a:t>
-            </a:r>
-            <a:r>
-              <a:rPr lang="en-US" altLang="zh-CN" dirty="0" err="1"/>
-              <a:t>o.EmployeeID</a:t>
-            </a:r>
-            <a:r>
-              <a:rPr lang="en-US" altLang="zh-CN" dirty="0"/>
-              <a:t> = </a:t>
-            </a:r>
-            <a:r>
-              <a:rPr lang="en-US" altLang="zh-CN" dirty="0" err="1"/>
-              <a:t>e.EmployeeID</a:t>
-            </a:r>
-            <a:endParaRPr lang="en-US" altLang="zh-CN" dirty="0"/>
-          </a:p>
-          <a:p>
-            <a:pPr>
-              <a:lnSpc>
-                <a:spcPct val="100000"/>
-              </a:lnSpc>
-              <a:spcAft>
-                <a:spcPts val="0"/>
-              </a:spcAft>
-            </a:pPr>
-            <a:r>
-              <a:rPr lang="en-US" altLang="zh-CN" dirty="0"/>
-              <a:t>JOIN </a:t>
-            </a:r>
-            <a:r>
-              <a:rPr lang="en-US" altLang="zh-CN" dirty="0" err="1"/>
-              <a:t>OrderDetails</a:t>
-            </a:r>
-            <a:r>
-              <a:rPr lang="en-US" altLang="zh-CN" dirty="0"/>
-              <a:t> od</a:t>
-            </a:r>
-          </a:p>
-          <a:p>
-            <a:pPr>
-              <a:lnSpc>
-                <a:spcPct val="100000"/>
-              </a:lnSpc>
-              <a:spcAft>
-                <a:spcPts val="0"/>
-              </a:spcAft>
-            </a:pPr>
-            <a:r>
-              <a:rPr lang="en-US" altLang="zh-CN" dirty="0"/>
-              <a:t>ON </a:t>
-            </a:r>
-            <a:r>
-              <a:rPr lang="en-US" altLang="zh-CN" dirty="0" err="1"/>
-              <a:t>od.OrderID</a:t>
-            </a:r>
-            <a:r>
-              <a:rPr lang="en-US" altLang="zh-CN" dirty="0"/>
-              <a:t> = </a:t>
-            </a:r>
-            <a:r>
-              <a:rPr lang="en-US" altLang="zh-CN" dirty="0" err="1"/>
-              <a:t>o.OrderId</a:t>
-            </a:r>
-            <a:endParaRPr lang="en-US" altLang="zh-CN" dirty="0"/>
-          </a:p>
-          <a:p>
-            <a:pPr>
-              <a:lnSpc>
-                <a:spcPct val="100000"/>
-              </a:lnSpc>
-              <a:spcAft>
-                <a:spcPts val="0"/>
-              </a:spcAft>
-            </a:pPr>
-            <a:r>
-              <a:rPr lang="en-US" altLang="zh-CN" dirty="0"/>
-              <a:t>GROUP BY 1</a:t>
-            </a:r>
-          </a:p>
-          <a:p>
-            <a:pPr>
-              <a:lnSpc>
-                <a:spcPct val="100000"/>
-              </a:lnSpc>
-              <a:spcAft>
-                <a:spcPts val="0"/>
-              </a:spcAft>
-            </a:pPr>
-            <a:r>
-              <a:rPr lang="en-US" altLang="zh-CN" dirty="0"/>
-              <a:t>ORDER BY 2</a:t>
-            </a:r>
-          </a:p>
-          <a:p>
-            <a:pPr>
-              <a:lnSpc>
-                <a:spcPct val="100000"/>
-              </a:lnSpc>
-              <a:spcAft>
-                <a:spcPts val="0"/>
-              </a:spcAft>
-            </a:pPr>
-            <a:r>
-              <a:rPr lang="en-US" altLang="zh-CN" dirty="0"/>
-              <a:t>DESC</a:t>
-            </a:r>
-          </a:p>
-          <a:p>
-            <a:pPr>
-              <a:lnSpc>
-                <a:spcPct val="100000"/>
-              </a:lnSpc>
-              <a:spcAft>
-                <a:spcPts val="0"/>
-              </a:spcAft>
-            </a:pPr>
-            <a:r>
-              <a:rPr lang="en-US" altLang="zh-CN" dirty="0"/>
-              <a:t>LIMIT 1) t1)</a:t>
-            </a:r>
           </a:p>
           <a:p>
             <a:pPr lvl="0" rtl="0">
@@ -37095,450 +35610,6 @@
             </a:endParaRPr>
           </a:p>
           <a:p>
-            <a:pPr>
-              <a:lnSpc>
-                <a:spcPct val="100000"/>
-              </a:lnSpc>
-              <a:spcAft>
-                <a:spcPts val="0"/>
-              </a:spcAft>
-            </a:pPr>
-            <a:r>
-              <a:rPr lang="en-US" altLang="zh-CN" dirty="0"/>
-              <a:t>SELECT </a:t>
-            </a:r>
-            <a:r>
-              <a:rPr lang="en-US" altLang="zh-CN" dirty="0" err="1"/>
-              <a:t>c.CategoryName</a:t>
-            </a:r>
-            <a:r>
-              <a:rPr lang="en-US" altLang="zh-CN" dirty="0"/>
-              <a:t>, COUNT(*) AS </a:t>
-            </a:r>
-            <a:r>
-              <a:rPr lang="en-US" altLang="zh-CN" dirty="0" err="1"/>
-              <a:t>ProductNum</a:t>
-            </a:r>
-            <a:endParaRPr lang="en-US" altLang="zh-CN" dirty="0"/>
-          </a:p>
-          <a:p>
-            <a:pPr>
-              <a:lnSpc>
-                <a:spcPct val="100000"/>
-              </a:lnSpc>
-              <a:spcAft>
-                <a:spcPts val="0"/>
-              </a:spcAft>
-            </a:pPr>
-            <a:r>
-              <a:rPr lang="en-US" altLang="zh-CN" dirty="0"/>
-              <a:t>FROM Categories c</a:t>
-            </a:r>
-          </a:p>
-          <a:p>
-            <a:pPr>
-              <a:lnSpc>
-                <a:spcPct val="100000"/>
-              </a:lnSpc>
-              <a:spcAft>
-                <a:spcPts val="0"/>
-              </a:spcAft>
-            </a:pPr>
-            <a:r>
-              <a:rPr lang="en-US" altLang="zh-CN" dirty="0"/>
-              <a:t>JOIN Products p</a:t>
-            </a:r>
-          </a:p>
-          <a:p>
-            <a:pPr>
-              <a:lnSpc>
-                <a:spcPct val="100000"/>
-              </a:lnSpc>
-              <a:spcAft>
-                <a:spcPts val="0"/>
-              </a:spcAft>
-            </a:pPr>
-            <a:r>
-              <a:rPr lang="en-US" altLang="zh-CN" dirty="0"/>
-              <a:t>ON </a:t>
-            </a:r>
-            <a:r>
-              <a:rPr lang="en-US" altLang="zh-CN" dirty="0" err="1"/>
-              <a:t>c.CategoryID</a:t>
-            </a:r>
-            <a:r>
-              <a:rPr lang="en-US" altLang="zh-CN" dirty="0"/>
-              <a:t> = </a:t>
-            </a:r>
-            <a:r>
-              <a:rPr lang="en-US" altLang="zh-CN" dirty="0" err="1"/>
-              <a:t>p.CategoryID</a:t>
-            </a:r>
-            <a:endParaRPr lang="en-US" altLang="zh-CN" dirty="0"/>
-          </a:p>
-          <a:p>
-            <a:pPr>
-              <a:lnSpc>
-                <a:spcPct val="100000"/>
-              </a:lnSpc>
-              <a:spcAft>
-                <a:spcPts val="0"/>
-              </a:spcAft>
-            </a:pPr>
-            <a:r>
-              <a:rPr lang="en-US" altLang="zh-CN" dirty="0"/>
-              <a:t>JOIN </a:t>
-            </a:r>
-            <a:r>
-              <a:rPr lang="en-US" altLang="zh-CN" dirty="0" err="1"/>
-              <a:t>OrderDetails</a:t>
-            </a:r>
-            <a:r>
-              <a:rPr lang="en-US" altLang="zh-CN" dirty="0"/>
-              <a:t> od</a:t>
-            </a:r>
-          </a:p>
-          <a:p>
-            <a:pPr>
-              <a:lnSpc>
-                <a:spcPct val="100000"/>
-              </a:lnSpc>
-              <a:spcAft>
-                <a:spcPts val="0"/>
-              </a:spcAft>
-            </a:pPr>
-            <a:r>
-              <a:rPr lang="en-US" altLang="zh-CN" dirty="0"/>
-              <a:t>ON </a:t>
-            </a:r>
-            <a:r>
-              <a:rPr lang="en-US" altLang="zh-CN" dirty="0" err="1"/>
-              <a:t>od.ProductID</a:t>
-            </a:r>
-            <a:r>
-              <a:rPr lang="en-US" altLang="zh-CN" dirty="0"/>
-              <a:t> = </a:t>
-            </a:r>
-            <a:r>
-              <a:rPr lang="en-US" altLang="zh-CN" dirty="0" err="1"/>
-              <a:t>p.ProductID</a:t>
-            </a:r>
-            <a:endParaRPr lang="en-US" altLang="zh-CN" dirty="0"/>
-          </a:p>
-          <a:p>
-            <a:pPr>
-              <a:lnSpc>
-                <a:spcPct val="100000"/>
-              </a:lnSpc>
-              <a:spcAft>
-                <a:spcPts val="0"/>
-              </a:spcAft>
-            </a:pPr>
-            <a:r>
-              <a:rPr lang="en-US" altLang="zh-CN" dirty="0"/>
-              <a:t>JOIN Orders o</a:t>
-            </a:r>
-          </a:p>
-          <a:p>
-            <a:pPr>
-              <a:lnSpc>
-                <a:spcPct val="100000"/>
-              </a:lnSpc>
-              <a:spcAft>
-                <a:spcPts val="0"/>
-              </a:spcAft>
-            </a:pPr>
-            <a:r>
-              <a:rPr lang="en-US" altLang="zh-CN" dirty="0"/>
-              <a:t>ON </a:t>
-            </a:r>
-            <a:r>
-              <a:rPr lang="en-US" altLang="zh-CN" dirty="0" err="1"/>
-              <a:t>o.OrderId</a:t>
-            </a:r>
-            <a:r>
-              <a:rPr lang="en-US" altLang="zh-CN" dirty="0"/>
-              <a:t> = </a:t>
-            </a:r>
-            <a:r>
-              <a:rPr lang="en-US" altLang="zh-CN" dirty="0" err="1"/>
-              <a:t>od.OrderID</a:t>
-            </a:r>
-            <a:endParaRPr lang="en-US" altLang="zh-CN" dirty="0"/>
-          </a:p>
-          <a:p>
-            <a:pPr>
-              <a:lnSpc>
-                <a:spcPct val="100000"/>
-              </a:lnSpc>
-              <a:spcAft>
-                <a:spcPts val="0"/>
-              </a:spcAft>
-            </a:pPr>
-            <a:r>
-              <a:rPr lang="en-US" altLang="zh-CN" dirty="0"/>
-              <a:t>WHERE </a:t>
-            </a:r>
-            <a:r>
-              <a:rPr lang="en-US" altLang="zh-CN" dirty="0" err="1"/>
-              <a:t>o.EmployeeID</a:t>
-            </a:r>
-            <a:r>
-              <a:rPr lang="en-US" altLang="zh-CN" dirty="0"/>
-              <a:t> = (SELECT </a:t>
-            </a:r>
-            <a:r>
-              <a:rPr lang="en-US" altLang="zh-CN" dirty="0" err="1"/>
-              <a:t>EmployeeID</a:t>
-            </a:r>
-            <a:r>
-              <a:rPr lang="en-US" altLang="zh-CN" dirty="0"/>
-              <a:t> FROM (SELECT </a:t>
-            </a:r>
-            <a:r>
-              <a:rPr lang="en-US" altLang="zh-CN" dirty="0" err="1"/>
-              <a:t>e.EmployeeID</a:t>
-            </a:r>
-            <a:r>
-              <a:rPr lang="en-US" altLang="zh-CN" dirty="0"/>
-              <a:t>, SUM(</a:t>
-            </a:r>
-            <a:r>
-              <a:rPr lang="en-US" altLang="zh-CN" dirty="0" err="1"/>
-              <a:t>od.UnitPrice</a:t>
-            </a:r>
-            <a:r>
-              <a:rPr lang="en-US" altLang="zh-CN" dirty="0"/>
-              <a:t> * </a:t>
-            </a:r>
-            <a:r>
-              <a:rPr lang="en-US" altLang="zh-CN" dirty="0" err="1"/>
-              <a:t>od.Quantity</a:t>
-            </a:r>
-            <a:r>
-              <a:rPr lang="en-US" altLang="zh-CN" dirty="0"/>
-              <a:t> * (1 - </a:t>
-            </a:r>
-            <a:r>
-              <a:rPr lang="en-US" altLang="zh-CN" dirty="0" err="1"/>
-              <a:t>od.Discount</a:t>
-            </a:r>
-            <a:r>
-              <a:rPr lang="en-US" altLang="zh-CN" dirty="0"/>
-              <a:t>)) AS </a:t>
-            </a:r>
-            <a:r>
-              <a:rPr lang="en-US" altLang="zh-CN" dirty="0" err="1"/>
-              <a:t>TotalSales</a:t>
-            </a:r>
-            <a:r>
-              <a:rPr lang="en-US" altLang="zh-CN" dirty="0"/>
-              <a:t> </a:t>
-            </a:r>
-          </a:p>
-          <a:p>
-            <a:pPr>
-              <a:lnSpc>
-                <a:spcPct val="100000"/>
-              </a:lnSpc>
-              <a:spcAft>
-                <a:spcPts val="0"/>
-              </a:spcAft>
-            </a:pPr>
-            <a:r>
-              <a:rPr lang="en-US" altLang="zh-CN" dirty="0"/>
-              <a:t>FROM Employees e</a:t>
-            </a:r>
-          </a:p>
-          <a:p>
-            <a:pPr>
-              <a:lnSpc>
-                <a:spcPct val="100000"/>
-              </a:lnSpc>
-              <a:spcAft>
-                <a:spcPts val="0"/>
-              </a:spcAft>
-            </a:pPr>
-            <a:r>
-              <a:rPr lang="en-US" altLang="zh-CN" dirty="0"/>
-              <a:t>JOIN Orders o</a:t>
-            </a:r>
-          </a:p>
-          <a:p>
-            <a:pPr>
-              <a:lnSpc>
-                <a:spcPct val="100000"/>
-              </a:lnSpc>
-              <a:spcAft>
-                <a:spcPts val="0"/>
-              </a:spcAft>
-            </a:pPr>
-            <a:r>
-              <a:rPr lang="en-US" altLang="zh-CN" dirty="0"/>
-              <a:t>ON </a:t>
-            </a:r>
-            <a:r>
-              <a:rPr lang="en-US" altLang="zh-CN" dirty="0" err="1"/>
-              <a:t>o.EmployeeID</a:t>
-            </a:r>
-            <a:r>
-              <a:rPr lang="en-US" altLang="zh-CN" dirty="0"/>
-              <a:t> = </a:t>
-            </a:r>
-            <a:r>
-              <a:rPr lang="en-US" altLang="zh-CN" dirty="0" err="1"/>
-              <a:t>e.EmployeeID</a:t>
-            </a:r>
-            <a:endParaRPr lang="en-US" altLang="zh-CN" dirty="0"/>
-          </a:p>
-          <a:p>
-            <a:pPr>
-              <a:lnSpc>
-                <a:spcPct val="100000"/>
-              </a:lnSpc>
-              <a:spcAft>
-                <a:spcPts val="0"/>
-              </a:spcAft>
-            </a:pPr>
-            <a:r>
-              <a:rPr lang="en-US" altLang="zh-CN" dirty="0"/>
-              <a:t>JOIN </a:t>
-            </a:r>
-            <a:r>
-              <a:rPr lang="en-US" altLang="zh-CN" dirty="0" err="1"/>
-              <a:t>OrderDetails</a:t>
-            </a:r>
-            <a:r>
-              <a:rPr lang="en-US" altLang="zh-CN" dirty="0"/>
-              <a:t> od</a:t>
-            </a:r>
-          </a:p>
-          <a:p>
-            <a:pPr>
-              <a:lnSpc>
-                <a:spcPct val="100000"/>
-              </a:lnSpc>
-              <a:spcAft>
-                <a:spcPts val="0"/>
-              </a:spcAft>
-            </a:pPr>
-            <a:r>
-              <a:rPr lang="en-US" altLang="zh-CN" dirty="0"/>
-              <a:t>ON </a:t>
-            </a:r>
-            <a:r>
-              <a:rPr lang="en-US" altLang="zh-CN" dirty="0" err="1"/>
-              <a:t>od.OrderID</a:t>
-            </a:r>
-            <a:r>
-              <a:rPr lang="en-US" altLang="zh-CN" dirty="0"/>
-              <a:t> = </a:t>
-            </a:r>
-            <a:r>
-              <a:rPr lang="en-US" altLang="zh-CN" dirty="0" err="1"/>
-              <a:t>o.OrderId</a:t>
-            </a:r>
-            <a:endParaRPr lang="en-US" altLang="zh-CN" dirty="0"/>
-          </a:p>
-          <a:p>
-            <a:pPr>
-              <a:lnSpc>
-                <a:spcPct val="100000"/>
-              </a:lnSpc>
-              <a:spcAft>
-                <a:spcPts val="0"/>
-              </a:spcAft>
-            </a:pPr>
-            <a:r>
-              <a:rPr lang="en-US" altLang="zh-CN" dirty="0"/>
-              <a:t>GROUP BY 1</a:t>
-            </a:r>
-          </a:p>
-          <a:p>
-            <a:pPr>
-              <a:lnSpc>
-                <a:spcPct val="100000"/>
-              </a:lnSpc>
-              <a:spcAft>
-                <a:spcPts val="0"/>
-              </a:spcAft>
-            </a:pPr>
-            <a:r>
-              <a:rPr lang="en-US" altLang="zh-CN" dirty="0"/>
-              <a:t>ORDER BY 2</a:t>
-            </a:r>
-          </a:p>
-          <a:p>
-            <a:pPr>
-              <a:lnSpc>
-                <a:spcPct val="100000"/>
-              </a:lnSpc>
-              <a:spcAft>
-                <a:spcPts val="0"/>
-              </a:spcAft>
-            </a:pPr>
-            <a:r>
-              <a:rPr lang="en-US" altLang="zh-CN" dirty="0"/>
-              <a:t>DESC</a:t>
-            </a:r>
-          </a:p>
-          <a:p>
-            <a:pPr>
-              <a:lnSpc>
-                <a:spcPct val="100000"/>
-              </a:lnSpc>
-              <a:spcAft>
-                <a:spcPts val="0"/>
-              </a:spcAft>
-            </a:pPr>
-            <a:r>
-              <a:rPr lang="en-US" altLang="zh-CN" dirty="0"/>
-              <a:t>LIMIT 1) t1)</a:t>
-            </a:r>
-          </a:p>
-          <a:p>
-            <a:pPr>
-              <a:lnSpc>
-                <a:spcPct val="100000"/>
-              </a:lnSpc>
-              <a:spcAft>
-                <a:spcPts val="0"/>
-              </a:spcAft>
-            </a:pPr>
-            <a:r>
-              <a:rPr lang="en-US" altLang="zh-CN" dirty="0"/>
-              <a:t>GROUP BY 1</a:t>
-            </a:r>
-          </a:p>
-          <a:p>
-            <a:pPr>
-              <a:lnSpc>
-                <a:spcPct val="100000"/>
-              </a:lnSpc>
-              <a:spcAft>
-                <a:spcPts val="0"/>
-              </a:spcAft>
-            </a:pPr>
-            <a:r>
-              <a:rPr lang="en-US" altLang="zh-CN" dirty="0"/>
-              <a:t>ORDER BY 2 </a:t>
-            </a:r>
-          </a:p>
-          <a:p>
-            <a:pPr>
-              <a:lnSpc>
-                <a:spcPct val="100000"/>
-              </a:lnSpc>
-              <a:spcAft>
-                <a:spcPts val="0"/>
-              </a:spcAft>
-            </a:pPr>
-            <a:r>
-              <a:rPr lang="en-US" altLang="zh-CN" dirty="0"/>
-              <a:t>DESC</a:t>
-            </a:r>
-          </a:p>
-          <a:p>
             <a:pPr lvl="0" rtl="0">
               <a:spcBef>
                 <a:spcPts val="0"/>
@@ -37784,327 +35855,6 @@
               <a:cs typeface="Open Sans"/>
               <a:sym typeface="Open Sans"/>
             </a:endParaRPr>
-          </a:p>
-          <a:p>
-            <a:pPr>
-              <a:lnSpc>
-                <a:spcPct val="100000"/>
-              </a:lnSpc>
-              <a:spcAft>
-                <a:spcPts val="0"/>
-              </a:spcAft>
-            </a:pPr>
-            <a:r>
-              <a:rPr lang="en-US" altLang="zh-CN" dirty="0"/>
-              <a:t>SELECT DISTINCT(</a:t>
-            </a:r>
-            <a:r>
-              <a:rPr lang="en-US" altLang="zh-CN" dirty="0" err="1"/>
-              <a:t>c.CompanyName</a:t>
-            </a:r>
-            <a:r>
-              <a:rPr lang="en-US" altLang="zh-CN" dirty="0"/>
-              <a:t>)</a:t>
-            </a:r>
-          </a:p>
-          <a:p>
-            <a:pPr>
-              <a:lnSpc>
-                <a:spcPct val="100000"/>
-              </a:lnSpc>
-              <a:spcAft>
-                <a:spcPts val="0"/>
-              </a:spcAft>
-            </a:pPr>
-            <a:r>
-              <a:rPr lang="en-US" altLang="zh-CN" dirty="0"/>
-              <a:t>FROM Customers c</a:t>
-            </a:r>
-          </a:p>
-          <a:p>
-            <a:pPr>
-              <a:lnSpc>
-                <a:spcPct val="100000"/>
-              </a:lnSpc>
-              <a:spcAft>
-                <a:spcPts val="0"/>
-              </a:spcAft>
-            </a:pPr>
-            <a:r>
-              <a:rPr lang="en-US" altLang="zh-CN" dirty="0"/>
-              <a:t>JOIN Orders o</a:t>
-            </a:r>
-          </a:p>
-          <a:p>
-            <a:pPr>
-              <a:lnSpc>
-                <a:spcPct val="100000"/>
-              </a:lnSpc>
-              <a:spcAft>
-                <a:spcPts val="0"/>
-              </a:spcAft>
-            </a:pPr>
-            <a:r>
-              <a:rPr lang="en-US" altLang="zh-CN" dirty="0"/>
-              <a:t>ON </a:t>
-            </a:r>
-            <a:r>
-              <a:rPr lang="en-US" altLang="zh-CN" dirty="0" err="1"/>
-              <a:t>c.CustomerID</a:t>
-            </a:r>
-            <a:r>
-              <a:rPr lang="en-US" altLang="zh-CN" dirty="0"/>
-              <a:t> = </a:t>
-            </a:r>
-            <a:r>
-              <a:rPr lang="en-US" altLang="zh-CN" dirty="0" err="1"/>
-              <a:t>o.CustomerID</a:t>
-            </a:r>
-            <a:endParaRPr lang="en-US" altLang="zh-CN" dirty="0"/>
-          </a:p>
-          <a:p>
-            <a:pPr>
-              <a:lnSpc>
-                <a:spcPct val="100000"/>
-              </a:lnSpc>
-              <a:spcAft>
-                <a:spcPts val="0"/>
-              </a:spcAft>
-            </a:pPr>
-            <a:r>
-              <a:rPr lang="en-US" altLang="zh-CN" dirty="0"/>
-              <a:t>WHERE </a:t>
-            </a:r>
-            <a:r>
-              <a:rPr lang="en-US" altLang="zh-CN" dirty="0" err="1"/>
-              <a:t>o.EmployeeID</a:t>
-            </a:r>
-            <a:r>
-              <a:rPr lang="en-US" altLang="zh-CN" dirty="0"/>
-              <a:t> = (SELECT </a:t>
-            </a:r>
-            <a:r>
-              <a:rPr lang="en-US" altLang="zh-CN" dirty="0" err="1"/>
-              <a:t>EmployeeID</a:t>
-            </a:r>
-            <a:r>
-              <a:rPr lang="en-US" altLang="zh-CN" dirty="0"/>
-              <a:t> FROM (SELECT </a:t>
-            </a:r>
-            <a:r>
-              <a:rPr lang="en-US" altLang="zh-CN" dirty="0" err="1"/>
-              <a:t>e.EmployeeID</a:t>
-            </a:r>
-            <a:r>
-              <a:rPr lang="en-US" altLang="zh-CN" dirty="0"/>
-              <a:t>, SUM(</a:t>
-            </a:r>
-            <a:r>
-              <a:rPr lang="en-US" altLang="zh-CN" dirty="0" err="1"/>
-              <a:t>od.UnitPrice</a:t>
-            </a:r>
-            <a:r>
-              <a:rPr lang="en-US" altLang="zh-CN" dirty="0"/>
-              <a:t> * </a:t>
-            </a:r>
-            <a:r>
-              <a:rPr lang="en-US" altLang="zh-CN" dirty="0" err="1"/>
-              <a:t>od.Quantity</a:t>
-            </a:r>
-            <a:r>
-              <a:rPr lang="en-US" altLang="zh-CN" dirty="0"/>
-              <a:t> * (1 - </a:t>
-            </a:r>
-            <a:r>
-              <a:rPr lang="en-US" altLang="zh-CN" dirty="0" err="1"/>
-              <a:t>od.Discount</a:t>
-            </a:r>
-            <a:r>
-              <a:rPr lang="en-US" altLang="zh-CN" dirty="0"/>
-              <a:t>)) AS </a:t>
-            </a:r>
-            <a:r>
-              <a:rPr lang="en-US" altLang="zh-CN" dirty="0" err="1"/>
-              <a:t>TotalSales</a:t>
-            </a:r>
-            <a:r>
-              <a:rPr lang="en-US" altLang="zh-CN" dirty="0"/>
-              <a:t> </a:t>
-            </a:r>
-          </a:p>
-          <a:p>
-            <a:pPr>
-              <a:lnSpc>
-                <a:spcPct val="100000"/>
-              </a:lnSpc>
-              <a:spcAft>
-                <a:spcPts val="0"/>
-              </a:spcAft>
-            </a:pPr>
-            <a:r>
-              <a:rPr lang="en-US" altLang="zh-CN" dirty="0"/>
-              <a:t>FROM Employees e</a:t>
-            </a:r>
-          </a:p>
-          <a:p>
-            <a:pPr>
-              <a:lnSpc>
-                <a:spcPct val="100000"/>
-              </a:lnSpc>
-              <a:spcAft>
-                <a:spcPts val="0"/>
-              </a:spcAft>
-            </a:pPr>
-            <a:r>
-              <a:rPr lang="en-US" altLang="zh-CN" dirty="0"/>
-              <a:t>JOIN Orders o</a:t>
-            </a:r>
-          </a:p>
-          <a:p>
-            <a:pPr>
-              <a:lnSpc>
-                <a:spcPct val="100000"/>
-              </a:lnSpc>
-              <a:spcAft>
-                <a:spcPts val="0"/>
-              </a:spcAft>
-            </a:pPr>
-            <a:r>
-              <a:rPr lang="en-US" altLang="zh-CN" dirty="0"/>
-              <a:t>ON </a:t>
-            </a:r>
-            <a:r>
-              <a:rPr lang="en-US" altLang="zh-CN" dirty="0" err="1"/>
-              <a:t>o.EmployeeID</a:t>
-            </a:r>
-            <a:r>
-              <a:rPr lang="en-US" altLang="zh-CN" dirty="0"/>
-              <a:t> = </a:t>
-            </a:r>
-            <a:r>
-              <a:rPr lang="en-US" altLang="zh-CN" dirty="0" err="1"/>
-              <a:t>e.EmployeeID</a:t>
-            </a:r>
-            <a:endParaRPr lang="en-US" altLang="zh-CN" dirty="0"/>
-          </a:p>
-          <a:p>
-            <a:pPr>
-              <a:lnSpc>
-                <a:spcPct val="100000"/>
-              </a:lnSpc>
-              <a:spcAft>
-                <a:spcPts val="0"/>
-              </a:spcAft>
-            </a:pPr>
-            <a:r>
-              <a:rPr lang="en-US" altLang="zh-CN" dirty="0"/>
-              <a:t>JOIN </a:t>
-            </a:r>
-            <a:r>
-              <a:rPr lang="en-US" altLang="zh-CN" dirty="0" err="1"/>
-              <a:t>OrderDetails</a:t>
-            </a:r>
-            <a:r>
-              <a:rPr lang="en-US" altLang="zh-CN" dirty="0"/>
-              <a:t> od</a:t>
-            </a:r>
-          </a:p>
-          <a:p>
-            <a:pPr>
-              <a:lnSpc>
-                <a:spcPct val="100000"/>
-              </a:lnSpc>
-              <a:spcAft>
-                <a:spcPts val="0"/>
-              </a:spcAft>
-            </a:pPr>
-            <a:r>
-              <a:rPr lang="en-US" altLang="zh-CN" dirty="0"/>
-              <a:t>ON </a:t>
-            </a:r>
-            <a:r>
-              <a:rPr lang="en-US" altLang="zh-CN" dirty="0" err="1"/>
-              <a:t>od.OrderID</a:t>
-            </a:r>
-            <a:r>
-              <a:rPr lang="en-US" altLang="zh-CN" dirty="0"/>
-              <a:t> = </a:t>
-            </a:r>
-            <a:r>
-              <a:rPr lang="en-US" altLang="zh-CN" dirty="0" err="1"/>
-              <a:t>o.OrderId</a:t>
-            </a:r>
-            <a:endParaRPr lang="en-US" altLang="zh-CN" dirty="0"/>
-          </a:p>
-          <a:p>
-            <a:pPr>
-              <a:lnSpc>
-                <a:spcPct val="100000"/>
-              </a:lnSpc>
-              <a:spcAft>
-                <a:spcPts val="0"/>
-              </a:spcAft>
-            </a:pPr>
-            <a:r>
-              <a:rPr lang="en-US" altLang="zh-CN" dirty="0"/>
-              <a:t>GROUP BY 1</a:t>
-            </a:r>
-          </a:p>
-          <a:p>
-            <a:pPr>
-              <a:lnSpc>
-                <a:spcPct val="100000"/>
-              </a:lnSpc>
-              <a:spcAft>
-                <a:spcPts val="0"/>
-              </a:spcAft>
-            </a:pPr>
-            <a:r>
-              <a:rPr lang="en-US" altLang="zh-CN" dirty="0"/>
-              <a:t>ORDER BY 2</a:t>
-            </a:r>
-          </a:p>
-          <a:p>
-            <a:pPr>
-              <a:lnSpc>
-                <a:spcPct val="100000"/>
-              </a:lnSpc>
-              <a:spcAft>
-                <a:spcPts val="0"/>
-              </a:spcAft>
-            </a:pPr>
-            <a:r>
-              <a:rPr lang="en-US" altLang="zh-CN" dirty="0"/>
-              <a:t>DESC</a:t>
-            </a:r>
-          </a:p>
-          <a:p>
-            <a:pPr>
-              <a:lnSpc>
-                <a:spcPct val="100000"/>
-              </a:lnSpc>
-              <a:spcAft>
-                <a:spcPts val="0"/>
-              </a:spcAft>
-            </a:pPr>
-            <a:r>
-              <a:rPr lang="en-US" altLang="zh-CN" dirty="0"/>
-              <a:t>LIMIT 1) t1)</a:t>
-            </a:r>
-          </a:p>
-          <a:p>
-            <a:pPr>
-              <a:lnSpc>
-                <a:spcPct val="100000"/>
-              </a:lnSpc>
-              <a:spcAft>
-                <a:spcPts val="0"/>
-              </a:spcAft>
-            </a:pPr>
-            <a:r>
-              <a:rPr lang="en-US" altLang="zh-CN" dirty="0"/>
-              <a:t>ORDER BY 1</a:t>
-            </a:r>
           </a:p>
           <a:p>
             <a:pPr lvl="0" rtl="0">
@@ -40965,217 +38715,6 @@
             </a:endParaRPr>
           </a:p>
           <a:p>
-            <a:pPr>
-              <a:lnSpc>
-                <a:spcPct val="100000"/>
-              </a:lnSpc>
-              <a:spcAft>
-                <a:spcPts val="0"/>
-              </a:spcAft>
-            </a:pPr>
-            <a:r>
-              <a:rPr lang="en-US" altLang="zh-CN" dirty="0"/>
-              <a:t>SELECT </a:t>
-            </a:r>
-            <a:r>
-              <a:rPr lang="en-US" altLang="zh-CN" dirty="0" err="1"/>
-              <a:t>c.CompanyName</a:t>
-            </a:r>
-            <a:r>
-              <a:rPr lang="en-US" altLang="zh-CN" dirty="0"/>
-              <a:t>, SUM(</a:t>
-            </a:r>
-            <a:r>
-              <a:rPr lang="en-US" altLang="zh-CN" dirty="0" err="1"/>
-              <a:t>d.UnitPrice</a:t>
-            </a:r>
-            <a:r>
-              <a:rPr lang="en-US" altLang="zh-CN" dirty="0"/>
-              <a:t> * </a:t>
-            </a:r>
-            <a:r>
-              <a:rPr lang="en-US" altLang="zh-CN" dirty="0" err="1"/>
-              <a:t>d.Quantity</a:t>
-            </a:r>
-            <a:r>
-              <a:rPr lang="en-US" altLang="zh-CN" dirty="0"/>
-              <a:t> * (1 - </a:t>
-            </a:r>
-            <a:r>
-              <a:rPr lang="en-US" altLang="zh-CN" dirty="0" err="1"/>
-              <a:t>d.Discount</a:t>
-            </a:r>
-            <a:r>
-              <a:rPr lang="en-US" altLang="zh-CN" dirty="0"/>
-              <a:t>)) AS TOTAL_COST</a:t>
-            </a:r>
-          </a:p>
-          <a:p>
-            <a:pPr>
-              <a:lnSpc>
-                <a:spcPct val="100000"/>
-              </a:lnSpc>
-              <a:spcAft>
-                <a:spcPts val="0"/>
-              </a:spcAft>
-            </a:pPr>
-            <a:r>
-              <a:rPr lang="en-US" altLang="zh-CN" dirty="0"/>
-              <a:t>FROM Customers c</a:t>
-            </a:r>
-          </a:p>
-          <a:p>
-            <a:pPr>
-              <a:lnSpc>
-                <a:spcPct val="100000"/>
-              </a:lnSpc>
-              <a:spcAft>
-                <a:spcPts val="0"/>
-              </a:spcAft>
-            </a:pPr>
-            <a:r>
-              <a:rPr lang="en-US" altLang="zh-CN" dirty="0"/>
-              <a:t>JOIN Orders o</a:t>
-            </a:r>
-          </a:p>
-          <a:p>
-            <a:pPr>
-              <a:lnSpc>
-                <a:spcPct val="100000"/>
-              </a:lnSpc>
-              <a:spcAft>
-                <a:spcPts val="0"/>
-              </a:spcAft>
-            </a:pPr>
-            <a:r>
-              <a:rPr lang="en-US" altLang="zh-CN" dirty="0"/>
-              <a:t>ON </a:t>
-            </a:r>
-            <a:r>
-              <a:rPr lang="en-US" altLang="zh-CN" dirty="0" err="1"/>
-              <a:t>c.CustomerID</a:t>
-            </a:r>
-            <a:r>
-              <a:rPr lang="en-US" altLang="zh-CN" dirty="0"/>
-              <a:t> = </a:t>
-            </a:r>
-            <a:r>
-              <a:rPr lang="en-US" altLang="zh-CN" dirty="0" err="1"/>
-              <a:t>o.CustomerID</a:t>
-            </a:r>
-            <a:endParaRPr lang="en-US" altLang="zh-CN" dirty="0"/>
-          </a:p>
-          <a:p>
-            <a:pPr>
-              <a:lnSpc>
-                <a:spcPct val="100000"/>
-              </a:lnSpc>
-              <a:spcAft>
-                <a:spcPts val="0"/>
-              </a:spcAft>
-            </a:pPr>
-            <a:r>
-              <a:rPr lang="en-US" altLang="zh-CN" dirty="0"/>
-              <a:t>JOIN </a:t>
-            </a:r>
-            <a:r>
-              <a:rPr lang="en-US" altLang="zh-CN" dirty="0" err="1"/>
-              <a:t>OrderDetails</a:t>
-            </a:r>
-            <a:r>
-              <a:rPr lang="en-US" altLang="zh-CN" dirty="0"/>
-              <a:t> d</a:t>
-            </a:r>
-          </a:p>
-          <a:p>
-            <a:pPr>
-              <a:lnSpc>
-                <a:spcPct val="100000"/>
-              </a:lnSpc>
-              <a:spcAft>
-                <a:spcPts val="0"/>
-              </a:spcAft>
-            </a:pPr>
-            <a:r>
-              <a:rPr lang="en-US" altLang="zh-CN" dirty="0"/>
-              <a:t>ON </a:t>
-            </a:r>
-            <a:r>
-              <a:rPr lang="en-US" altLang="zh-CN" dirty="0" err="1"/>
-              <a:t>o.OrderId</a:t>
-            </a:r>
-            <a:r>
-              <a:rPr lang="en-US" altLang="zh-CN" dirty="0"/>
-              <a:t> = </a:t>
-            </a:r>
-            <a:r>
-              <a:rPr lang="en-US" altLang="zh-CN" dirty="0" err="1"/>
-              <a:t>d.OrderID</a:t>
-            </a:r>
-            <a:endParaRPr lang="en-US" altLang="zh-CN" dirty="0"/>
-          </a:p>
-          <a:p>
-            <a:pPr>
-              <a:lnSpc>
-                <a:spcPct val="100000"/>
-              </a:lnSpc>
-              <a:spcAft>
-                <a:spcPts val="0"/>
-              </a:spcAft>
-            </a:pPr>
-            <a:r>
-              <a:rPr lang="en-US" altLang="zh-CN" dirty="0"/>
-              <a:t>GROUP BY </a:t>
-            </a:r>
-            <a:r>
-              <a:rPr lang="en-US" altLang="zh-CN" dirty="0" err="1"/>
-              <a:t>c.CompanyName</a:t>
-            </a:r>
-            <a:endParaRPr lang="en-US" altLang="zh-CN" dirty="0"/>
-          </a:p>
-          <a:p>
-            <a:pPr>
-              <a:lnSpc>
-                <a:spcPct val="100000"/>
-              </a:lnSpc>
-              <a:spcAft>
-                <a:spcPts val="0"/>
-              </a:spcAft>
-            </a:pPr>
-            <a:r>
-              <a:rPr lang="en-US" altLang="zh-CN" dirty="0"/>
-              <a:t>ORDER BY TOTAL_COST</a:t>
-            </a:r>
-          </a:p>
-          <a:p>
-            <a:pPr>
-              <a:lnSpc>
-                <a:spcPct val="100000"/>
-              </a:lnSpc>
-              <a:spcAft>
-                <a:spcPts val="0"/>
-              </a:spcAft>
-            </a:pPr>
-            <a:r>
-              <a:rPr lang="en-US" altLang="zh-CN" dirty="0"/>
-              <a:t>DESC</a:t>
-            </a:r>
-          </a:p>
-          <a:p>
-            <a:pPr>
-              <a:lnSpc>
-                <a:spcPct val="100000"/>
-              </a:lnSpc>
-              <a:spcAft>
-                <a:spcPts val="0"/>
-              </a:spcAft>
-            </a:pPr>
-            <a:r>
-              <a:rPr lang="en-US" altLang="zh-CN" dirty="0"/>
-              <a:t>LIMIT 10</a:t>
-            </a:r>
-          </a:p>
-          <a:p>
             <a:pPr lvl="0" rtl="0">
               <a:spcBef>
                 <a:spcPts val="0"/>
@@ -41472,597 +39011,6 @@
             </a:endParaRPr>
           </a:p>
           <a:p>
-            <a:pPr>
-              <a:lnSpc>
-                <a:spcPct val="100000"/>
-              </a:lnSpc>
-              <a:spcAft>
-                <a:spcPts val="0"/>
-              </a:spcAft>
-            </a:pPr>
-            <a:r>
-              <a:rPr lang="en-US" altLang="zh-CN" dirty="0"/>
-              <a:t>WITH </a:t>
-            </a:r>
-            <a:r>
-              <a:rPr lang="en-US" altLang="zh-CN" dirty="0" err="1"/>
-              <a:t>TopCustomers</a:t>
-            </a:r>
-            <a:r>
-              <a:rPr lang="en-US" altLang="zh-CN" dirty="0"/>
-              <a:t> AS (</a:t>
-            </a:r>
-          </a:p>
-          <a:p>
-            <a:pPr>
-              <a:lnSpc>
-                <a:spcPct val="100000"/>
-              </a:lnSpc>
-              <a:spcAft>
-                <a:spcPts val="0"/>
-              </a:spcAft>
-            </a:pPr>
-            <a:r>
-              <a:rPr lang="en-US" altLang="zh-CN" dirty="0"/>
-              <a:t>SELECT </a:t>
-            </a:r>
-            <a:r>
-              <a:rPr lang="en-US" altLang="zh-CN" dirty="0" err="1"/>
-              <a:t>CustomerID</a:t>
-            </a:r>
-            <a:endParaRPr lang="en-US" altLang="zh-CN" dirty="0"/>
-          </a:p>
-          <a:p>
-            <a:pPr>
-              <a:lnSpc>
-                <a:spcPct val="100000"/>
-              </a:lnSpc>
-              <a:spcAft>
-                <a:spcPts val="0"/>
-              </a:spcAft>
-            </a:pPr>
-            <a:r>
-              <a:rPr lang="en-US" altLang="zh-CN" dirty="0"/>
-              <a:t>FROM (SELECT </a:t>
-            </a:r>
-            <a:r>
-              <a:rPr lang="en-US" altLang="zh-CN" dirty="0" err="1"/>
-              <a:t>c.CustomerID</a:t>
-            </a:r>
-            <a:r>
-              <a:rPr lang="en-US" altLang="zh-CN" dirty="0"/>
-              <a:t>, SUM(</a:t>
-            </a:r>
-            <a:r>
-              <a:rPr lang="en-US" altLang="zh-CN" dirty="0" err="1"/>
-              <a:t>d.UnitPrice</a:t>
-            </a:r>
-            <a:r>
-              <a:rPr lang="en-US" altLang="zh-CN" dirty="0"/>
-              <a:t> * </a:t>
-            </a:r>
-            <a:r>
-              <a:rPr lang="en-US" altLang="zh-CN" dirty="0" err="1"/>
-              <a:t>d.Quantity</a:t>
-            </a:r>
-            <a:r>
-              <a:rPr lang="en-US" altLang="zh-CN" dirty="0"/>
-              <a:t> * (1 - </a:t>
-            </a:r>
-            <a:r>
-              <a:rPr lang="en-US" altLang="zh-CN" dirty="0" err="1"/>
-              <a:t>d.Discount</a:t>
-            </a:r>
-            <a:r>
-              <a:rPr lang="en-US" altLang="zh-CN" dirty="0"/>
-              <a:t>)) AS TOTAL_COST</a:t>
-            </a:r>
-          </a:p>
-          <a:p>
-            <a:pPr>
-              <a:lnSpc>
-                <a:spcPct val="100000"/>
-              </a:lnSpc>
-              <a:spcAft>
-                <a:spcPts val="0"/>
-              </a:spcAft>
-            </a:pPr>
-            <a:r>
-              <a:rPr lang="en-US" altLang="zh-CN" dirty="0"/>
-              <a:t>        FROM Customers c</a:t>
-            </a:r>
-          </a:p>
-          <a:p>
-            <a:pPr>
-              <a:lnSpc>
-                <a:spcPct val="100000"/>
-              </a:lnSpc>
-              <a:spcAft>
-                <a:spcPts val="0"/>
-              </a:spcAft>
-            </a:pPr>
-            <a:r>
-              <a:rPr lang="en-US" altLang="zh-CN" dirty="0"/>
-              <a:t>        JOIN Orders o</a:t>
-            </a:r>
-          </a:p>
-          <a:p>
-            <a:pPr>
-              <a:lnSpc>
-                <a:spcPct val="100000"/>
-              </a:lnSpc>
-              <a:spcAft>
-                <a:spcPts val="0"/>
-              </a:spcAft>
-            </a:pPr>
-            <a:r>
-              <a:rPr lang="en-US" altLang="zh-CN" dirty="0"/>
-              <a:t>        ON </a:t>
-            </a:r>
-            <a:r>
-              <a:rPr lang="en-US" altLang="zh-CN" dirty="0" err="1"/>
-              <a:t>c.CustomerID</a:t>
-            </a:r>
-            <a:r>
-              <a:rPr lang="en-US" altLang="zh-CN" dirty="0"/>
-              <a:t> = </a:t>
-            </a:r>
-            <a:r>
-              <a:rPr lang="en-US" altLang="zh-CN" dirty="0" err="1"/>
-              <a:t>o.CustomerID</a:t>
-            </a:r>
-            <a:endParaRPr lang="en-US" altLang="zh-CN" dirty="0"/>
-          </a:p>
-          <a:p>
-            <a:pPr>
-              <a:lnSpc>
-                <a:spcPct val="100000"/>
-              </a:lnSpc>
-              <a:spcAft>
-                <a:spcPts val="0"/>
-              </a:spcAft>
-            </a:pPr>
-            <a:r>
-              <a:rPr lang="en-US" altLang="zh-CN" dirty="0"/>
-              <a:t>        JOIN </a:t>
-            </a:r>
-            <a:r>
-              <a:rPr lang="en-US" altLang="zh-CN" dirty="0" err="1"/>
-              <a:t>OrderDetails</a:t>
-            </a:r>
-            <a:r>
-              <a:rPr lang="en-US" altLang="zh-CN" dirty="0"/>
-              <a:t> d</a:t>
-            </a:r>
-          </a:p>
-          <a:p>
-            <a:pPr>
-              <a:lnSpc>
-                <a:spcPct val="100000"/>
-              </a:lnSpc>
-              <a:spcAft>
-                <a:spcPts val="0"/>
-              </a:spcAft>
-            </a:pPr>
-            <a:r>
-              <a:rPr lang="en-US" altLang="zh-CN" dirty="0"/>
-              <a:t>        ON </a:t>
-            </a:r>
-            <a:r>
-              <a:rPr lang="en-US" altLang="zh-CN" dirty="0" err="1"/>
-              <a:t>o.OrderId</a:t>
-            </a:r>
-            <a:r>
-              <a:rPr lang="en-US" altLang="zh-CN" dirty="0"/>
-              <a:t> = </a:t>
-            </a:r>
-            <a:r>
-              <a:rPr lang="en-US" altLang="zh-CN" dirty="0" err="1"/>
-              <a:t>d.OrderID</a:t>
-            </a:r>
-            <a:endParaRPr lang="en-US" altLang="zh-CN" dirty="0"/>
-          </a:p>
-          <a:p>
-            <a:pPr>
-              <a:lnSpc>
-                <a:spcPct val="100000"/>
-              </a:lnSpc>
-              <a:spcAft>
-                <a:spcPts val="0"/>
-              </a:spcAft>
-            </a:pPr>
-            <a:r>
-              <a:rPr lang="en-US" altLang="zh-CN" dirty="0"/>
-              <a:t>        GROUP BY </a:t>
-            </a:r>
-            <a:r>
-              <a:rPr lang="en-US" altLang="zh-CN" dirty="0" err="1"/>
-              <a:t>c.CustomerID</a:t>
-            </a:r>
-            <a:endParaRPr lang="en-US" altLang="zh-CN" dirty="0"/>
-          </a:p>
-          <a:p>
-            <a:pPr>
-              <a:lnSpc>
-                <a:spcPct val="100000"/>
-              </a:lnSpc>
-              <a:spcAft>
-                <a:spcPts val="0"/>
-              </a:spcAft>
-            </a:pPr>
-            <a:r>
-              <a:rPr lang="en-US" altLang="zh-CN" dirty="0"/>
-              <a:t>        ORDER BY TOTAL_COST</a:t>
-            </a:r>
-          </a:p>
-          <a:p>
-            <a:pPr>
-              <a:lnSpc>
-                <a:spcPct val="100000"/>
-              </a:lnSpc>
-              <a:spcAft>
-                <a:spcPts val="0"/>
-              </a:spcAft>
-            </a:pPr>
-            <a:r>
-              <a:rPr lang="en-US" altLang="zh-CN" dirty="0"/>
-              <a:t>        DESC</a:t>
-            </a:r>
-          </a:p>
-          <a:p>
-            <a:pPr>
-              <a:lnSpc>
-                <a:spcPct val="100000"/>
-              </a:lnSpc>
-              <a:spcAft>
-                <a:spcPts val="0"/>
-              </a:spcAft>
-            </a:pPr>
-            <a:r>
-              <a:rPr lang="en-US" altLang="zh-CN" dirty="0"/>
-              <a:t>        LIMIT 10) sub)</a:t>
-            </a:r>
-          </a:p>
-          <a:p>
-            <a:pPr>
-              <a:lnSpc>
-                <a:spcPct val="100000"/>
-              </a:lnSpc>
-              <a:spcAft>
-                <a:spcPts val="0"/>
-              </a:spcAft>
-            </a:pPr>
-            <a:br>
-              <a:rPr lang="en-US" altLang="zh-CN" dirty="0"/>
-            </a:br>
-            <a:r>
-              <a:rPr lang="en-US" altLang="zh-CN" dirty="0"/>
-              <a:t>SELECT CompanyName, </a:t>
-            </a:r>
-            <a:r>
-              <a:rPr lang="en-US" altLang="zh-CN" dirty="0" err="1"/>
-              <a:t>CategoryName</a:t>
-            </a:r>
-            <a:r>
-              <a:rPr lang="en-US" altLang="zh-CN" dirty="0"/>
-              <a:t>, SUM(</a:t>
-            </a:r>
-            <a:r>
-              <a:rPr lang="en-US" altLang="zh-CN" dirty="0" err="1"/>
-              <a:t>d.UnitPrice</a:t>
-            </a:r>
-            <a:r>
-              <a:rPr lang="en-US" altLang="zh-CN" dirty="0"/>
-              <a:t> * </a:t>
-            </a:r>
-            <a:r>
-              <a:rPr lang="en-US" altLang="zh-CN" dirty="0" err="1"/>
-              <a:t>d.Quantity</a:t>
-            </a:r>
-            <a:r>
-              <a:rPr lang="en-US" altLang="zh-CN" dirty="0"/>
-              <a:t> * (1 - </a:t>
-            </a:r>
-            <a:r>
-              <a:rPr lang="en-US" altLang="zh-CN" dirty="0" err="1"/>
-              <a:t>d.Discount</a:t>
-            </a:r>
-            <a:r>
-              <a:rPr lang="en-US" altLang="zh-CN" dirty="0"/>
-              <a:t>)) AS </a:t>
-            </a:r>
-            <a:r>
-              <a:rPr lang="en-US" altLang="zh-CN" dirty="0" err="1"/>
-              <a:t>TotalCost</a:t>
-            </a:r>
-            <a:endParaRPr lang="en-US" altLang="zh-CN" dirty="0"/>
-          </a:p>
-          <a:p>
-            <a:pPr>
-              <a:lnSpc>
-                <a:spcPct val="100000"/>
-              </a:lnSpc>
-              <a:spcAft>
-                <a:spcPts val="0"/>
-              </a:spcAft>
-            </a:pPr>
-            <a:r>
-              <a:rPr lang="en-US" altLang="zh-CN" dirty="0"/>
-              <a:t>FROM Customers c</a:t>
-            </a:r>
-          </a:p>
-          <a:p>
-            <a:pPr>
-              <a:lnSpc>
-                <a:spcPct val="100000"/>
-              </a:lnSpc>
-              <a:spcAft>
-                <a:spcPts val="0"/>
-              </a:spcAft>
-            </a:pPr>
-            <a:r>
-              <a:rPr lang="en-US" altLang="zh-CN" dirty="0"/>
-              <a:t>JOIN Orders o</a:t>
-            </a:r>
-          </a:p>
-          <a:p>
-            <a:pPr>
-              <a:lnSpc>
-                <a:spcPct val="100000"/>
-              </a:lnSpc>
-              <a:spcAft>
-                <a:spcPts val="0"/>
-              </a:spcAft>
-            </a:pPr>
-            <a:r>
-              <a:rPr lang="en-US" altLang="zh-CN" dirty="0"/>
-              <a:t>ON </a:t>
-            </a:r>
-            <a:r>
-              <a:rPr lang="en-US" altLang="zh-CN" dirty="0" err="1"/>
-              <a:t>c.CustomerID</a:t>
-            </a:r>
-            <a:r>
-              <a:rPr lang="en-US" altLang="zh-CN" dirty="0"/>
-              <a:t> = </a:t>
-            </a:r>
-            <a:r>
-              <a:rPr lang="en-US" altLang="zh-CN" dirty="0" err="1"/>
-              <a:t>o.CustomerID</a:t>
-            </a:r>
-            <a:endParaRPr lang="en-US" altLang="zh-CN" dirty="0"/>
-          </a:p>
-          <a:p>
-            <a:pPr>
-              <a:lnSpc>
-                <a:spcPct val="100000"/>
-              </a:lnSpc>
-              <a:spcAft>
-                <a:spcPts val="0"/>
-              </a:spcAft>
-            </a:pPr>
-            <a:r>
-              <a:rPr lang="en-US" altLang="zh-CN" dirty="0"/>
-              <a:t>JOIN </a:t>
-            </a:r>
-            <a:r>
-              <a:rPr lang="en-US" altLang="zh-CN" dirty="0" err="1"/>
-              <a:t>OrderDetails</a:t>
-            </a:r>
-            <a:r>
-              <a:rPr lang="en-US" altLang="zh-CN" dirty="0"/>
-              <a:t> d</a:t>
-            </a:r>
-          </a:p>
-          <a:p>
-            <a:pPr>
-              <a:lnSpc>
-                <a:spcPct val="100000"/>
-              </a:lnSpc>
-              <a:spcAft>
-                <a:spcPts val="0"/>
-              </a:spcAft>
-            </a:pPr>
-            <a:r>
-              <a:rPr lang="en-US" altLang="zh-CN" dirty="0"/>
-              <a:t>ON </a:t>
-            </a:r>
-            <a:r>
-              <a:rPr lang="en-US" altLang="zh-CN" dirty="0" err="1"/>
-              <a:t>o.OrderId</a:t>
-            </a:r>
-            <a:r>
-              <a:rPr lang="en-US" altLang="zh-CN" dirty="0"/>
-              <a:t> = </a:t>
-            </a:r>
-            <a:r>
-              <a:rPr lang="en-US" altLang="zh-CN" dirty="0" err="1"/>
-              <a:t>d.OrderID</a:t>
-            </a:r>
-            <a:endParaRPr lang="en-US" altLang="zh-CN" dirty="0"/>
-          </a:p>
-          <a:p>
-            <a:pPr>
-              <a:lnSpc>
-                <a:spcPct val="100000"/>
-              </a:lnSpc>
-              <a:spcAft>
-                <a:spcPts val="0"/>
-              </a:spcAft>
-            </a:pPr>
-            <a:r>
-              <a:rPr lang="en-US" altLang="zh-CN" dirty="0"/>
-              <a:t>JOIN Products p</a:t>
-            </a:r>
-          </a:p>
-          <a:p>
-            <a:pPr>
-              <a:lnSpc>
-                <a:spcPct val="100000"/>
-              </a:lnSpc>
-              <a:spcAft>
-                <a:spcPts val="0"/>
-              </a:spcAft>
-            </a:pPr>
-            <a:r>
-              <a:rPr lang="en-US" altLang="zh-CN" dirty="0"/>
-              <a:t>ON </a:t>
-            </a:r>
-            <a:r>
-              <a:rPr lang="en-US" altLang="zh-CN" dirty="0" err="1"/>
-              <a:t>d.ProductID</a:t>
-            </a:r>
-            <a:r>
-              <a:rPr lang="en-US" altLang="zh-CN" dirty="0"/>
-              <a:t> = </a:t>
-            </a:r>
-            <a:r>
-              <a:rPr lang="en-US" altLang="zh-CN" dirty="0" err="1"/>
-              <a:t>p.ProductID</a:t>
-            </a:r>
-            <a:endParaRPr lang="en-US" altLang="zh-CN" dirty="0"/>
-          </a:p>
-          <a:p>
-            <a:pPr>
-              <a:lnSpc>
-                <a:spcPct val="100000"/>
-              </a:lnSpc>
-              <a:spcAft>
-                <a:spcPts val="0"/>
-              </a:spcAft>
-            </a:pPr>
-            <a:r>
-              <a:rPr lang="en-US" altLang="zh-CN" dirty="0"/>
-              <a:t>JOIN Categories cs</a:t>
-            </a:r>
-          </a:p>
-          <a:p>
-            <a:pPr>
-              <a:lnSpc>
-                <a:spcPct val="100000"/>
-              </a:lnSpc>
-              <a:spcAft>
-                <a:spcPts val="0"/>
-              </a:spcAft>
-            </a:pPr>
-            <a:r>
-              <a:rPr lang="en-US" altLang="zh-CN" dirty="0"/>
-              <a:t>ON </a:t>
-            </a:r>
-            <a:r>
-              <a:rPr lang="en-US" altLang="zh-CN" dirty="0" err="1"/>
-              <a:t>p.CategoryID</a:t>
-            </a:r>
-            <a:r>
-              <a:rPr lang="en-US" altLang="zh-CN" dirty="0"/>
-              <a:t> = </a:t>
-            </a:r>
-            <a:r>
-              <a:rPr lang="en-US" altLang="zh-CN" dirty="0" err="1"/>
-              <a:t>cs.CategoryID</a:t>
-            </a:r>
-            <a:endParaRPr lang="en-US" altLang="zh-CN" dirty="0"/>
-          </a:p>
-          <a:p>
-            <a:pPr>
-              <a:lnSpc>
-                <a:spcPct val="100000"/>
-              </a:lnSpc>
-              <a:spcAft>
-                <a:spcPts val="0"/>
-              </a:spcAft>
-            </a:pPr>
-            <a:r>
-              <a:rPr lang="en-US" altLang="zh-CN" dirty="0"/>
-              <a:t>JOIN </a:t>
-            </a:r>
-            <a:r>
-              <a:rPr lang="en-US" altLang="zh-CN" dirty="0" err="1"/>
-              <a:t>TopCustomers</a:t>
-            </a:r>
-            <a:r>
-              <a:rPr lang="en-US" altLang="zh-CN" dirty="0"/>
-              <a:t> t1</a:t>
-            </a:r>
-          </a:p>
-          <a:p>
-            <a:pPr>
-              <a:lnSpc>
-                <a:spcPct val="100000"/>
-              </a:lnSpc>
-              <a:spcAft>
-                <a:spcPts val="0"/>
-              </a:spcAft>
-            </a:pPr>
-            <a:r>
-              <a:rPr lang="en-US" altLang="zh-CN" dirty="0"/>
-              <a:t>ON </a:t>
-            </a:r>
-            <a:r>
-              <a:rPr lang="en-US" altLang="zh-CN" dirty="0" err="1"/>
-              <a:t>c.CustomerID</a:t>
-            </a:r>
-            <a:r>
-              <a:rPr lang="en-US" altLang="zh-CN" dirty="0"/>
-              <a:t> = t1.CustomerID</a:t>
-            </a:r>
-          </a:p>
-          <a:p>
-            <a:pPr>
-              <a:lnSpc>
-                <a:spcPct val="100000"/>
-              </a:lnSpc>
-              <a:spcAft>
-                <a:spcPts val="0"/>
-              </a:spcAft>
-            </a:pPr>
-            <a:r>
-              <a:rPr lang="en-US" altLang="zh-CN" dirty="0"/>
-              <a:t>GROUP BY CompanyName, </a:t>
-            </a:r>
-            <a:r>
-              <a:rPr lang="en-US" altLang="zh-CN" dirty="0" err="1"/>
-              <a:t>CategoryName</a:t>
-            </a:r>
-            <a:endParaRPr lang="en-US" altLang="zh-CN" dirty="0"/>
-          </a:p>
-          <a:p>
-            <a:pPr>
-              <a:lnSpc>
-                <a:spcPct val="100000"/>
-              </a:lnSpc>
-              <a:spcAft>
-                <a:spcPts val="0"/>
-              </a:spcAft>
-            </a:pPr>
-            <a:r>
-              <a:rPr lang="en-US" altLang="zh-CN" dirty="0"/>
-              <a:t>ORDER BY CompanyName, </a:t>
-            </a:r>
-            <a:r>
-              <a:rPr lang="en-US" altLang="zh-CN" dirty="0" err="1"/>
-              <a:t>TotalCost</a:t>
-            </a:r>
-            <a:r>
-              <a:rPr lang="en-US" altLang="zh-CN" dirty="0"/>
-              <a:t> </a:t>
-            </a:r>
-          </a:p>
-          <a:p>
-            <a:pPr>
-              <a:lnSpc>
-                <a:spcPct val="100000"/>
-              </a:lnSpc>
-              <a:spcAft>
-                <a:spcPts val="0"/>
-              </a:spcAft>
-            </a:pPr>
-            <a:r>
-              <a:rPr lang="en-US" altLang="zh-CN" dirty="0"/>
-              <a:t>DESC;</a:t>
-            </a:r>
-          </a:p>
-          <a:p>
             <a:pPr lvl="0" rtl="0">
               <a:spcBef>
                 <a:spcPts val="0"/>
@@ -42349,211 +39297,6 @@
               <a:cs typeface="Open Sans"/>
               <a:sym typeface="Open Sans"/>
             </a:endParaRPr>
-          </a:p>
-          <a:p>
-            <a:pPr>
-              <a:lnSpc>
-                <a:spcPct val="100000"/>
-              </a:lnSpc>
-              <a:spcAft>
-                <a:spcPts val="0"/>
-              </a:spcAft>
-            </a:pPr>
-            <a:r>
-              <a:rPr lang="en-US" altLang="zh-CN" dirty="0"/>
-              <a:t>SELECT </a:t>
-            </a:r>
-            <a:r>
-              <a:rPr lang="en-US" altLang="zh-CN" dirty="0" err="1"/>
-              <a:t>c.CompanyName</a:t>
-            </a:r>
-            <a:r>
-              <a:rPr lang="en-US" altLang="zh-CN" dirty="0"/>
-              <a:t>, COUNT(</a:t>
-            </a:r>
-            <a:r>
-              <a:rPr lang="en-US" altLang="zh-CN" dirty="0" err="1"/>
-              <a:t>e.EmployeeID</a:t>
-            </a:r>
-            <a:r>
-              <a:rPr lang="en-US" altLang="zh-CN" dirty="0"/>
-              <a:t>) AS </a:t>
-            </a:r>
-            <a:r>
-              <a:rPr lang="en-US" altLang="zh-CN" dirty="0" err="1"/>
-              <a:t>EmployeesNum</a:t>
-            </a:r>
-            <a:endParaRPr lang="en-US" altLang="zh-CN" dirty="0"/>
-          </a:p>
-          <a:p>
-            <a:pPr>
-              <a:lnSpc>
-                <a:spcPct val="100000"/>
-              </a:lnSpc>
-              <a:spcAft>
-                <a:spcPts val="0"/>
-              </a:spcAft>
-            </a:pPr>
-            <a:r>
-              <a:rPr lang="en-US" altLang="zh-CN" dirty="0"/>
-              <a:t>FROM Customers c</a:t>
-            </a:r>
-          </a:p>
-          <a:p>
-            <a:pPr>
-              <a:lnSpc>
-                <a:spcPct val="100000"/>
-              </a:lnSpc>
-              <a:spcAft>
-                <a:spcPts val="0"/>
-              </a:spcAft>
-            </a:pPr>
-            <a:r>
-              <a:rPr lang="en-US" altLang="zh-CN" dirty="0"/>
-              <a:t>JOIN Orders o</a:t>
-            </a:r>
-          </a:p>
-          <a:p>
-            <a:pPr>
-              <a:lnSpc>
-                <a:spcPct val="100000"/>
-              </a:lnSpc>
-              <a:spcAft>
-                <a:spcPts val="0"/>
-              </a:spcAft>
-            </a:pPr>
-            <a:r>
-              <a:rPr lang="en-US" altLang="zh-CN" dirty="0"/>
-              <a:t>ON </a:t>
-            </a:r>
-            <a:r>
-              <a:rPr lang="en-US" altLang="zh-CN" dirty="0" err="1"/>
-              <a:t>c.CustomerID</a:t>
-            </a:r>
-            <a:r>
-              <a:rPr lang="en-US" altLang="zh-CN" dirty="0"/>
-              <a:t> = </a:t>
-            </a:r>
-            <a:r>
-              <a:rPr lang="en-US" altLang="zh-CN" dirty="0" err="1"/>
-              <a:t>o.CustomerID</a:t>
-            </a:r>
-            <a:endParaRPr lang="en-US" altLang="zh-CN" dirty="0"/>
-          </a:p>
-          <a:p>
-            <a:pPr>
-              <a:lnSpc>
-                <a:spcPct val="100000"/>
-              </a:lnSpc>
-              <a:spcAft>
-                <a:spcPts val="0"/>
-              </a:spcAft>
-            </a:pPr>
-            <a:r>
-              <a:rPr lang="en-US" altLang="zh-CN" dirty="0"/>
-              <a:t>JOIN Employees e</a:t>
-            </a:r>
-          </a:p>
-          <a:p>
-            <a:pPr>
-              <a:lnSpc>
-                <a:spcPct val="100000"/>
-              </a:lnSpc>
-              <a:spcAft>
-                <a:spcPts val="0"/>
-              </a:spcAft>
-            </a:pPr>
-            <a:r>
-              <a:rPr lang="en-US" altLang="zh-CN" dirty="0"/>
-              <a:t>ON </a:t>
-            </a:r>
-            <a:r>
-              <a:rPr lang="en-US" altLang="zh-CN" dirty="0" err="1"/>
-              <a:t>e.EmployeeID</a:t>
-            </a:r>
-            <a:r>
-              <a:rPr lang="en-US" altLang="zh-CN" dirty="0"/>
-              <a:t> = </a:t>
-            </a:r>
-            <a:r>
-              <a:rPr lang="en-US" altLang="zh-CN" dirty="0" err="1"/>
-              <a:t>o.EmployeeID</a:t>
-            </a:r>
-            <a:endParaRPr lang="en-US" altLang="zh-CN" dirty="0"/>
-          </a:p>
-          <a:p>
-            <a:pPr>
-              <a:lnSpc>
-                <a:spcPct val="100000"/>
-              </a:lnSpc>
-              <a:spcAft>
-                <a:spcPts val="0"/>
-              </a:spcAft>
-            </a:pPr>
-            <a:r>
-              <a:rPr lang="en-US" altLang="zh-CN" dirty="0"/>
-              <a:t>GROUP BY </a:t>
-            </a:r>
-            <a:r>
-              <a:rPr lang="en-US" altLang="zh-CN" dirty="0" err="1"/>
-              <a:t>c.CompanyName</a:t>
-            </a:r>
-            <a:endParaRPr lang="en-US" altLang="zh-CN" dirty="0"/>
-          </a:p>
-          <a:p>
-            <a:pPr>
-              <a:lnSpc>
-                <a:spcPct val="100000"/>
-              </a:lnSpc>
-              <a:spcAft>
-                <a:spcPts val="0"/>
-              </a:spcAft>
-            </a:pPr>
-            <a:r>
-              <a:rPr lang="en-US" altLang="zh-CN" dirty="0"/>
-              <a:t>HAVING COUNT(</a:t>
-            </a:r>
-            <a:r>
-              <a:rPr lang="en-US" altLang="zh-CN" dirty="0" err="1"/>
-              <a:t>e.EmployeeID</a:t>
-            </a:r>
-            <a:r>
-              <a:rPr lang="en-US" altLang="zh-CN" dirty="0"/>
-              <a:t>) &gt; 15</a:t>
-            </a:r>
-          </a:p>
-          <a:p>
-            <a:pPr>
-              <a:lnSpc>
-                <a:spcPct val="100000"/>
-              </a:lnSpc>
-              <a:spcAft>
-                <a:spcPts val="0"/>
-              </a:spcAft>
-            </a:pPr>
-            <a:r>
-              <a:rPr lang="en-US" altLang="zh-CN" dirty="0"/>
-              <a:t>ORDER BY </a:t>
-            </a:r>
-            <a:r>
-              <a:rPr lang="en-US" altLang="zh-CN" dirty="0" err="1"/>
-              <a:t>EmployeesNum</a:t>
-            </a:r>
-            <a:endParaRPr lang="en-US" altLang="zh-CN" dirty="0"/>
-          </a:p>
-          <a:p>
-            <a:pPr>
-              <a:lnSpc>
-                <a:spcPct val="100000"/>
-              </a:lnSpc>
-              <a:spcAft>
-                <a:spcPts val="0"/>
-              </a:spcAft>
-            </a:pPr>
-            <a:r>
-              <a:rPr lang="en-US" altLang="zh-CN" dirty="0"/>
-              <a:t>DESC;</a:t>
-            </a:r>
           </a:p>
           <a:p>
             <a:pPr lvl="0" rtl="0">
@@ -42898,148 +39641,6 @@
             </a:endParaRPr>
           </a:p>
           <a:p>
-            <a:pPr>
-              <a:lnSpc>
-                <a:spcPct val="100000"/>
-              </a:lnSpc>
-              <a:spcAft>
-                <a:spcPts val="0"/>
-              </a:spcAft>
-            </a:pPr>
-            <a:r>
-              <a:rPr lang="en-US" altLang="zh-CN" dirty="0"/>
-              <a:t>SELECT </a:t>
-            </a:r>
-            <a:r>
-              <a:rPr lang="en-US" altLang="zh-CN" dirty="0" err="1"/>
-              <a:t>s.CompanyName</a:t>
-            </a:r>
-            <a:r>
-              <a:rPr lang="en-US" altLang="zh-CN" dirty="0"/>
-              <a:t>, COUNT(</a:t>
-            </a:r>
-            <a:r>
-              <a:rPr lang="en-US" altLang="zh-CN" dirty="0" err="1"/>
-              <a:t>p.CategoryID</a:t>
-            </a:r>
-            <a:r>
-              <a:rPr lang="en-US" altLang="zh-CN" dirty="0"/>
-              <a:t>) AS </a:t>
-            </a:r>
-            <a:r>
-              <a:rPr lang="en-US" altLang="zh-CN" dirty="0" err="1"/>
-              <a:t>CategoryNum</a:t>
-            </a:r>
-            <a:endParaRPr lang="en-US" altLang="zh-CN" dirty="0"/>
-          </a:p>
-          <a:p>
-            <a:pPr>
-              <a:lnSpc>
-                <a:spcPct val="100000"/>
-              </a:lnSpc>
-              <a:spcAft>
-                <a:spcPts val="0"/>
-              </a:spcAft>
-            </a:pPr>
-            <a:r>
-              <a:rPr lang="en-US" altLang="zh-CN" dirty="0"/>
-              <a:t>FROM Suppliers s</a:t>
-            </a:r>
-          </a:p>
-          <a:p>
-            <a:pPr>
-              <a:lnSpc>
-                <a:spcPct val="100000"/>
-              </a:lnSpc>
-              <a:spcAft>
-                <a:spcPts val="0"/>
-              </a:spcAft>
-            </a:pPr>
-            <a:r>
-              <a:rPr lang="en-US" altLang="zh-CN" dirty="0"/>
-              <a:t>JOIN Products p</a:t>
-            </a:r>
-          </a:p>
-          <a:p>
-            <a:pPr>
-              <a:lnSpc>
-                <a:spcPct val="100000"/>
-              </a:lnSpc>
-              <a:spcAft>
-                <a:spcPts val="0"/>
-              </a:spcAft>
-            </a:pPr>
-            <a:r>
-              <a:rPr lang="en-US" altLang="zh-CN" dirty="0"/>
-              <a:t>ON </a:t>
-            </a:r>
-            <a:r>
-              <a:rPr lang="en-US" altLang="zh-CN" dirty="0" err="1"/>
-              <a:t>s.SupplierID</a:t>
-            </a:r>
-            <a:r>
-              <a:rPr lang="en-US" altLang="zh-CN" dirty="0"/>
-              <a:t> = </a:t>
-            </a:r>
-            <a:r>
-              <a:rPr lang="en-US" altLang="zh-CN" dirty="0" err="1"/>
-              <a:t>p.SupplierID</a:t>
-            </a:r>
-            <a:endParaRPr lang="en-US" altLang="zh-CN" dirty="0"/>
-          </a:p>
-          <a:p>
-            <a:pPr>
-              <a:lnSpc>
-                <a:spcPct val="100000"/>
-              </a:lnSpc>
-              <a:spcAft>
-                <a:spcPts val="0"/>
-              </a:spcAft>
-            </a:pPr>
-            <a:r>
-              <a:rPr lang="en-US" altLang="zh-CN" dirty="0"/>
-              <a:t>GROUP BY </a:t>
-            </a:r>
-            <a:r>
-              <a:rPr lang="en-US" altLang="zh-CN" dirty="0" err="1"/>
-              <a:t>s.CompanyName</a:t>
-            </a:r>
-            <a:endParaRPr lang="en-US" altLang="zh-CN" dirty="0"/>
-          </a:p>
-          <a:p>
-            <a:pPr>
-              <a:lnSpc>
-                <a:spcPct val="100000"/>
-              </a:lnSpc>
-              <a:spcAft>
-                <a:spcPts val="0"/>
-              </a:spcAft>
-            </a:pPr>
-            <a:r>
-              <a:rPr lang="en-US" altLang="zh-CN" dirty="0"/>
-              <a:t>ORDER BY </a:t>
-            </a:r>
-            <a:r>
-              <a:rPr lang="en-US" altLang="zh-CN" dirty="0" err="1"/>
-              <a:t>CategoryNum</a:t>
-            </a:r>
-            <a:endParaRPr lang="en-US" altLang="zh-CN" dirty="0"/>
-          </a:p>
-          <a:p>
-            <a:pPr>
-              <a:lnSpc>
-                <a:spcPct val="100000"/>
-              </a:lnSpc>
-              <a:spcAft>
-                <a:spcPts val="0"/>
-              </a:spcAft>
-            </a:pPr>
-            <a:r>
-              <a:rPr lang="en-US" altLang="zh-CN" dirty="0"/>
-              <a:t>DESC;</a:t>
-            </a:r>
-          </a:p>
-          <a:p>
             <a:pPr lvl="0" rtl="0">
               <a:spcBef>
                 <a:spcPts val="0"/>
@@ -43321,230 +39922,6 @@
               <a:cs typeface="Open Sans"/>
               <a:sym typeface="Open Sans"/>
             </a:endParaRPr>
-          </a:p>
-          <a:p>
-            <a:pPr>
-              <a:lnSpc>
-                <a:spcPct val="100000"/>
-              </a:lnSpc>
-              <a:spcAft>
-                <a:spcPts val="0"/>
-              </a:spcAft>
-            </a:pPr>
-            <a:r>
-              <a:rPr lang="en-US" altLang="zh-CN" dirty="0"/>
-              <a:t>SELECT </a:t>
-            </a:r>
-            <a:r>
-              <a:rPr lang="en-US" altLang="zh-CN" dirty="0" err="1"/>
-              <a:t>s.CompanyName</a:t>
-            </a:r>
-            <a:r>
-              <a:rPr lang="en-US" altLang="zh-CN" dirty="0"/>
-              <a:t>, SUM(</a:t>
-            </a:r>
-            <a:r>
-              <a:rPr lang="en-US" altLang="zh-CN" dirty="0" err="1"/>
-              <a:t>od.UnitPrice</a:t>
-            </a:r>
-            <a:r>
-              <a:rPr lang="en-US" altLang="zh-CN" dirty="0"/>
-              <a:t> * </a:t>
-            </a:r>
-            <a:r>
-              <a:rPr lang="en-US" altLang="zh-CN" dirty="0" err="1"/>
-              <a:t>od.Quantity</a:t>
-            </a:r>
-            <a:r>
-              <a:rPr lang="en-US" altLang="zh-CN" dirty="0"/>
-              <a:t> * (1 - </a:t>
-            </a:r>
-            <a:r>
-              <a:rPr lang="en-US" altLang="zh-CN" dirty="0" err="1"/>
-              <a:t>od.Discount</a:t>
-            </a:r>
-            <a:r>
-              <a:rPr lang="en-US" altLang="zh-CN" dirty="0"/>
-              <a:t>)) AS </a:t>
-            </a:r>
-            <a:r>
-              <a:rPr lang="en-US" altLang="zh-CN" dirty="0" err="1"/>
-              <a:t>TotalCost</a:t>
-            </a:r>
-            <a:endParaRPr lang="en-US" altLang="zh-CN" dirty="0"/>
-          </a:p>
-          <a:p>
-            <a:pPr>
-              <a:lnSpc>
-                <a:spcPct val="100000"/>
-              </a:lnSpc>
-              <a:spcAft>
-                <a:spcPts val="0"/>
-              </a:spcAft>
-            </a:pPr>
-            <a:r>
-              <a:rPr lang="en-US" altLang="zh-CN" dirty="0"/>
-              <a:t>FROM Suppliers s</a:t>
-            </a:r>
-          </a:p>
-          <a:p>
-            <a:pPr>
-              <a:lnSpc>
-                <a:spcPct val="100000"/>
-              </a:lnSpc>
-              <a:spcAft>
-                <a:spcPts val="0"/>
-              </a:spcAft>
-            </a:pPr>
-            <a:r>
-              <a:rPr lang="en-US" altLang="zh-CN" dirty="0"/>
-              <a:t>JOIN Products p</a:t>
-            </a:r>
-          </a:p>
-          <a:p>
-            <a:pPr>
-              <a:lnSpc>
-                <a:spcPct val="100000"/>
-              </a:lnSpc>
-              <a:spcAft>
-                <a:spcPts val="0"/>
-              </a:spcAft>
-            </a:pPr>
-            <a:r>
-              <a:rPr lang="en-US" altLang="zh-CN" dirty="0"/>
-              <a:t>ON </a:t>
-            </a:r>
-            <a:r>
-              <a:rPr lang="en-US" altLang="zh-CN" dirty="0" err="1"/>
-              <a:t>s.SupplierID</a:t>
-            </a:r>
-            <a:r>
-              <a:rPr lang="en-US" altLang="zh-CN" dirty="0"/>
-              <a:t> = </a:t>
-            </a:r>
-            <a:r>
-              <a:rPr lang="en-US" altLang="zh-CN" dirty="0" err="1"/>
-              <a:t>p.SupplierID</a:t>
-            </a:r>
-            <a:endParaRPr lang="en-US" altLang="zh-CN" dirty="0"/>
-          </a:p>
-          <a:p>
-            <a:pPr>
-              <a:lnSpc>
-                <a:spcPct val="100000"/>
-              </a:lnSpc>
-              <a:spcAft>
-                <a:spcPts val="0"/>
-              </a:spcAft>
-            </a:pPr>
-            <a:r>
-              <a:rPr lang="en-US" altLang="zh-CN" dirty="0"/>
-              <a:t>JOIN </a:t>
-            </a:r>
-            <a:r>
-              <a:rPr lang="en-US" altLang="zh-CN" dirty="0" err="1"/>
-              <a:t>OrderDetails</a:t>
-            </a:r>
-            <a:r>
-              <a:rPr lang="en-US" altLang="zh-CN" dirty="0"/>
-              <a:t> od</a:t>
-            </a:r>
-          </a:p>
-          <a:p>
-            <a:pPr>
-              <a:lnSpc>
-                <a:spcPct val="100000"/>
-              </a:lnSpc>
-              <a:spcAft>
-                <a:spcPts val="0"/>
-              </a:spcAft>
-            </a:pPr>
-            <a:r>
-              <a:rPr lang="en-US" altLang="zh-CN" dirty="0"/>
-              <a:t>ON </a:t>
-            </a:r>
-            <a:r>
-              <a:rPr lang="en-US" altLang="zh-CN" dirty="0" err="1"/>
-              <a:t>od.ProductID</a:t>
-            </a:r>
-            <a:r>
-              <a:rPr lang="en-US" altLang="zh-CN" dirty="0"/>
-              <a:t> = </a:t>
-            </a:r>
-            <a:r>
-              <a:rPr lang="en-US" altLang="zh-CN" dirty="0" err="1"/>
-              <a:t>p.ProductID</a:t>
-            </a:r>
-            <a:endParaRPr lang="en-US" altLang="zh-CN" dirty="0"/>
-          </a:p>
-          <a:p>
-            <a:pPr>
-              <a:lnSpc>
-                <a:spcPct val="100000"/>
-              </a:lnSpc>
-              <a:spcAft>
-                <a:spcPts val="0"/>
-              </a:spcAft>
-            </a:pPr>
-            <a:r>
-              <a:rPr lang="en-US" altLang="zh-CN" dirty="0"/>
-              <a:t>GROUP BY </a:t>
-            </a:r>
-            <a:r>
-              <a:rPr lang="en-US" altLang="zh-CN" dirty="0" err="1"/>
-              <a:t>s.CompanyName</a:t>
-            </a:r>
-            <a:endParaRPr lang="en-US" altLang="zh-CN" dirty="0"/>
-          </a:p>
-          <a:p>
-            <a:pPr>
-              <a:lnSpc>
-                <a:spcPct val="100000"/>
-              </a:lnSpc>
-              <a:spcAft>
-                <a:spcPts val="0"/>
-              </a:spcAft>
-            </a:pPr>
-            <a:r>
-              <a:rPr lang="en-US" altLang="zh-CN" dirty="0"/>
-              <a:t>ORDER BY </a:t>
-            </a:r>
-            <a:r>
-              <a:rPr lang="en-US" altLang="zh-CN" dirty="0" err="1"/>
-              <a:t>TotalCost</a:t>
-            </a:r>
-            <a:r>
-              <a:rPr lang="en-US" altLang="zh-CN" dirty="0"/>
-              <a:t> </a:t>
-            </a:r>
-          </a:p>
-          <a:p>
-            <a:pPr>
-              <a:lnSpc>
-                <a:spcPct val="100000"/>
-              </a:lnSpc>
-              <a:spcAft>
-                <a:spcPts val="0"/>
-              </a:spcAft>
-            </a:pPr>
-            <a:r>
-              <a:rPr lang="en-US" altLang="zh-CN" dirty="0"/>
-              <a:t>DESC</a:t>
-            </a:r>
-          </a:p>
-          <a:p>
-            <a:pPr>
-              <a:lnSpc>
-                <a:spcPct val="100000"/>
-              </a:lnSpc>
-              <a:spcAft>
-                <a:spcPts val="0"/>
-              </a:spcAft>
-            </a:pPr>
-            <a:r>
-              <a:rPr lang="en-US" altLang="zh-CN" dirty="0"/>
-              <a:t>LIMIT 10;</a:t>
-            </a:r>
           </a:p>
           <a:p>
             <a:pPr lvl="0" rtl="0">
@@ -43882,608 +40259,6 @@
             </a:endParaRPr>
           </a:p>
           <a:p>
-            <a:pPr>
-              <a:lnSpc>
-                <a:spcPct val="100000"/>
-              </a:lnSpc>
-              <a:spcAft>
-                <a:spcPts val="0"/>
-              </a:spcAft>
-            </a:pPr>
-            <a:r>
-              <a:rPr lang="en-US" altLang="zh-CN" dirty="0"/>
-              <a:t>WITH </a:t>
-            </a:r>
-            <a:r>
-              <a:rPr lang="en-US" altLang="zh-CN" dirty="0" err="1"/>
-              <a:t>TopSuppliers</a:t>
-            </a:r>
-            <a:r>
-              <a:rPr lang="en-US" altLang="zh-CN" dirty="0"/>
-              <a:t> AS (SELECT </a:t>
-            </a:r>
-            <a:r>
-              <a:rPr lang="en-US" altLang="zh-CN" dirty="0" err="1"/>
-              <a:t>SupplierID</a:t>
-            </a:r>
-            <a:r>
-              <a:rPr lang="en-US" altLang="zh-CN" dirty="0"/>
-              <a:t> FROM (SELECT </a:t>
-            </a:r>
-            <a:r>
-              <a:rPr lang="en-US" altLang="zh-CN" dirty="0" err="1"/>
-              <a:t>s.SupplierID</a:t>
-            </a:r>
-            <a:r>
-              <a:rPr lang="en-US" altLang="zh-CN" dirty="0"/>
-              <a:t>, SUM(</a:t>
-            </a:r>
-            <a:r>
-              <a:rPr lang="en-US" altLang="zh-CN" dirty="0" err="1"/>
-              <a:t>od.UnitPrice</a:t>
-            </a:r>
-            <a:r>
-              <a:rPr lang="en-US" altLang="zh-CN" dirty="0"/>
-              <a:t> * </a:t>
-            </a:r>
-            <a:r>
-              <a:rPr lang="en-US" altLang="zh-CN" dirty="0" err="1"/>
-              <a:t>od.Quantity</a:t>
-            </a:r>
-            <a:r>
-              <a:rPr lang="en-US" altLang="zh-CN" dirty="0"/>
-              <a:t> * (1 - </a:t>
-            </a:r>
-            <a:r>
-              <a:rPr lang="en-US" altLang="zh-CN" dirty="0" err="1"/>
-              <a:t>od.Discount</a:t>
-            </a:r>
-            <a:r>
-              <a:rPr lang="en-US" altLang="zh-CN" dirty="0"/>
-              <a:t>)) AS </a:t>
-            </a:r>
-            <a:r>
-              <a:rPr lang="en-US" altLang="zh-CN" dirty="0" err="1"/>
-              <a:t>TotalCost</a:t>
-            </a:r>
-            <a:endParaRPr lang="en-US" altLang="zh-CN" dirty="0"/>
-          </a:p>
-          <a:p>
-            <a:pPr>
-              <a:lnSpc>
-                <a:spcPct val="100000"/>
-              </a:lnSpc>
-              <a:spcAft>
-                <a:spcPts val="0"/>
-              </a:spcAft>
-            </a:pPr>
-            <a:r>
-              <a:rPr lang="en-US" altLang="zh-CN" dirty="0"/>
-              <a:t>FROM Suppliers s</a:t>
-            </a:r>
-          </a:p>
-          <a:p>
-            <a:pPr>
-              <a:lnSpc>
-                <a:spcPct val="100000"/>
-              </a:lnSpc>
-              <a:spcAft>
-                <a:spcPts val="0"/>
-              </a:spcAft>
-            </a:pPr>
-            <a:r>
-              <a:rPr lang="en-US" altLang="zh-CN" dirty="0"/>
-              <a:t>JOIN Products p</a:t>
-            </a:r>
-          </a:p>
-          <a:p>
-            <a:pPr>
-              <a:lnSpc>
-                <a:spcPct val="100000"/>
-              </a:lnSpc>
-              <a:spcAft>
-                <a:spcPts val="0"/>
-              </a:spcAft>
-            </a:pPr>
-            <a:r>
-              <a:rPr lang="en-US" altLang="zh-CN" dirty="0"/>
-              <a:t>ON </a:t>
-            </a:r>
-            <a:r>
-              <a:rPr lang="en-US" altLang="zh-CN" dirty="0" err="1"/>
-              <a:t>s.SupplierID</a:t>
-            </a:r>
-            <a:r>
-              <a:rPr lang="en-US" altLang="zh-CN" dirty="0"/>
-              <a:t> = </a:t>
-            </a:r>
-            <a:r>
-              <a:rPr lang="en-US" altLang="zh-CN" dirty="0" err="1"/>
-              <a:t>p.SupplierID</a:t>
-            </a:r>
-            <a:endParaRPr lang="en-US" altLang="zh-CN" dirty="0"/>
-          </a:p>
-          <a:p>
-            <a:pPr>
-              <a:lnSpc>
-                <a:spcPct val="100000"/>
-              </a:lnSpc>
-              <a:spcAft>
-                <a:spcPts val="0"/>
-              </a:spcAft>
-            </a:pPr>
-            <a:r>
-              <a:rPr lang="en-US" altLang="zh-CN" dirty="0"/>
-              <a:t>JOIN </a:t>
-            </a:r>
-            <a:r>
-              <a:rPr lang="en-US" altLang="zh-CN" dirty="0" err="1"/>
-              <a:t>OrderDetails</a:t>
-            </a:r>
-            <a:r>
-              <a:rPr lang="en-US" altLang="zh-CN" dirty="0"/>
-              <a:t> od</a:t>
-            </a:r>
-          </a:p>
-          <a:p>
-            <a:pPr>
-              <a:lnSpc>
-                <a:spcPct val="100000"/>
-              </a:lnSpc>
-              <a:spcAft>
-                <a:spcPts val="0"/>
-              </a:spcAft>
-            </a:pPr>
-            <a:r>
-              <a:rPr lang="en-US" altLang="zh-CN" dirty="0"/>
-              <a:t>ON </a:t>
-            </a:r>
-            <a:r>
-              <a:rPr lang="en-US" altLang="zh-CN" dirty="0" err="1"/>
-              <a:t>od.ProductID</a:t>
-            </a:r>
-            <a:r>
-              <a:rPr lang="en-US" altLang="zh-CN" dirty="0"/>
-              <a:t> = </a:t>
-            </a:r>
-            <a:r>
-              <a:rPr lang="en-US" altLang="zh-CN" dirty="0" err="1"/>
-              <a:t>p.ProductID</a:t>
-            </a:r>
-            <a:endParaRPr lang="en-US" altLang="zh-CN" dirty="0"/>
-          </a:p>
-          <a:p>
-            <a:pPr>
-              <a:lnSpc>
-                <a:spcPct val="100000"/>
-              </a:lnSpc>
-              <a:spcAft>
-                <a:spcPts val="0"/>
-              </a:spcAft>
-            </a:pPr>
-            <a:r>
-              <a:rPr lang="en-US" altLang="zh-CN" dirty="0"/>
-              <a:t>GROUP BY </a:t>
-            </a:r>
-            <a:r>
-              <a:rPr lang="en-US" altLang="zh-CN" dirty="0" err="1"/>
-              <a:t>s.CompanyName</a:t>
-            </a:r>
-            <a:endParaRPr lang="en-US" altLang="zh-CN" dirty="0"/>
-          </a:p>
-          <a:p>
-            <a:pPr>
-              <a:lnSpc>
-                <a:spcPct val="100000"/>
-              </a:lnSpc>
-              <a:spcAft>
-                <a:spcPts val="0"/>
-              </a:spcAft>
-            </a:pPr>
-            <a:r>
-              <a:rPr lang="en-US" altLang="zh-CN" dirty="0"/>
-              <a:t>ORDER BY </a:t>
-            </a:r>
-            <a:r>
-              <a:rPr lang="en-US" altLang="zh-CN" dirty="0" err="1"/>
-              <a:t>TotalCost</a:t>
-            </a:r>
-            <a:r>
-              <a:rPr lang="en-US" altLang="zh-CN" dirty="0"/>
-              <a:t> </a:t>
-            </a:r>
-          </a:p>
-          <a:p>
-            <a:pPr>
-              <a:lnSpc>
-                <a:spcPct val="100000"/>
-              </a:lnSpc>
-              <a:spcAft>
-                <a:spcPts val="0"/>
-              </a:spcAft>
-            </a:pPr>
-            <a:r>
-              <a:rPr lang="en-US" altLang="zh-CN" dirty="0"/>
-              <a:t>DESC</a:t>
-            </a:r>
-          </a:p>
-          <a:p>
-            <a:pPr>
-              <a:lnSpc>
-                <a:spcPct val="100000"/>
-              </a:lnSpc>
-              <a:spcAft>
-                <a:spcPts val="0"/>
-              </a:spcAft>
-            </a:pPr>
-            <a:r>
-              <a:rPr lang="en-US" altLang="zh-CN" dirty="0"/>
-              <a:t>LIMIT 10) sub)</a:t>
-            </a:r>
-          </a:p>
-          <a:p>
-            <a:pPr>
-              <a:lnSpc>
-                <a:spcPct val="100000"/>
-              </a:lnSpc>
-              <a:spcAft>
-                <a:spcPts val="0"/>
-              </a:spcAft>
-            </a:pPr>
-            <a:br>
-              <a:rPr lang="en-US" altLang="zh-CN" dirty="0"/>
-            </a:br>
-            <a:r>
-              <a:rPr lang="en-US" altLang="zh-CN" dirty="0"/>
-              <a:t>SELECT </a:t>
-            </a:r>
-            <a:r>
-              <a:rPr lang="en-US" altLang="zh-CN" dirty="0" err="1"/>
-              <a:t>s.CompanyName</a:t>
-            </a:r>
-            <a:r>
-              <a:rPr lang="en-US" altLang="zh-CN" dirty="0"/>
-              <a:t>, </a:t>
-            </a:r>
-            <a:r>
-              <a:rPr lang="en-US" altLang="zh-CN" dirty="0" err="1"/>
-              <a:t>ct.CategoryName</a:t>
-            </a:r>
-            <a:r>
-              <a:rPr lang="en-US" altLang="zh-CN" dirty="0"/>
-              <a:t>, SUM(</a:t>
-            </a:r>
-            <a:r>
-              <a:rPr lang="en-US" altLang="zh-CN" dirty="0" err="1"/>
-              <a:t>od.UnitPrice</a:t>
-            </a:r>
-            <a:r>
-              <a:rPr lang="en-US" altLang="zh-CN" dirty="0"/>
-              <a:t> * </a:t>
-            </a:r>
-            <a:r>
-              <a:rPr lang="en-US" altLang="zh-CN" dirty="0" err="1"/>
-              <a:t>od.Quantity</a:t>
-            </a:r>
-            <a:r>
-              <a:rPr lang="en-US" altLang="zh-CN" dirty="0"/>
-              <a:t> * (1 - </a:t>
-            </a:r>
-            <a:r>
-              <a:rPr lang="en-US" altLang="zh-CN" dirty="0" err="1"/>
-              <a:t>od.Discount</a:t>
-            </a:r>
-            <a:r>
-              <a:rPr lang="en-US" altLang="zh-CN" dirty="0"/>
-              <a:t>)) AS </a:t>
-            </a:r>
-            <a:r>
-              <a:rPr lang="en-US" altLang="zh-CN" dirty="0" err="1"/>
-              <a:t>TotalCost</a:t>
-            </a:r>
-            <a:endParaRPr lang="en-US" altLang="zh-CN" dirty="0"/>
-          </a:p>
-          <a:p>
-            <a:pPr>
-              <a:lnSpc>
-                <a:spcPct val="100000"/>
-              </a:lnSpc>
-              <a:spcAft>
-                <a:spcPts val="0"/>
-              </a:spcAft>
-            </a:pPr>
-            <a:r>
-              <a:rPr lang="en-US" altLang="zh-CN" dirty="0"/>
-              <a:t>FROM Suppliers s</a:t>
-            </a:r>
-          </a:p>
-          <a:p>
-            <a:pPr>
-              <a:lnSpc>
-                <a:spcPct val="100000"/>
-              </a:lnSpc>
-              <a:spcAft>
-                <a:spcPts val="0"/>
-              </a:spcAft>
-            </a:pPr>
-            <a:r>
-              <a:rPr lang="en-US" altLang="zh-CN" dirty="0"/>
-              <a:t>JOIN Products p</a:t>
-            </a:r>
-          </a:p>
-          <a:p>
-            <a:pPr>
-              <a:lnSpc>
-                <a:spcPct val="100000"/>
-              </a:lnSpc>
-              <a:spcAft>
-                <a:spcPts val="0"/>
-              </a:spcAft>
-            </a:pPr>
-            <a:r>
-              <a:rPr lang="en-US" altLang="zh-CN" dirty="0"/>
-              <a:t>ON </a:t>
-            </a:r>
-            <a:r>
-              <a:rPr lang="en-US" altLang="zh-CN" dirty="0" err="1"/>
-              <a:t>s.SupplierID</a:t>
-            </a:r>
-            <a:r>
-              <a:rPr lang="en-US" altLang="zh-CN" dirty="0"/>
-              <a:t> = </a:t>
-            </a:r>
-            <a:r>
-              <a:rPr lang="en-US" altLang="zh-CN" dirty="0" err="1"/>
-              <a:t>p.SupplierID</a:t>
-            </a:r>
-            <a:endParaRPr lang="en-US" altLang="zh-CN" dirty="0"/>
-          </a:p>
-          <a:p>
-            <a:pPr>
-              <a:lnSpc>
-                <a:spcPct val="100000"/>
-              </a:lnSpc>
-              <a:spcAft>
-                <a:spcPts val="0"/>
-              </a:spcAft>
-            </a:pPr>
-            <a:r>
-              <a:rPr lang="en-US" altLang="zh-CN" dirty="0"/>
-              <a:t>JOIN </a:t>
-            </a:r>
-            <a:r>
-              <a:rPr lang="en-US" altLang="zh-CN" dirty="0" err="1"/>
-              <a:t>OrderDetails</a:t>
-            </a:r>
-            <a:r>
-              <a:rPr lang="en-US" altLang="zh-CN" dirty="0"/>
-              <a:t> od</a:t>
-            </a:r>
-          </a:p>
-          <a:p>
-            <a:pPr>
-              <a:lnSpc>
-                <a:spcPct val="100000"/>
-              </a:lnSpc>
-              <a:spcAft>
-                <a:spcPts val="0"/>
-              </a:spcAft>
-            </a:pPr>
-            <a:r>
-              <a:rPr lang="en-US" altLang="zh-CN" dirty="0"/>
-              <a:t>ON </a:t>
-            </a:r>
-            <a:r>
-              <a:rPr lang="en-US" altLang="zh-CN" dirty="0" err="1"/>
-              <a:t>od.ProductID</a:t>
-            </a:r>
-            <a:r>
-              <a:rPr lang="en-US" altLang="zh-CN" dirty="0"/>
-              <a:t> = </a:t>
-            </a:r>
-            <a:r>
-              <a:rPr lang="en-US" altLang="zh-CN" dirty="0" err="1"/>
-              <a:t>p.ProductID</a:t>
-            </a:r>
-            <a:endParaRPr lang="en-US" altLang="zh-CN" dirty="0"/>
-          </a:p>
-          <a:p>
-            <a:pPr>
-              <a:lnSpc>
-                <a:spcPct val="100000"/>
-              </a:lnSpc>
-              <a:spcAft>
-                <a:spcPts val="0"/>
-              </a:spcAft>
-            </a:pPr>
-            <a:r>
-              <a:rPr lang="en-US" altLang="zh-CN" dirty="0"/>
-              <a:t>JOIN Orders o</a:t>
-            </a:r>
-          </a:p>
-          <a:p>
-            <a:pPr>
-              <a:lnSpc>
-                <a:spcPct val="100000"/>
-              </a:lnSpc>
-              <a:spcAft>
-                <a:spcPts val="0"/>
-              </a:spcAft>
-            </a:pPr>
-            <a:r>
-              <a:rPr lang="en-US" altLang="zh-CN" dirty="0"/>
-              <a:t>ON </a:t>
-            </a:r>
-            <a:r>
-              <a:rPr lang="en-US" altLang="zh-CN" dirty="0" err="1"/>
-              <a:t>o.OrderId</a:t>
-            </a:r>
-            <a:r>
-              <a:rPr lang="en-US" altLang="zh-CN" dirty="0"/>
-              <a:t> = </a:t>
-            </a:r>
-            <a:r>
-              <a:rPr lang="en-US" altLang="zh-CN" dirty="0" err="1"/>
-              <a:t>od.OrderID</a:t>
-            </a:r>
-            <a:endParaRPr lang="en-US" altLang="zh-CN" dirty="0"/>
-          </a:p>
-          <a:p>
-            <a:pPr>
-              <a:lnSpc>
-                <a:spcPct val="100000"/>
-              </a:lnSpc>
-              <a:spcAft>
-                <a:spcPts val="0"/>
-              </a:spcAft>
-            </a:pPr>
-            <a:r>
-              <a:rPr lang="en-US" altLang="zh-CN" dirty="0"/>
-              <a:t>JOIN Categories </a:t>
-            </a:r>
-            <a:r>
-              <a:rPr lang="en-US" altLang="zh-CN" dirty="0" err="1"/>
-              <a:t>ct</a:t>
-            </a:r>
-            <a:endParaRPr lang="en-US" altLang="zh-CN" dirty="0"/>
-          </a:p>
-          <a:p>
-            <a:pPr>
-              <a:lnSpc>
-                <a:spcPct val="100000"/>
-              </a:lnSpc>
-              <a:spcAft>
-                <a:spcPts val="0"/>
-              </a:spcAft>
-            </a:pPr>
-            <a:r>
-              <a:rPr lang="en-US" altLang="zh-CN" dirty="0"/>
-              <a:t>ON </a:t>
-            </a:r>
-            <a:r>
-              <a:rPr lang="en-US" altLang="zh-CN" dirty="0" err="1"/>
-              <a:t>ct.CategoryID</a:t>
-            </a:r>
-            <a:r>
-              <a:rPr lang="en-US" altLang="zh-CN" dirty="0"/>
-              <a:t> = </a:t>
-            </a:r>
-            <a:r>
-              <a:rPr lang="en-US" altLang="zh-CN" dirty="0" err="1"/>
-              <a:t>p.CategoryID</a:t>
-            </a:r>
-            <a:endParaRPr lang="en-US" altLang="zh-CN" dirty="0"/>
-          </a:p>
-          <a:p>
-            <a:pPr>
-              <a:lnSpc>
-                <a:spcPct val="100000"/>
-              </a:lnSpc>
-              <a:spcAft>
-                <a:spcPts val="0"/>
-              </a:spcAft>
-            </a:pPr>
-            <a:r>
-              <a:rPr lang="en-US" altLang="zh-CN" dirty="0"/>
-              <a:t>JOIN </a:t>
-            </a:r>
-            <a:r>
-              <a:rPr lang="en-US" altLang="zh-CN" dirty="0" err="1"/>
-              <a:t>TopSuppliers</a:t>
-            </a:r>
-            <a:r>
-              <a:rPr lang="en-US" altLang="zh-CN" dirty="0"/>
-              <a:t> </a:t>
-            </a:r>
-            <a:r>
-              <a:rPr lang="en-US" altLang="zh-CN" dirty="0" err="1"/>
-              <a:t>ts</a:t>
-            </a:r>
-            <a:endParaRPr lang="en-US" altLang="zh-CN" dirty="0"/>
-          </a:p>
-          <a:p>
-            <a:pPr>
-              <a:lnSpc>
-                <a:spcPct val="100000"/>
-              </a:lnSpc>
-              <a:spcAft>
-                <a:spcPts val="0"/>
-              </a:spcAft>
-            </a:pPr>
-            <a:r>
-              <a:rPr lang="en-US" altLang="zh-CN" dirty="0"/>
-              <a:t>ON </a:t>
-            </a:r>
-            <a:r>
-              <a:rPr lang="en-US" altLang="zh-CN" dirty="0" err="1"/>
-              <a:t>ts.SupplierID</a:t>
-            </a:r>
-            <a:r>
-              <a:rPr lang="en-US" altLang="zh-CN" dirty="0"/>
-              <a:t> = </a:t>
-            </a:r>
-            <a:r>
-              <a:rPr lang="en-US" altLang="zh-CN" dirty="0" err="1"/>
-              <a:t>s.SupplierID</a:t>
-            </a:r>
-            <a:endParaRPr lang="en-US" altLang="zh-CN" dirty="0"/>
-          </a:p>
-          <a:p>
-            <a:pPr>
-              <a:lnSpc>
-                <a:spcPct val="100000"/>
-              </a:lnSpc>
-              <a:spcAft>
-                <a:spcPts val="0"/>
-              </a:spcAft>
-            </a:pPr>
-            <a:r>
-              <a:rPr lang="en-US" altLang="zh-CN" dirty="0"/>
-              <a:t>GROUP BY CompanyName, </a:t>
-            </a:r>
-            <a:r>
-              <a:rPr lang="en-US" altLang="zh-CN" dirty="0" err="1"/>
-              <a:t>CategoryName</a:t>
-            </a:r>
-            <a:endParaRPr lang="en-US" altLang="zh-CN" dirty="0"/>
-          </a:p>
-          <a:p>
-            <a:pPr>
-              <a:lnSpc>
-                <a:spcPct val="100000"/>
-              </a:lnSpc>
-              <a:spcAft>
-                <a:spcPts val="0"/>
-              </a:spcAft>
-            </a:pPr>
-            <a:r>
-              <a:rPr lang="en-US" altLang="zh-CN" dirty="0"/>
-              <a:t>ORDER BY CompanyName, </a:t>
-            </a:r>
-            <a:r>
-              <a:rPr lang="en-US" altLang="zh-CN" dirty="0" err="1"/>
-              <a:t>TotalCost</a:t>
-            </a:r>
-            <a:r>
-              <a:rPr lang="en-US" altLang="zh-CN" dirty="0"/>
-              <a:t> </a:t>
-            </a:r>
-          </a:p>
-          <a:p>
-            <a:pPr>
-              <a:lnSpc>
-                <a:spcPct val="100000"/>
-              </a:lnSpc>
-              <a:spcAft>
-                <a:spcPts val="0"/>
-              </a:spcAft>
-            </a:pPr>
-            <a:r>
-              <a:rPr lang="en-US" altLang="zh-CN" dirty="0"/>
-              <a:t>DESC;</a:t>
-            </a:r>
-          </a:p>
-          <a:p>
             <a:pPr lvl="0" rtl="0">
               <a:spcBef>
                 <a:spcPts val="0"/>
@@ -44783,187 +40558,6 @@
             </a:endParaRPr>
           </a:p>
           <a:p>
-            <a:pPr>
-              <a:lnSpc>
-                <a:spcPct val="100000"/>
-              </a:lnSpc>
-              <a:spcAft>
-                <a:spcPts val="0"/>
-              </a:spcAft>
-            </a:pPr>
-            <a:r>
-              <a:rPr lang="en-US" altLang="zh-CN" dirty="0"/>
-              <a:t>SELECT </a:t>
-            </a:r>
-            <a:r>
-              <a:rPr lang="en-US" altLang="zh-CN" dirty="0" err="1"/>
-              <a:t>s.CompanyName</a:t>
-            </a:r>
-            <a:r>
-              <a:rPr lang="en-US" altLang="zh-CN" dirty="0"/>
-              <a:t>, </a:t>
-            </a:r>
-            <a:r>
-              <a:rPr lang="en-US" altLang="zh-CN" dirty="0" err="1"/>
-              <a:t>c.CategoryName</a:t>
-            </a:r>
-            <a:r>
-              <a:rPr lang="en-US" altLang="zh-CN" dirty="0"/>
-              <a:t>, AVG(</a:t>
-            </a:r>
-            <a:r>
-              <a:rPr lang="en-US" altLang="zh-CN" dirty="0" err="1"/>
-              <a:t>UnitsOnOrder</a:t>
-            </a:r>
-            <a:r>
-              <a:rPr lang="en-US" altLang="zh-CN" dirty="0"/>
-              <a:t>) AS </a:t>
-            </a:r>
-            <a:r>
-              <a:rPr lang="en-US" altLang="zh-CN" dirty="0" err="1"/>
-              <a:t>avg_units_order</a:t>
-            </a:r>
-            <a:endParaRPr lang="en-US" altLang="zh-CN" dirty="0"/>
-          </a:p>
-          <a:p>
-            <a:pPr>
-              <a:lnSpc>
-                <a:spcPct val="100000"/>
-              </a:lnSpc>
-              <a:spcAft>
-                <a:spcPts val="0"/>
-              </a:spcAft>
-            </a:pPr>
-            <a:r>
-              <a:rPr lang="en-US" altLang="zh-CN" dirty="0"/>
-              <a:t>FROM Suppliers s</a:t>
-            </a:r>
-          </a:p>
-          <a:p>
-            <a:pPr>
-              <a:lnSpc>
-                <a:spcPct val="100000"/>
-              </a:lnSpc>
-              <a:spcAft>
-                <a:spcPts val="0"/>
-              </a:spcAft>
-            </a:pPr>
-            <a:r>
-              <a:rPr lang="en-US" altLang="zh-CN" dirty="0"/>
-              <a:t>JOIN Products p</a:t>
-            </a:r>
-          </a:p>
-          <a:p>
-            <a:pPr>
-              <a:lnSpc>
-                <a:spcPct val="100000"/>
-              </a:lnSpc>
-              <a:spcAft>
-                <a:spcPts val="0"/>
-              </a:spcAft>
-            </a:pPr>
-            <a:r>
-              <a:rPr lang="en-US" altLang="zh-CN" dirty="0"/>
-              <a:t>ON </a:t>
-            </a:r>
-            <a:r>
-              <a:rPr lang="en-US" altLang="zh-CN" dirty="0" err="1"/>
-              <a:t>s.SupplierID</a:t>
-            </a:r>
-            <a:r>
-              <a:rPr lang="en-US" altLang="zh-CN" dirty="0"/>
-              <a:t> = </a:t>
-            </a:r>
-            <a:r>
-              <a:rPr lang="en-US" altLang="zh-CN" dirty="0" err="1"/>
-              <a:t>p.SupplierID</a:t>
-            </a:r>
-            <a:endParaRPr lang="en-US" altLang="zh-CN" dirty="0"/>
-          </a:p>
-          <a:p>
-            <a:pPr>
-              <a:lnSpc>
-                <a:spcPct val="100000"/>
-              </a:lnSpc>
-              <a:spcAft>
-                <a:spcPts val="0"/>
-              </a:spcAft>
-            </a:pPr>
-            <a:r>
-              <a:rPr lang="en-US" altLang="zh-CN" dirty="0"/>
-              <a:t>JOIN Categories c</a:t>
-            </a:r>
-          </a:p>
-          <a:p>
-            <a:pPr>
-              <a:lnSpc>
-                <a:spcPct val="100000"/>
-              </a:lnSpc>
-              <a:spcAft>
-                <a:spcPts val="0"/>
-              </a:spcAft>
-            </a:pPr>
-            <a:r>
-              <a:rPr lang="en-US" altLang="zh-CN" dirty="0"/>
-              <a:t>ON </a:t>
-            </a:r>
-            <a:r>
-              <a:rPr lang="en-US" altLang="zh-CN" dirty="0" err="1"/>
-              <a:t>p.CategoryID</a:t>
-            </a:r>
-            <a:r>
-              <a:rPr lang="en-US" altLang="zh-CN" dirty="0"/>
-              <a:t> = </a:t>
-            </a:r>
-            <a:r>
-              <a:rPr lang="en-US" altLang="zh-CN" dirty="0" err="1"/>
-              <a:t>c.CategoryID</a:t>
-            </a:r>
-            <a:endParaRPr lang="en-US" altLang="zh-CN" dirty="0"/>
-          </a:p>
-          <a:p>
-            <a:pPr>
-              <a:lnSpc>
-                <a:spcPct val="100000"/>
-              </a:lnSpc>
-              <a:spcAft>
-                <a:spcPts val="0"/>
-              </a:spcAft>
-            </a:pPr>
-            <a:r>
-              <a:rPr lang="en-US" altLang="zh-CN" dirty="0"/>
-              <a:t>GROUP BY 1, 2</a:t>
-            </a:r>
-          </a:p>
-          <a:p>
-            <a:pPr>
-              <a:lnSpc>
-                <a:spcPct val="100000"/>
-              </a:lnSpc>
-              <a:spcAft>
-                <a:spcPts val="0"/>
-              </a:spcAft>
-            </a:pPr>
-            <a:r>
-              <a:rPr lang="en-US" altLang="zh-CN" dirty="0"/>
-              <a:t>ORDER BY 3 </a:t>
-            </a:r>
-          </a:p>
-          <a:p>
-            <a:pPr>
-              <a:lnSpc>
-                <a:spcPct val="100000"/>
-              </a:lnSpc>
-              <a:spcAft>
-                <a:spcPts val="0"/>
-              </a:spcAft>
-            </a:pPr>
-            <a:r>
-              <a:rPr lang="en-US" altLang="zh-CN" dirty="0"/>
-              <a:t>DESC;</a:t>
-            </a:r>
-          </a:p>
-          <a:p>
             <a:pPr lvl="0" rtl="0">
               <a:spcBef>
                 <a:spcPts val="0"/>
@@ -45227,206 +40821,6 @@
               <a:cs typeface="Open Sans"/>
               <a:sym typeface="Open Sans"/>
             </a:endParaRPr>
-          </a:p>
-          <a:p>
-            <a:pPr>
-              <a:lnSpc>
-                <a:spcPct val="100000"/>
-              </a:lnSpc>
-              <a:spcAft>
-                <a:spcPts val="0"/>
-              </a:spcAft>
-            </a:pPr>
-            <a:r>
-              <a:rPr lang="en-US" altLang="zh-CN" dirty="0"/>
-              <a:t>SELECT </a:t>
-            </a:r>
-            <a:r>
-              <a:rPr lang="en-US" altLang="zh-CN" dirty="0" err="1"/>
-              <a:t>p.ProductName</a:t>
-            </a:r>
-            <a:r>
-              <a:rPr lang="en-US" altLang="zh-CN" dirty="0"/>
-              <a:t>, COUNT(*) AS </a:t>
-            </a:r>
-            <a:r>
-              <a:rPr lang="en-US" altLang="zh-CN" dirty="0" err="1"/>
-              <a:t>ProductNum</a:t>
-            </a:r>
-            <a:endParaRPr lang="en-US" altLang="zh-CN" dirty="0"/>
-          </a:p>
-          <a:p>
-            <a:pPr>
-              <a:lnSpc>
-                <a:spcPct val="100000"/>
-              </a:lnSpc>
-              <a:spcAft>
-                <a:spcPts val="0"/>
-              </a:spcAft>
-            </a:pPr>
-            <a:r>
-              <a:rPr lang="en-US" altLang="zh-CN" dirty="0"/>
-              <a:t>FROM Orders o</a:t>
-            </a:r>
-          </a:p>
-          <a:p>
-            <a:pPr>
-              <a:lnSpc>
-                <a:spcPct val="100000"/>
-              </a:lnSpc>
-              <a:spcAft>
-                <a:spcPts val="0"/>
-              </a:spcAft>
-            </a:pPr>
-            <a:r>
-              <a:rPr lang="en-US" altLang="zh-CN" dirty="0"/>
-              <a:t>JOIN </a:t>
-            </a:r>
-            <a:r>
-              <a:rPr lang="en-US" altLang="zh-CN" dirty="0" err="1"/>
-              <a:t>OrderDetails</a:t>
-            </a:r>
-            <a:r>
-              <a:rPr lang="en-US" altLang="zh-CN" dirty="0"/>
-              <a:t> od</a:t>
-            </a:r>
-          </a:p>
-          <a:p>
-            <a:pPr>
-              <a:lnSpc>
-                <a:spcPct val="100000"/>
-              </a:lnSpc>
-              <a:spcAft>
-                <a:spcPts val="0"/>
-              </a:spcAft>
-            </a:pPr>
-            <a:r>
-              <a:rPr lang="en-US" altLang="zh-CN" dirty="0"/>
-              <a:t>ON </a:t>
-            </a:r>
-            <a:r>
-              <a:rPr lang="en-US" altLang="zh-CN" dirty="0" err="1"/>
-              <a:t>o.OrderId</a:t>
-            </a:r>
-            <a:r>
-              <a:rPr lang="en-US" altLang="zh-CN" dirty="0"/>
-              <a:t> = </a:t>
-            </a:r>
-            <a:r>
-              <a:rPr lang="en-US" altLang="zh-CN" dirty="0" err="1"/>
-              <a:t>od.OrderID</a:t>
-            </a:r>
-            <a:endParaRPr lang="en-US" altLang="zh-CN" dirty="0"/>
-          </a:p>
-          <a:p>
-            <a:pPr>
-              <a:lnSpc>
-                <a:spcPct val="100000"/>
-              </a:lnSpc>
-              <a:spcAft>
-                <a:spcPts val="0"/>
-              </a:spcAft>
-            </a:pPr>
-            <a:r>
-              <a:rPr lang="en-US" altLang="zh-CN" dirty="0"/>
-              <a:t>JOIN Products p</a:t>
-            </a:r>
-          </a:p>
-          <a:p>
-            <a:pPr>
-              <a:lnSpc>
-                <a:spcPct val="100000"/>
-              </a:lnSpc>
-              <a:spcAft>
-                <a:spcPts val="0"/>
-              </a:spcAft>
-            </a:pPr>
-            <a:r>
-              <a:rPr lang="en-US" altLang="zh-CN" dirty="0"/>
-              <a:t>ON </a:t>
-            </a:r>
-            <a:r>
-              <a:rPr lang="en-US" altLang="zh-CN" dirty="0" err="1"/>
-              <a:t>od.ProductID</a:t>
-            </a:r>
-            <a:r>
-              <a:rPr lang="en-US" altLang="zh-CN" dirty="0"/>
-              <a:t> = </a:t>
-            </a:r>
-            <a:r>
-              <a:rPr lang="en-US" altLang="zh-CN" dirty="0" err="1"/>
-              <a:t>p.ProductID</a:t>
-            </a:r>
-            <a:endParaRPr lang="en-US" altLang="zh-CN" dirty="0"/>
-          </a:p>
-          <a:p>
-            <a:pPr>
-              <a:lnSpc>
-                <a:spcPct val="100000"/>
-              </a:lnSpc>
-              <a:spcAft>
-                <a:spcPts val="0"/>
-              </a:spcAft>
-            </a:pPr>
-            <a:r>
-              <a:rPr lang="en-US" altLang="zh-CN" dirty="0"/>
-              <a:t>GROUP BY </a:t>
-            </a:r>
-            <a:r>
-              <a:rPr lang="en-US" altLang="zh-CN" dirty="0" err="1"/>
-              <a:t>p.ProductName</a:t>
-            </a:r>
-            <a:endParaRPr lang="en-US" altLang="zh-CN" dirty="0"/>
-          </a:p>
-          <a:p>
-            <a:pPr>
-              <a:lnSpc>
-                <a:spcPct val="100000"/>
-              </a:lnSpc>
-              <a:spcAft>
-                <a:spcPts val="0"/>
-              </a:spcAft>
-            </a:pPr>
-            <a:r>
-              <a:rPr lang="en-US" altLang="zh-CN" dirty="0"/>
-              <a:t>ORDER BY </a:t>
-            </a:r>
-            <a:r>
-              <a:rPr lang="en-US" altLang="zh-CN" dirty="0" err="1"/>
-              <a:t>ProductNum</a:t>
-            </a:r>
-            <a:r>
-              <a:rPr lang="en-US" altLang="zh-CN" dirty="0"/>
-              <a:t> </a:t>
-            </a:r>
-          </a:p>
-          <a:p>
-            <a:pPr>
-              <a:lnSpc>
-                <a:spcPct val="100000"/>
-              </a:lnSpc>
-              <a:spcAft>
-                <a:spcPts val="0"/>
-              </a:spcAft>
-            </a:pPr>
-            <a:r>
-              <a:rPr lang="en-US" altLang="zh-CN" dirty="0"/>
-              <a:t>DESC </a:t>
-            </a:r>
-          </a:p>
-          <a:p>
-            <a:pPr>
-              <a:lnSpc>
-                <a:spcPct val="100000"/>
-              </a:lnSpc>
-              <a:spcAft>
-                <a:spcPts val="0"/>
-              </a:spcAft>
-            </a:pPr>
-            <a:r>
-              <a:rPr lang="en-US" altLang="zh-CN" dirty="0"/>
-              <a:t>LIMIT 10;</a:t>
-            </a:r>
           </a:p>
           <a:p>
             <a:pPr lvl="0" rtl="0">

--- a/P4_CreateReportDB/SQL Project Submission.pptx
+++ b/P4_CreateReportDB/SQL Project Submission.pptx
@@ -1,6 +1,6 @@
 
 <file path=ppt/presentation.xml><?xml version="1.0" encoding="utf-8"?>
-<p:presentation xmlns:a="http://schemas.openxmlformats.org/drawingml/2006/main" xmlns:r="http://schemas.openxmlformats.org/officeDocument/2006/relationships" xmlns:p="http://schemas.openxmlformats.org/presentationml/2006/main" strictFirstAndLastChars="0" embedTrueTypeFonts="1" saveSubsetFonts="1" autoCompressPictures="0">
+<p:presentation xmlns:a="http://schemas.openxmlformats.org/drawingml/2006/main" xmlns:r="http://schemas.openxmlformats.org/officeDocument/2006/relationships" xmlns:p="http://schemas.openxmlformats.org/presentationml/2006/main" strictFirstAndLastChars="0" saveSubsetFonts="1" autoCompressPictures="0">
   <p:sldMasterIdLst>
     <p:sldMasterId id="2147483659" r:id="rId1"/>
   </p:sldMasterIdLst>
@@ -27,20 +27,6 @@
   </p:sldIdLst>
   <p:sldSz cx="9144000" cy="5143500" type="screen16x9"/>
   <p:notesSz cx="6858000" cy="9144000"/>
-  <p:embeddedFontLst>
-    <p:embeddedFont>
-      <p:font typeface="Open Sans" charset="0"/>
-      <p:regular r:id="rId19"/>
-      <p:bold r:id="rId20"/>
-      <p:italic r:id="rId21"/>
-      <p:boldItalic r:id="rId22"/>
-    </p:embeddedFont>
-    <p:embeddedFont>
-      <p:font typeface="等线" charset="-122"/>
-      <p:regular r:id="rId23"/>
-      <p:bold r:id="rId24"/>
-    </p:embeddedFont>
-  </p:embeddedFontLst>
   <p:defaultTextStyle>
     <a:defPPr marR="0" lvl="0" algn="l" rtl="0">
       <a:lnSpc>
@@ -245,7 +231,18 @@
   </p:defaultTextStyle>
   <p:extLst>
     <p:ext uri="{EFAFB233-063F-42B5-8137-9DF3F51BA10A}">
-      <p15:sldGuideLst xmlns="" xmlns:p15="http://schemas.microsoft.com/office/powerpoint/2012/main"/>
+      <p15:sldGuideLst xmlns:p15="http://schemas.microsoft.com/office/powerpoint/2012/main">
+        <p15:guide id="1" orient="horz" pos="1620">
+          <p15:clr>
+            <a:srgbClr val="A4A3A4"/>
+          </p15:clr>
+        </p15:guide>
+        <p15:guide id="2" pos="2880">
+          <p15:clr>
+            <a:srgbClr val="A4A3A4"/>
+          </p15:clr>
+        </p15:guide>
+      </p15:sldGuideLst>
     </p:ext>
   </p:extLst>
 </p:presentation>
@@ -253,8 +250,17 @@
 
 <file path=ppt/charts/chart1.xml><?xml version="1.0" encoding="utf-8"?>
 <c:chartSpace xmlns:c="http://schemas.openxmlformats.org/drawingml/2006/chart" xmlns:a="http://schemas.openxmlformats.org/drawingml/2006/main" xmlns:r="http://schemas.openxmlformats.org/officeDocument/2006/relationships">
-  <c:date1904 val="1"/>
+  <c:date1904 val="0"/>
   <c:lang val="zh-CN"/>
+  <c:roundedCorners val="0"/>
+  <mc:AlternateContent xmlns:mc="http://schemas.openxmlformats.org/markup-compatibility/2006">
+    <mc:Choice xmlns:c14="http://schemas.microsoft.com/office/drawing/2007/8/2/chart" Requires="c14">
+      <c14:style val="102"/>
+    </mc:Choice>
+    <mc:Fallback>
+      <c:style val="2"/>
+    </mc:Fallback>
+  </mc:AlternateContent>
   <c:chart>
     <c:title>
       <c:tx>
@@ -290,12 +296,15 @@
         </c:rich>
       </c:tx>
       <c:layout/>
+      <c:overlay val="0"/>
     </c:title>
+    <c:autoTitleDeleted val="0"/>
     <c:plotArea>
       <c:layout/>
       <c:barChart>
         <c:barDir val="bar"/>
         <c:grouping val="clustered"/>
+        <c:varyColors val="0"/>
         <c:ser>
           <c:idx val="0"/>
           <c:order val="0"/>
@@ -310,6 +319,29 @@
               </c:strCache>
             </c:strRef>
           </c:tx>
+          <c:invertIfNegative val="0"/>
+          <c:dLbls>
+            <c:spPr>
+              <a:noFill/>
+              <a:ln>
+                <a:noFill/>
+              </a:ln>
+              <a:effectLst/>
+            </c:spPr>
+            <c:showLegendKey val="0"/>
+            <c:showVal val="1"/>
+            <c:showCatName val="0"/>
+            <c:showSerName val="0"/>
+            <c:showPercent val="0"/>
+            <c:showBubbleSize val="0"/>
+            <c:showLeaderLines val="0"/>
+            <c:extLst>
+              <c:ext xmlns:c15="http://schemas.microsoft.com/office/drawing/2012/chart" uri="{CE6537A1-D6FC-4f65-9D91-7224C49458BB}">
+                <c15:layout/>
+                <c15:showLeaderLines val="0"/>
+              </c:ext>
+            </c:extLst>
+          </c:dLbls>
           <c:cat>
             <c:strRef>
               <c:f>customer_by_ship_country!$A$2:$A$29</c:f>
@@ -409,137 +441,163 @@
                 <c:formatCode>General</c:formatCode>
                 <c:ptCount val="28"/>
                 <c:pt idx="0">
-                  <c:v>31</c:v>
+                  <c:v>31.0</c:v>
                 </c:pt>
                 <c:pt idx="1">
-                  <c:v>30</c:v>
+                  <c:v>30.0</c:v>
                 </c:pt>
                 <c:pt idx="2">
-                  <c:v>28</c:v>
+                  <c:v>28.0</c:v>
                 </c:pt>
                 <c:pt idx="3">
-                  <c:v>19</c:v>
+                  <c:v>19.0</c:v>
                 </c:pt>
                 <c:pt idx="4">
-                  <c:v>19</c:v>
+                  <c:v>19.0</c:v>
                 </c:pt>
                 <c:pt idx="5">
-                  <c:v>18</c:v>
+                  <c:v>18.0</c:v>
                 </c:pt>
                 <c:pt idx="6">
-                  <c:v>18</c:v>
+                  <c:v>18.0</c:v>
                 </c:pt>
                 <c:pt idx="7">
-                  <c:v>18</c:v>
+                  <c:v>18.0</c:v>
                 </c:pt>
                 <c:pt idx="8">
-                  <c:v>17</c:v>
+                  <c:v>17.0</c:v>
                 </c:pt>
                 <c:pt idx="9">
-                  <c:v>15</c:v>
+                  <c:v>15.0</c:v>
                 </c:pt>
                 <c:pt idx="10">
-                  <c:v>15</c:v>
+                  <c:v>15.0</c:v>
                 </c:pt>
                 <c:pt idx="11">
-                  <c:v>15</c:v>
+                  <c:v>15.0</c:v>
                 </c:pt>
                 <c:pt idx="12">
-                  <c:v>14</c:v>
+                  <c:v>14.0</c:v>
                 </c:pt>
                 <c:pt idx="13">
-                  <c:v>14</c:v>
+                  <c:v>14.0</c:v>
                 </c:pt>
                 <c:pt idx="14">
-                  <c:v>14</c:v>
+                  <c:v>14.0</c:v>
                 </c:pt>
                 <c:pt idx="15">
-                  <c:v>14</c:v>
+                  <c:v>14.0</c:v>
                 </c:pt>
                 <c:pt idx="16">
-                  <c:v>14</c:v>
+                  <c:v>14.0</c:v>
                 </c:pt>
                 <c:pt idx="17">
-                  <c:v>14</c:v>
+                  <c:v>14.0</c:v>
                 </c:pt>
                 <c:pt idx="18">
-                  <c:v>13</c:v>
+                  <c:v>13.0</c:v>
                 </c:pt>
                 <c:pt idx="19">
-                  <c:v>13</c:v>
+                  <c:v>13.0</c:v>
                 </c:pt>
                 <c:pt idx="20">
-                  <c:v>13</c:v>
+                  <c:v>13.0</c:v>
                 </c:pt>
                 <c:pt idx="21">
-                  <c:v>12</c:v>
+                  <c:v>12.0</c:v>
                 </c:pt>
                 <c:pt idx="22">
-                  <c:v>12</c:v>
+                  <c:v>12.0</c:v>
                 </c:pt>
                 <c:pt idx="23">
-                  <c:v>12</c:v>
+                  <c:v>12.0</c:v>
                 </c:pt>
                 <c:pt idx="24">
-                  <c:v>11</c:v>
+                  <c:v>11.0</c:v>
                 </c:pt>
                 <c:pt idx="25">
-                  <c:v>11</c:v>
+                  <c:v>11.0</c:v>
                 </c:pt>
                 <c:pt idx="26">
-                  <c:v>11</c:v>
+                  <c:v>11.0</c:v>
                 </c:pt>
                 <c:pt idx="27">
-                  <c:v>11</c:v>
+                  <c:v>11.0</c:v>
                 </c:pt>
               </c:numCache>
             </c:numRef>
           </c:val>
         </c:ser>
         <c:dLbls>
+          <c:showLegendKey val="0"/>
           <c:showVal val="1"/>
+          <c:showCatName val="0"/>
+          <c:showSerName val="0"/>
+          <c:showPercent val="0"/>
+          <c:showBubbleSize val="0"/>
         </c:dLbls>
+        <c:gapWidth val="150"/>
         <c:overlap val="-25"/>
-        <c:axId val="98412032"/>
-        <c:axId val="98413568"/>
+        <c:axId val="-926511888"/>
+        <c:axId val="-1015642672"/>
       </c:barChart>
       <c:catAx>
-        <c:axId val="98412032"/>
+        <c:axId val="-926511888"/>
         <c:scaling>
           <c:orientation val="minMax"/>
         </c:scaling>
+        <c:delete val="0"/>
         <c:axPos val="l"/>
+        <c:numFmt formatCode="General" sourceLinked="0"/>
         <c:majorTickMark val="none"/>
+        <c:minorTickMark val="none"/>
         <c:tickLblPos val="nextTo"/>
-        <c:crossAx val="98413568"/>
+        <c:crossAx val="-1015642672"/>
         <c:crosses val="autoZero"/>
         <c:auto val="1"/>
         <c:lblAlgn val="ctr"/>
         <c:lblOffset val="100"/>
+        <c:noMultiLvlLbl val="0"/>
       </c:catAx>
       <c:valAx>
-        <c:axId val="98413568"/>
+        <c:axId val="-1015642672"/>
         <c:scaling>
           <c:orientation val="minMax"/>
         </c:scaling>
         <c:delete val="1"/>
         <c:axPos val="b"/>
         <c:numFmt formatCode="General" sourceLinked="1"/>
+        <c:majorTickMark val="out"/>
+        <c:minorTickMark val="none"/>
         <c:tickLblPos val="none"/>
-        <c:crossAx val="98412032"/>
+        <c:crossAx val="-926511888"/>
         <c:crosses val="autoZero"/>
         <c:crossBetween val="between"/>
       </c:valAx>
     </c:plotArea>
     <c:plotVisOnly val="1"/>
+    <c:dispBlanksAs val="gap"/>
+    <c:showDLblsOverMax val="0"/>
   </c:chart>
-  <c:externalData r:id="rId1"/>
+  <c:externalData r:id="rId1">
+    <c:autoUpdate val="0"/>
+  </c:externalData>
 </c:chartSpace>
 </file>
 
 <file path=ppt/charts/chart2.xml><?xml version="1.0" encoding="utf-8"?>
 <c:chartSpace xmlns:c="http://schemas.openxmlformats.org/drawingml/2006/chart" xmlns:a="http://schemas.openxmlformats.org/drawingml/2006/main" xmlns:r="http://schemas.openxmlformats.org/officeDocument/2006/relationships">
+  <c:date1904 val="0"/>
   <c:lang val="zh-CN"/>
+  <c:roundedCorners val="0"/>
+  <mc:AlternateContent xmlns:mc="http://schemas.openxmlformats.org/markup-compatibility/2006">
+    <mc:Choice xmlns:c14="http://schemas.microsoft.com/office/drawing/2007/8/2/chart" Requires="c14">
+      <c14:style val="102"/>
+    </mc:Choice>
+    <mc:Fallback>
+      <c:style val="2"/>
+    </mc:Fallback>
+  </mc:AlternateContent>
   <c:chart>
     <c:title>
       <c:tx>
@@ -587,12 +645,15 @@
         </c:rich>
       </c:tx>
       <c:layout/>
+      <c:overlay val="0"/>
     </c:title>
+    <c:autoTitleDeleted val="0"/>
     <c:plotArea>
       <c:layout/>
       <c:barChart>
         <c:barDir val="col"/>
         <c:grouping val="clustered"/>
+        <c:varyColors val="0"/>
         <c:ser>
           <c:idx val="0"/>
           <c:order val="0"/>
@@ -607,6 +668,29 @@
               </c:strCache>
             </c:strRef>
           </c:tx>
+          <c:invertIfNegative val="0"/>
+          <c:dLbls>
+            <c:spPr>
+              <a:noFill/>
+              <a:ln>
+                <a:noFill/>
+              </a:ln>
+              <a:effectLst/>
+            </c:spPr>
+            <c:showLegendKey val="0"/>
+            <c:showVal val="1"/>
+            <c:showCatName val="0"/>
+            <c:showSerName val="0"/>
+            <c:showPercent val="0"/>
+            <c:showBubbleSize val="0"/>
+            <c:showLeaderLines val="0"/>
+            <c:extLst>
+              <c:ext xmlns:c15="http://schemas.microsoft.com/office/drawing/2012/chart" uri="{CE6537A1-D6FC-4f65-9D91-7224C49458BB}">
+                <c15:layout/>
+                <c15:showLeaderLines val="0"/>
+              </c:ext>
+            </c:extLst>
+          </c:dLbls>
           <c:cat>
             <c:strRef>
               <c:f>top_customers!$A$2:$A$11</c:f>
@@ -652,7 +736,7 @@
                 <c:formatCode>General</c:formatCode>
                 <c:ptCount val="10"/>
                 <c:pt idx="0">
-                  <c:v>110277.30499999999</c:v>
+                  <c:v>110277.305</c:v>
                 </c:pt>
                 <c:pt idx="1">
                   <c:v>104874.9785</c:v>
@@ -661,16 +745,16 @@
                   <c:v>104361.95</c:v>
                 </c:pt>
                 <c:pt idx="3">
-                  <c:v>51097.800500000005</c:v>
+                  <c:v>51097.80050000001</c:v>
                 </c:pt>
                 <c:pt idx="4">
-                  <c:v>49979.905000000006</c:v>
+                  <c:v>49979.90500000001</c:v>
                 </c:pt>
                 <c:pt idx="5">
-                  <c:v>32841.370000000003</c:v>
+                  <c:v>32841.37</c:v>
                 </c:pt>
                 <c:pt idx="6">
-                  <c:v>30908.383999999998</c:v>
+                  <c:v>30908.384</c:v>
                 </c:pt>
                 <c:pt idx="7">
                   <c:v>29567.5625</c:v>
@@ -686,49 +770,75 @@
           </c:val>
         </c:ser>
         <c:dLbls>
+          <c:showLegendKey val="0"/>
           <c:showVal val="1"/>
+          <c:showCatName val="0"/>
+          <c:showSerName val="0"/>
+          <c:showPercent val="0"/>
+          <c:showBubbleSize val="0"/>
         </c:dLbls>
+        <c:gapWidth val="150"/>
         <c:overlap val="-25"/>
-        <c:axId val="98430336"/>
-        <c:axId val="98481280"/>
+        <c:axId val="-927347040"/>
+        <c:axId val="-927345680"/>
       </c:barChart>
       <c:catAx>
-        <c:axId val="98430336"/>
+        <c:axId val="-927347040"/>
         <c:scaling>
           <c:orientation val="minMax"/>
         </c:scaling>
+        <c:delete val="0"/>
         <c:axPos val="b"/>
+        <c:numFmt formatCode="General" sourceLinked="0"/>
         <c:majorTickMark val="none"/>
+        <c:minorTickMark val="none"/>
         <c:tickLblPos val="nextTo"/>
-        <c:crossAx val="98481280"/>
+        <c:crossAx val="-927345680"/>
         <c:crosses val="autoZero"/>
         <c:auto val="1"/>
         <c:lblAlgn val="ctr"/>
         <c:lblOffset val="100"/>
+        <c:noMultiLvlLbl val="0"/>
       </c:catAx>
       <c:valAx>
-        <c:axId val="98481280"/>
+        <c:axId val="-927345680"/>
         <c:scaling>
           <c:orientation val="minMax"/>
         </c:scaling>
         <c:delete val="1"/>
         <c:axPos val="l"/>
         <c:numFmt formatCode="General" sourceLinked="1"/>
+        <c:majorTickMark val="out"/>
+        <c:minorTickMark val="none"/>
         <c:tickLblPos val="none"/>
-        <c:crossAx val="98430336"/>
+        <c:crossAx val="-927347040"/>
         <c:crosses val="autoZero"/>
         <c:crossBetween val="between"/>
       </c:valAx>
     </c:plotArea>
     <c:plotVisOnly val="1"/>
+    <c:dispBlanksAs val="gap"/>
+    <c:showDLblsOverMax val="0"/>
   </c:chart>
-  <c:externalData r:id="rId1"/>
+  <c:externalData r:id="rId1">
+    <c:autoUpdate val="0"/>
+  </c:externalData>
 </c:chartSpace>
 </file>
 
 <file path=ppt/charts/chart3.xml><?xml version="1.0" encoding="utf-8"?>
 <c:chartSpace xmlns:c="http://schemas.openxmlformats.org/drawingml/2006/chart" xmlns:a="http://schemas.openxmlformats.org/drawingml/2006/main" xmlns:r="http://schemas.openxmlformats.org/officeDocument/2006/relationships">
+  <c:date1904 val="0"/>
   <c:lang val="zh-CN"/>
+  <c:roundedCorners val="0"/>
+  <mc:AlternateContent xmlns:mc="http://schemas.openxmlformats.org/markup-compatibility/2006">
+    <mc:Choice xmlns:c14="http://schemas.microsoft.com/office/drawing/2007/8/2/chart" Requires="c14">
+      <c14:style val="102"/>
+    </mc:Choice>
+    <mc:Fallback>
+      <c:style val="2"/>
+    </mc:Fallback>
+  </mc:AlternateContent>
   <c:pivotSource>
     <c:name>[top_customer_categories.xlsx]Sheet1!数据透视表9</c:name>
     <c:fmtId val="16"/>
@@ -760,7 +870,9 @@
         </c:rich>
       </c:tx>
       <c:layout/>
+      <c:overlay val="0"/>
     </c:title>
+    <c:autoTitleDeleted val="0"/>
     <c:pivotFmts>
       <c:pivotFmt>
         <c:idx val="0"/>
@@ -818,6 +930,9 @@
         <c:dLbl>
           <c:idx val="0"/>
           <c:delete val="1"/>
+          <c:extLst>
+            <c:ext xmlns:c15="http://schemas.microsoft.com/office/drawing/2012/chart" uri="{CE6537A1-D6FC-4f65-9D91-7224C49458BB}"/>
+          </c:extLst>
         </c:dLbl>
       </c:pivotFmt>
       <c:pivotFmt>
@@ -828,6 +943,9 @@
         <c:dLbl>
           <c:idx val="0"/>
           <c:delete val="1"/>
+          <c:extLst>
+            <c:ext xmlns:c15="http://schemas.microsoft.com/office/drawing/2012/chart" uri="{CE6537A1-D6FC-4f65-9D91-7224C49458BB}"/>
+          </c:extLst>
         </c:dLbl>
       </c:pivotFmt>
       <c:pivotFmt>
@@ -838,6 +956,9 @@
         <c:dLbl>
           <c:idx val="0"/>
           <c:delete val="1"/>
+          <c:extLst>
+            <c:ext xmlns:c15="http://schemas.microsoft.com/office/drawing/2012/chart" uri="{CE6537A1-D6FC-4f65-9D91-7224C49458BB}"/>
+          </c:extLst>
         </c:dLbl>
       </c:pivotFmt>
       <c:pivotFmt>
@@ -848,6 +969,9 @@
         <c:dLbl>
           <c:idx val="0"/>
           <c:delete val="1"/>
+          <c:extLst>
+            <c:ext xmlns:c15="http://schemas.microsoft.com/office/drawing/2012/chart" uri="{CE6537A1-D6FC-4f65-9D91-7224C49458BB}"/>
+          </c:extLst>
         </c:dLbl>
       </c:pivotFmt>
       <c:pivotFmt>
@@ -858,6 +982,9 @@
         <c:dLbl>
           <c:idx val="0"/>
           <c:delete val="1"/>
+          <c:extLst>
+            <c:ext xmlns:c15="http://schemas.microsoft.com/office/drawing/2012/chart" uri="{CE6537A1-D6FC-4f65-9D91-7224C49458BB}"/>
+          </c:extLst>
         </c:dLbl>
       </c:pivotFmt>
       <c:pivotFmt>
@@ -868,6 +995,9 @@
         <c:dLbl>
           <c:idx val="0"/>
           <c:delete val="1"/>
+          <c:extLst>
+            <c:ext xmlns:c15="http://schemas.microsoft.com/office/drawing/2012/chart" uri="{CE6537A1-D6FC-4f65-9D91-7224C49458BB}"/>
+          </c:extLst>
         </c:dLbl>
       </c:pivotFmt>
       <c:pivotFmt>
@@ -878,6 +1008,9 @@
         <c:dLbl>
           <c:idx val="0"/>
           <c:delete val="1"/>
+          <c:extLst>
+            <c:ext xmlns:c15="http://schemas.microsoft.com/office/drawing/2012/chart" uri="{CE6537A1-D6FC-4f65-9D91-7224C49458BB}"/>
+          </c:extLst>
         </c:dLbl>
       </c:pivotFmt>
       <c:pivotFmt>
@@ -888,6 +1021,9 @@
         <c:dLbl>
           <c:idx val="0"/>
           <c:delete val="1"/>
+          <c:extLst>
+            <c:ext xmlns:c15="http://schemas.microsoft.com/office/drawing/2012/chart" uri="{CE6537A1-D6FC-4f65-9D91-7224C49458BB}"/>
+          </c:extLst>
         </c:dLbl>
       </c:pivotFmt>
     </c:pivotFmts>
@@ -896,6 +1032,7 @@
       <c:barChart>
         <c:barDir val="col"/>
         <c:grouping val="clustered"/>
+        <c:varyColors val="0"/>
         <c:ser>
           <c:idx val="0"/>
           <c:order val="0"/>
@@ -910,6 +1047,7 @@
               </c:strCache>
             </c:strRef>
           </c:tx>
+          <c:invertIfNegative val="0"/>
           <c:cat>
             <c:strRef>
               <c:f>Sheet1!$A$5:$A$15</c:f>
@@ -961,7 +1099,7 @@
                   <c:v>3865.32</c:v>
                 </c:pt>
                 <c:pt idx="2">
-                  <c:v>20084.149999999998</c:v>
+                  <c:v>20084.14999999999</c:v>
                 </c:pt>
                 <c:pt idx="3">
                   <c:v>3145.32</c:v>
@@ -970,19 +1108,19 @@
                   <c:v>9455.1</c:v>
                 </c:pt>
                 <c:pt idx="5">
-                  <c:v>9415.81</c:v>
+                  <c:v>9415.809999999999</c:v>
                 </c:pt>
                 <c:pt idx="6">
                   <c:v>36216.43</c:v>
                 </c:pt>
                 <c:pt idx="7">
-                  <c:v>19208.149999999998</c:v>
+                  <c:v>19208.14999999999</c:v>
                 </c:pt>
                 <c:pt idx="8">
-                  <c:v>10032</c:v>
+                  <c:v>10032.0</c:v>
                 </c:pt>
                 <c:pt idx="9">
-                  <c:v>8884.7000000000007</c:v>
+                  <c:v>8884.7</c:v>
                 </c:pt>
               </c:numCache>
             </c:numRef>
@@ -1002,6 +1140,7 @@
               </c:strCache>
             </c:strRef>
           </c:tx>
+          <c:invertIfNegative val="0"/>
           <c:cat>
             <c:strRef>
               <c:f>Sheet1!$A$5:$A$15</c:f>
@@ -1059,19 +1198,19 @@
                   <c:v>3477.625</c:v>
                 </c:pt>
                 <c:pt idx="4">
-                  <c:v>1872</c:v>
+                  <c:v>1872.0</c:v>
                 </c:pt>
                 <c:pt idx="5">
                   <c:v>2809.5</c:v>
                 </c:pt>
                 <c:pt idx="6">
-                  <c:v>9214.9349999999977</c:v>
+                  <c:v>9214.934999999996</c:v>
                 </c:pt>
                 <c:pt idx="7">
                   <c:v>1503.2</c:v>
                 </c:pt>
                 <c:pt idx="8">
-                  <c:v>7873</c:v>
+                  <c:v>7873.0</c:v>
                 </c:pt>
                 <c:pt idx="9">
                   <c:v>4174.13</c:v>
@@ -1094,6 +1233,7 @@
               </c:strCache>
             </c:strRef>
           </c:tx>
+          <c:invertIfNegative val="0"/>
           <c:cat>
             <c:strRef>
               <c:f>Sheet1!$A$5:$A$15</c:f>
@@ -1142,16 +1282,16 @@
                   <c:v>12815.7575</c:v>
                 </c:pt>
                 <c:pt idx="1">
-                  <c:v>978.93</c:v>
+                  <c:v>978.9299999999999</c:v>
                 </c:pt>
                 <c:pt idx="2">
-                  <c:v>1212</c:v>
+                  <c:v>1212.0</c:v>
                 </c:pt>
                 <c:pt idx="3">
-                  <c:v>1676.3799999999999</c:v>
+                  <c:v>1676.38</c:v>
                 </c:pt>
                 <c:pt idx="4">
-                  <c:v>4751.4640000000009</c:v>
+                  <c:v>4751.464000000001</c:v>
                 </c:pt>
                 <c:pt idx="5">
                   <c:v>2915.605</c:v>
@@ -1160,7 +1300,7 @@
                   <c:v>18530.09</c:v>
                 </c:pt>
                 <c:pt idx="7">
-                  <c:v>10947.213000000002</c:v>
+                  <c:v>10947.213</c:v>
                 </c:pt>
                 <c:pt idx="8">
                   <c:v>11900.07</c:v>
@@ -1186,6 +1326,7 @@
               </c:strCache>
             </c:strRef>
           </c:tx>
+          <c:invertIfNegative val="0"/>
           <c:cat>
             <c:strRef>
               <c:f>Sheet1!$A$5:$A$15</c:f>
@@ -1231,10 +1372,10 @@
                 <c:formatCode>General</c:formatCode>
                 <c:ptCount val="10"/>
                 <c:pt idx="0">
-                  <c:v>24496.460000000003</c:v>
+                  <c:v>24496.46000000001</c:v>
                 </c:pt>
                 <c:pt idx="1">
-                  <c:v>3654.9500000000003</c:v>
+                  <c:v>3654.950000000001</c:v>
                 </c:pt>
                 <c:pt idx="2">
                   <c:v>2252.9</c:v>
@@ -1246,10 +1387,10 @@
                   <c:v>7098.25</c:v>
                 </c:pt>
                 <c:pt idx="5">
-                  <c:v>4766.6250000000009</c:v>
+                  <c:v>4766.625000000001</c:v>
                 </c:pt>
                 <c:pt idx="6">
-                  <c:v>13800.849999999999</c:v>
+                  <c:v>13800.85</c:v>
                 </c:pt>
                 <c:pt idx="7">
                   <c:v>7854.87</c:v>
@@ -1278,6 +1419,7 @@
               </c:strCache>
             </c:strRef>
           </c:tx>
+          <c:invertIfNegative val="0"/>
           <c:cat>
             <c:strRef>
               <c:f>Sheet1!$A$5:$A$15</c:f>
@@ -1326,7 +1468,7 @@
                   <c:v>12737.7</c:v>
                 </c:pt>
                 <c:pt idx="1">
-                  <c:v>3021</c:v>
+                  <c:v>3021.0</c:v>
                 </c:pt>
                 <c:pt idx="2">
                   <c:v>641.4</c:v>
@@ -1335,13 +1477,13 @@
                   <c:v>1442.4</c:v>
                 </c:pt>
                 <c:pt idx="5">
-                  <c:v>4553.8500000000004</c:v>
+                  <c:v>4553.85</c:v>
                 </c:pt>
                 <c:pt idx="6">
                   <c:v>5310.9</c:v>
                 </c:pt>
                 <c:pt idx="7">
-                  <c:v>4831.3050000000003</c:v>
+                  <c:v>4831.305</c:v>
                 </c:pt>
                 <c:pt idx="8">
                   <c:v>8298.1</c:v>
@@ -1367,6 +1509,7 @@
               </c:strCache>
             </c:strRef>
           </c:tx>
+          <c:invertIfNegative val="0"/>
           <c:cat>
             <c:strRef>
               <c:f>Sheet1!$A$5:$A$15</c:f>
@@ -1412,13 +1555,13 @@
                 <c:formatCode>General</c:formatCode>
                 <c:ptCount val="10"/>
                 <c:pt idx="0">
-                  <c:v>8325.5559999999987</c:v>
+                  <c:v>8325.555999999993</c:v>
                 </c:pt>
                 <c:pt idx="1">
-                  <c:v>5398.1250000000009</c:v>
+                  <c:v>5398.125000000001</c:v>
                 </c:pt>
                 <c:pt idx="2">
-                  <c:v>585</c:v>
+                  <c:v>585.0</c:v>
                 </c:pt>
                 <c:pt idx="3">
                   <c:v>20914.23</c:v>
@@ -1427,19 +1570,19 @@
                   <c:v>4254.42</c:v>
                 </c:pt>
                 <c:pt idx="5">
-                  <c:v>2074.8000000000002</c:v>
+                  <c:v>2074.8</c:v>
                 </c:pt>
                 <c:pt idx="6">
-                  <c:v>9754.9599999999955</c:v>
+                  <c:v>9754.959999999992</c:v>
                 </c:pt>
                 <c:pt idx="7">
-                  <c:v>3657.2799999999997</c:v>
+                  <c:v>3657.28</c:v>
                 </c:pt>
                 <c:pt idx="8">
                   <c:v>27659.18</c:v>
                 </c:pt>
                 <c:pt idx="9">
-                  <c:v>3707.9500000000003</c:v>
+                  <c:v>3707.950000000001</c:v>
                 </c:pt>
               </c:numCache>
             </c:numRef>
@@ -1459,6 +1602,7 @@
               </c:strCache>
             </c:strRef>
           </c:tx>
+          <c:invertIfNegative val="0"/>
           <c:cat>
             <c:strRef>
               <c:f>Sheet1!$A$5:$A$15</c:f>
@@ -1507,10 +1651,10 @@
                   <c:v>12469.6675</c:v>
                 </c:pt>
                 <c:pt idx="1">
-                  <c:v>6464</c:v>
+                  <c:v>6464.0</c:v>
                 </c:pt>
                 <c:pt idx="2">
-                  <c:v>1261.4000000000001</c:v>
+                  <c:v>1261.4</c:v>
                 </c:pt>
                 <c:pt idx="3">
                   <c:v>3414.66</c:v>
@@ -1519,13 +1663,13 @@
                   <c:v>167.4</c:v>
                 </c:pt>
                 <c:pt idx="5">
-                  <c:v>240</c:v>
+                  <c:v>240.0</c:v>
                 </c:pt>
                 <c:pt idx="6">
                   <c:v>8081.4</c:v>
                 </c:pt>
                 <c:pt idx="7">
-                  <c:v>2211.0524999999998</c:v>
+                  <c:v>2211.0525</c:v>
                 </c:pt>
                 <c:pt idx="8">
                   <c:v>3887.9</c:v>
@@ -1551,6 +1695,7 @@
               </c:strCache>
             </c:strRef>
           </c:tx>
+          <c:invertIfNegative val="0"/>
           <c:cat>
             <c:strRef>
               <c:f>Sheet1!$A$5:$A$15</c:f>
@@ -1596,10 +1741,10 @@
                 <c:formatCode>General</c:formatCode>
                 <c:ptCount val="10"/>
                 <c:pt idx="0">
-                  <c:v>7250.4749999999995</c:v>
+                  <c:v>7250.474999999999</c:v>
                 </c:pt>
                 <c:pt idx="1">
-                  <c:v>2533.7375000000002</c:v>
+                  <c:v>2533.7375</c:v>
                 </c:pt>
                 <c:pt idx="2">
                   <c:v>4425.75</c:v>
@@ -1611,10 +1756,10 @@
                   <c:v>3309.75</c:v>
                 </c:pt>
                 <c:pt idx="5">
-                  <c:v>2096</c:v>
+                  <c:v>2096.0</c:v>
                 </c:pt>
                 <c:pt idx="6">
-                  <c:v>9367.7400000000016</c:v>
+                  <c:v>9367.740000000003</c:v>
                 </c:pt>
                 <c:pt idx="7">
                   <c:v>884.73</c:v>
@@ -1623,40 +1768,55 @@
                   <c:v>13604.6</c:v>
                 </c:pt>
                 <c:pt idx="9">
-                  <c:v>2825</c:v>
+                  <c:v>2825.0</c:v>
                 </c:pt>
               </c:numCache>
             </c:numRef>
           </c:val>
         </c:ser>
-        <c:axId val="109779200"/>
-        <c:axId val="109793280"/>
+        <c:dLbls>
+          <c:showLegendKey val="0"/>
+          <c:showVal val="0"/>
+          <c:showCatName val="0"/>
+          <c:showSerName val="0"/>
+          <c:showPercent val="0"/>
+          <c:showBubbleSize val="0"/>
+        </c:dLbls>
+        <c:gapWidth val="150"/>
+        <c:axId val="-925148272"/>
+        <c:axId val="-925145712"/>
       </c:barChart>
       <c:catAx>
-        <c:axId val="109779200"/>
+        <c:axId val="-925148272"/>
         <c:scaling>
           <c:orientation val="minMax"/>
         </c:scaling>
+        <c:delete val="0"/>
         <c:axPos val="b"/>
+        <c:numFmt formatCode="General" sourceLinked="0"/>
         <c:majorTickMark val="none"/>
+        <c:minorTickMark val="none"/>
         <c:tickLblPos val="nextTo"/>
-        <c:crossAx val="109793280"/>
+        <c:crossAx val="-925145712"/>
         <c:crosses val="autoZero"/>
         <c:auto val="1"/>
         <c:lblAlgn val="ctr"/>
         <c:lblOffset val="100"/>
+        <c:noMultiLvlLbl val="0"/>
       </c:catAx>
       <c:valAx>
-        <c:axId val="109793280"/>
+        <c:axId val="-925145712"/>
         <c:scaling>
           <c:orientation val="minMax"/>
         </c:scaling>
+        <c:delete val="0"/>
         <c:axPos val="l"/>
         <c:majorGridlines/>
         <c:numFmt formatCode="General" sourceLinked="1"/>
         <c:majorTickMark val="none"/>
+        <c:minorTickMark val="none"/>
         <c:tickLblPos val="nextTo"/>
-        <c:crossAx val="109779200"/>
+        <c:crossAx val="-925148272"/>
         <c:crosses val="autoZero"/>
         <c:crossBetween val="between"/>
       </c:valAx>
@@ -1664,16 +1824,31 @@
     <c:legend>
       <c:legendPos val="r"/>
       <c:layout/>
+      <c:overlay val="0"/>
     </c:legend>
     <c:plotVisOnly val="1"/>
+    <c:dispBlanksAs val="gap"/>
+    <c:showDLblsOverMax val="0"/>
   </c:chart>
-  <c:externalData r:id="rId1"/>
+  <c:externalData r:id="rId1">
+    <c:autoUpdate val="0"/>
+  </c:externalData>
 </c:chartSpace>
 </file>
 
 <file path=ppt/charts/chart4.xml><?xml version="1.0" encoding="utf-8"?>
 <c:chartSpace xmlns:c="http://schemas.openxmlformats.org/drawingml/2006/chart" xmlns:a="http://schemas.openxmlformats.org/drawingml/2006/main" xmlns:r="http://schemas.openxmlformats.org/officeDocument/2006/relationships">
+  <c:date1904 val="0"/>
   <c:lang val="zh-CN"/>
+  <c:roundedCorners val="0"/>
+  <mc:AlternateContent xmlns:mc="http://schemas.openxmlformats.org/markup-compatibility/2006">
+    <mc:Choice xmlns:c14="http://schemas.microsoft.com/office/drawing/2007/8/2/chart" Requires="c14">
+      <c14:style val="102"/>
+    </mc:Choice>
+    <mc:Fallback>
+      <c:style val="2"/>
+    </mc:Fallback>
+  </mc:AlternateContent>
   <c:chart>
     <c:title>
       <c:tx>
@@ -1733,12 +1908,15 @@
         </c:rich>
       </c:tx>
       <c:layout/>
+      <c:overlay val="0"/>
     </c:title>
+    <c:autoTitleDeleted val="0"/>
     <c:plotArea>
       <c:layout/>
       <c:barChart>
         <c:barDir val="bar"/>
         <c:grouping val="clustered"/>
+        <c:varyColors val="0"/>
         <c:ser>
           <c:idx val="0"/>
           <c:order val="0"/>
@@ -1753,6 +1931,7 @@
               </c:strCache>
             </c:strRef>
           </c:tx>
+          <c:invertIfNegative val="0"/>
           <c:cat>
             <c:strRef>
               <c:f>order_employees!$A$2:$A$10</c:f>
@@ -1795,75 +1974,106 @@
                 <c:formatCode>General</c:formatCode>
                 <c:ptCount val="9"/>
                 <c:pt idx="0">
-                  <c:v>31</c:v>
+                  <c:v>31.0</c:v>
                 </c:pt>
                 <c:pt idx="1">
-                  <c:v>30</c:v>
+                  <c:v>30.0</c:v>
                 </c:pt>
                 <c:pt idx="2">
-                  <c:v>28</c:v>
+                  <c:v>28.0</c:v>
                 </c:pt>
                 <c:pt idx="3">
-                  <c:v>19</c:v>
+                  <c:v>19.0</c:v>
                 </c:pt>
                 <c:pt idx="4">
-                  <c:v>19</c:v>
+                  <c:v>19.0</c:v>
                 </c:pt>
                 <c:pt idx="5">
-                  <c:v>18</c:v>
+                  <c:v>18.0</c:v>
                 </c:pt>
                 <c:pt idx="6">
-                  <c:v>18</c:v>
+                  <c:v>18.0</c:v>
                 </c:pt>
                 <c:pt idx="7">
-                  <c:v>18</c:v>
+                  <c:v>18.0</c:v>
                 </c:pt>
                 <c:pt idx="8">
-                  <c:v>17</c:v>
+                  <c:v>17.0</c:v>
                 </c:pt>
               </c:numCache>
             </c:numRef>
           </c:val>
         </c:ser>
-        <c:axId val="119546624"/>
-        <c:axId val="119561216"/>
+        <c:dLbls>
+          <c:showLegendKey val="0"/>
+          <c:showVal val="0"/>
+          <c:showCatName val="0"/>
+          <c:showSerName val="0"/>
+          <c:showPercent val="0"/>
+          <c:showBubbleSize val="0"/>
+        </c:dLbls>
+        <c:gapWidth val="150"/>
+        <c:axId val="-907350080"/>
+        <c:axId val="-907347760"/>
       </c:barChart>
       <c:catAx>
-        <c:axId val="119546624"/>
+        <c:axId val="-907350080"/>
         <c:scaling>
           <c:orientation val="minMax"/>
         </c:scaling>
+        <c:delete val="0"/>
         <c:axPos val="l"/>
+        <c:numFmt formatCode="General" sourceLinked="0"/>
+        <c:majorTickMark val="out"/>
+        <c:minorTickMark val="none"/>
         <c:tickLblPos val="nextTo"/>
-        <c:crossAx val="119561216"/>
+        <c:crossAx val="-907347760"/>
         <c:crosses val="autoZero"/>
         <c:auto val="1"/>
         <c:lblAlgn val="ctr"/>
         <c:lblOffset val="100"/>
+        <c:noMultiLvlLbl val="0"/>
       </c:catAx>
       <c:valAx>
-        <c:axId val="119561216"/>
+        <c:axId val="-907347760"/>
         <c:scaling>
           <c:orientation val="minMax"/>
         </c:scaling>
+        <c:delete val="0"/>
         <c:axPos val="b"/>
         <c:majorGridlines/>
         <c:numFmt formatCode="General" sourceLinked="1"/>
+        <c:majorTickMark val="out"/>
+        <c:minorTickMark val="none"/>
         <c:tickLblPos val="nextTo"/>
-        <c:crossAx val="119546624"/>
+        <c:crossAx val="-907350080"/>
         <c:crosses val="autoZero"/>
         <c:crossBetween val="between"/>
       </c:valAx>
     </c:plotArea>
     <c:plotVisOnly val="1"/>
+    <c:dispBlanksAs val="gap"/>
+    <c:showDLblsOverMax val="0"/>
   </c:chart>
-  <c:externalData r:id="rId1"/>
+  <c:externalData r:id="rId1">
+    <c:autoUpdate val="0"/>
+  </c:externalData>
 </c:chartSpace>
 </file>
 
 <file path=ppt/charts/chart5.xml><?xml version="1.0" encoding="utf-8"?>
 <c:chartSpace xmlns:c="http://schemas.openxmlformats.org/drawingml/2006/chart" xmlns:a="http://schemas.openxmlformats.org/drawingml/2006/main" xmlns:r="http://schemas.openxmlformats.org/officeDocument/2006/relationships">
+  <c:date1904 val="0"/>
   <c:lang val="zh-CN"/>
+  <c:roundedCorners val="0"/>
+  <mc:AlternateContent xmlns:mc="http://schemas.openxmlformats.org/markup-compatibility/2006">
+    <mc:Choice xmlns:c14="http://schemas.microsoft.com/office/drawing/2007/8/2/chart" Requires="c14">
+      <c14:style val="102"/>
+    </mc:Choice>
+    <mc:Fallback>
+      <c:style val="2"/>
+    </mc:Fallback>
+  </mc:AlternateContent>
   <c:chart>
     <c:title>
       <c:tx>
@@ -1899,12 +2109,15 @@
         </c:rich>
       </c:tx>
       <c:layout/>
+      <c:overlay val="0"/>
     </c:title>
+    <c:autoTitleDeleted val="0"/>
     <c:plotArea>
       <c:layout/>
       <c:barChart>
         <c:barDir val="col"/>
         <c:grouping val="clustered"/>
+        <c:varyColors val="0"/>
         <c:ser>
           <c:idx val="0"/>
           <c:order val="0"/>
@@ -1919,6 +2132,7 @@
               </c:strCache>
             </c:strRef>
           </c:tx>
+          <c:invertIfNegative val="0"/>
           <c:cat>
             <c:strRef>
               <c:f>supplier_categories!$A$2:$A$30</c:f>
@@ -2021,135 +2235,166 @@
                 <c:formatCode>General</c:formatCode>
                 <c:ptCount val="29"/>
                 <c:pt idx="0">
-                  <c:v>5</c:v>
+                  <c:v>5.0</c:v>
                 </c:pt>
                 <c:pt idx="1">
-                  <c:v>5</c:v>
+                  <c:v>5.0</c:v>
                 </c:pt>
                 <c:pt idx="2">
-                  <c:v>4</c:v>
+                  <c:v>4.0</c:v>
                 </c:pt>
                 <c:pt idx="3">
-                  <c:v>4</c:v>
+                  <c:v>4.0</c:v>
                 </c:pt>
                 <c:pt idx="4">
-                  <c:v>3</c:v>
+                  <c:v>3.0</c:v>
                 </c:pt>
                 <c:pt idx="5">
-                  <c:v>3</c:v>
+                  <c:v>3.0</c:v>
                 </c:pt>
                 <c:pt idx="6">
-                  <c:v>3</c:v>
+                  <c:v>3.0</c:v>
                 </c:pt>
                 <c:pt idx="7">
-                  <c:v>3</c:v>
+                  <c:v>3.0</c:v>
                 </c:pt>
                 <c:pt idx="8">
-                  <c:v>3</c:v>
+                  <c:v>3.0</c:v>
                 </c:pt>
                 <c:pt idx="9">
-                  <c:v>3</c:v>
+                  <c:v>3.0</c:v>
                 </c:pt>
                 <c:pt idx="10">
-                  <c:v>3</c:v>
+                  <c:v>3.0</c:v>
                 </c:pt>
                 <c:pt idx="11">
-                  <c:v>3</c:v>
+                  <c:v>3.0</c:v>
                 </c:pt>
                 <c:pt idx="12">
-                  <c:v>3</c:v>
+                  <c:v>3.0</c:v>
                 </c:pt>
                 <c:pt idx="13">
-                  <c:v>3</c:v>
+                  <c:v>3.0</c:v>
                 </c:pt>
                 <c:pt idx="14">
-                  <c:v>3</c:v>
+                  <c:v>3.0</c:v>
                 </c:pt>
                 <c:pt idx="15">
-                  <c:v>3</c:v>
+                  <c:v>3.0</c:v>
                 </c:pt>
                 <c:pt idx="16">
-                  <c:v>2</c:v>
+                  <c:v>2.0</c:v>
                 </c:pt>
                 <c:pt idx="17">
-                  <c:v>2</c:v>
+                  <c:v>2.0</c:v>
                 </c:pt>
                 <c:pt idx="18">
-                  <c:v>2</c:v>
+                  <c:v>2.0</c:v>
                 </c:pt>
                 <c:pt idx="19">
-                  <c:v>2</c:v>
+                  <c:v>2.0</c:v>
                 </c:pt>
                 <c:pt idx="20">
-                  <c:v>2</c:v>
+                  <c:v>2.0</c:v>
                 </c:pt>
                 <c:pt idx="21">
-                  <c:v>2</c:v>
+                  <c:v>2.0</c:v>
                 </c:pt>
                 <c:pt idx="22">
-                  <c:v>2</c:v>
+                  <c:v>2.0</c:v>
                 </c:pt>
                 <c:pt idx="23">
-                  <c:v>2</c:v>
+                  <c:v>2.0</c:v>
                 </c:pt>
                 <c:pt idx="24">
-                  <c:v>2</c:v>
+                  <c:v>2.0</c:v>
                 </c:pt>
                 <c:pt idx="25">
-                  <c:v>2</c:v>
+                  <c:v>2.0</c:v>
                 </c:pt>
                 <c:pt idx="26">
-                  <c:v>1</c:v>
+                  <c:v>1.0</c:v>
                 </c:pt>
                 <c:pt idx="27">
-                  <c:v>1</c:v>
+                  <c:v>1.0</c:v>
                 </c:pt>
                 <c:pt idx="28">
-                  <c:v>1</c:v>
+                  <c:v>1.0</c:v>
                 </c:pt>
               </c:numCache>
             </c:numRef>
           </c:val>
         </c:ser>
-        <c:axId val="122177024"/>
-        <c:axId val="122178560"/>
+        <c:dLbls>
+          <c:showLegendKey val="0"/>
+          <c:showVal val="0"/>
+          <c:showCatName val="0"/>
+          <c:showSerName val="0"/>
+          <c:showPercent val="0"/>
+          <c:showBubbleSize val="0"/>
+        </c:dLbls>
+        <c:gapWidth val="150"/>
+        <c:axId val="-907839504"/>
+        <c:axId val="-907837184"/>
       </c:barChart>
       <c:catAx>
-        <c:axId val="122177024"/>
+        <c:axId val="-907839504"/>
         <c:scaling>
           <c:orientation val="minMax"/>
         </c:scaling>
+        <c:delete val="0"/>
         <c:axPos val="b"/>
+        <c:numFmt formatCode="General" sourceLinked="0"/>
+        <c:majorTickMark val="out"/>
+        <c:minorTickMark val="none"/>
         <c:tickLblPos val="nextTo"/>
-        <c:crossAx val="122178560"/>
+        <c:crossAx val="-907837184"/>
         <c:crosses val="autoZero"/>
         <c:auto val="1"/>
         <c:lblAlgn val="ctr"/>
         <c:lblOffset val="100"/>
+        <c:noMultiLvlLbl val="0"/>
       </c:catAx>
       <c:valAx>
-        <c:axId val="122178560"/>
+        <c:axId val="-907837184"/>
         <c:scaling>
           <c:orientation val="minMax"/>
         </c:scaling>
+        <c:delete val="0"/>
         <c:axPos val="l"/>
         <c:majorGridlines/>
         <c:numFmt formatCode="General" sourceLinked="1"/>
+        <c:majorTickMark val="out"/>
+        <c:minorTickMark val="none"/>
         <c:tickLblPos val="nextTo"/>
-        <c:crossAx val="122177024"/>
+        <c:crossAx val="-907839504"/>
         <c:crosses val="autoZero"/>
         <c:crossBetween val="between"/>
       </c:valAx>
     </c:plotArea>
     <c:plotVisOnly val="1"/>
+    <c:dispBlanksAs val="gap"/>
+    <c:showDLblsOverMax val="0"/>
   </c:chart>
-  <c:externalData r:id="rId1"/>
+  <c:externalData r:id="rId1">
+    <c:autoUpdate val="0"/>
+  </c:externalData>
 </c:chartSpace>
 </file>
 
 <file path=ppt/charts/chart6.xml><?xml version="1.0" encoding="utf-8"?>
 <c:chartSpace xmlns:c="http://schemas.openxmlformats.org/drawingml/2006/chart" xmlns:a="http://schemas.openxmlformats.org/drawingml/2006/main" xmlns:r="http://schemas.openxmlformats.org/officeDocument/2006/relationships">
+  <c:date1904 val="0"/>
   <c:lang val="zh-CN"/>
+  <c:roundedCorners val="0"/>
+  <mc:AlternateContent xmlns:mc="http://schemas.openxmlformats.org/markup-compatibility/2006">
+    <mc:Choice xmlns:c14="http://schemas.microsoft.com/office/drawing/2007/8/2/chart" Requires="c14">
+      <c14:style val="102"/>
+    </mc:Choice>
+    <mc:Fallback>
+      <c:style val="2"/>
+    </mc:Fallback>
+  </mc:AlternateContent>
   <c:chart>
     <c:title>
       <c:tx>
@@ -2197,12 +2442,15 @@
         </c:rich>
       </c:tx>
       <c:layout/>
+      <c:overlay val="0"/>
     </c:title>
+    <c:autoTitleDeleted val="0"/>
     <c:plotArea>
       <c:layout/>
       <c:barChart>
         <c:barDir val="col"/>
         <c:grouping val="clustered"/>
+        <c:varyColors val="0"/>
         <c:ser>
           <c:idx val="0"/>
           <c:order val="0"/>
@@ -2217,6 +2465,29 @@
               </c:strCache>
             </c:strRef>
           </c:tx>
+          <c:invertIfNegative val="0"/>
+          <c:dLbls>
+            <c:spPr>
+              <a:noFill/>
+              <a:ln>
+                <a:noFill/>
+              </a:ln>
+              <a:effectLst/>
+            </c:spPr>
+            <c:showLegendKey val="0"/>
+            <c:showVal val="1"/>
+            <c:showCatName val="0"/>
+            <c:showSerName val="0"/>
+            <c:showPercent val="0"/>
+            <c:showBubbleSize val="0"/>
+            <c:showLeaderLines val="0"/>
+            <c:extLst>
+              <c:ext xmlns:c15="http://schemas.microsoft.com/office/drawing/2012/chart" uri="{CE6537A1-D6FC-4f65-9D91-7224C49458BB}">
+                <c15:layout/>
+                <c15:showLeaderLines val="0"/>
+              </c:ext>
+            </c:extLst>
+          </c:dLbls>
           <c:cat>
             <c:strRef>
               <c:f>top_suppliers!$A$2:$A$11</c:f>
@@ -2262,7 +2533,7 @@
                 <c:formatCode>General</c:formatCode>
                 <c:ptCount val="10"/>
                 <c:pt idx="0">
-                  <c:v>153691.27499999999</c:v>
+                  <c:v>153691.275</c:v>
                 </c:pt>
                 <c:pt idx="1">
                   <c:v>145372.3995</c:v>
@@ -2283,7 +2554,7 @@
                   <c:v>50254.61</c:v>
                 </c:pt>
                 <c:pt idx="7">
-                  <c:v>48225.165000000001</c:v>
+                  <c:v>48225.165</c:v>
                 </c:pt>
                 <c:pt idx="8">
                   <c:v>46243.98</c:v>
@@ -2296,49 +2567,75 @@
           </c:val>
         </c:ser>
         <c:dLbls>
+          <c:showLegendKey val="0"/>
           <c:showVal val="1"/>
+          <c:showCatName val="0"/>
+          <c:showSerName val="0"/>
+          <c:showPercent val="0"/>
+          <c:showBubbleSize val="0"/>
         </c:dLbls>
+        <c:gapWidth val="150"/>
         <c:overlap val="-25"/>
-        <c:axId val="72151424"/>
-        <c:axId val="72418816"/>
+        <c:axId val="-925234576"/>
+        <c:axId val="-868470896"/>
       </c:barChart>
       <c:catAx>
-        <c:axId val="72151424"/>
+        <c:axId val="-925234576"/>
         <c:scaling>
           <c:orientation val="minMax"/>
         </c:scaling>
+        <c:delete val="0"/>
         <c:axPos val="b"/>
+        <c:numFmt formatCode="General" sourceLinked="0"/>
         <c:majorTickMark val="none"/>
+        <c:minorTickMark val="none"/>
         <c:tickLblPos val="nextTo"/>
-        <c:crossAx val="72418816"/>
+        <c:crossAx val="-868470896"/>
         <c:crosses val="autoZero"/>
         <c:auto val="1"/>
         <c:lblAlgn val="ctr"/>
         <c:lblOffset val="100"/>
+        <c:noMultiLvlLbl val="0"/>
       </c:catAx>
       <c:valAx>
-        <c:axId val="72418816"/>
+        <c:axId val="-868470896"/>
         <c:scaling>
           <c:orientation val="minMax"/>
         </c:scaling>
         <c:delete val="1"/>
         <c:axPos val="l"/>
         <c:numFmt formatCode="General" sourceLinked="1"/>
+        <c:majorTickMark val="out"/>
+        <c:minorTickMark val="none"/>
         <c:tickLblPos val="none"/>
-        <c:crossAx val="72151424"/>
+        <c:crossAx val="-925234576"/>
         <c:crosses val="autoZero"/>
         <c:crossBetween val="between"/>
       </c:valAx>
     </c:plotArea>
     <c:plotVisOnly val="1"/>
+    <c:dispBlanksAs val="gap"/>
+    <c:showDLblsOverMax val="0"/>
   </c:chart>
-  <c:externalData r:id="rId1"/>
+  <c:externalData r:id="rId1">
+    <c:autoUpdate val="0"/>
+  </c:externalData>
 </c:chartSpace>
 </file>
 
 <file path=ppt/charts/chart7.xml><?xml version="1.0" encoding="utf-8"?>
 <c:chartSpace xmlns:c="http://schemas.openxmlformats.org/drawingml/2006/chart" xmlns:a="http://schemas.openxmlformats.org/drawingml/2006/main" xmlns:r="http://schemas.openxmlformats.org/officeDocument/2006/relationships">
+  <c:date1904 val="0"/>
   <c:lang val="zh-CN"/>
+  <c:roundedCorners val="0"/>
+  <mc:AlternateContent xmlns:mc="http://schemas.openxmlformats.org/markup-compatibility/2006">
+    <mc:Choice xmlns:c14="http://schemas.microsoft.com/office/drawing/2007/8/2/chart" Requires="c14">
+      <c14:style val="102"/>
+    </mc:Choice>
+    <mc:Fallback>
+      <c:style val="2"/>
+    </mc:Fallback>
+  </mc:AlternateContent>
   <c:chart>
     <c:title>
       <c:tx>
@@ -2397,13 +2694,15 @@
           </a:p>
         </c:rich>
       </c:tx>
-      <c:layout/>
+      <c:overlay val="0"/>
     </c:title>
+    <c:autoTitleDeleted val="0"/>
     <c:plotArea>
       <c:layout/>
       <c:barChart>
         <c:barDir val="bar"/>
         <c:grouping val="clustered"/>
+        <c:varyColors val="0"/>
         <c:ser>
           <c:idx val="0"/>
           <c:order val="0"/>
@@ -2418,6 +2717,28 @@
               </c:strCache>
             </c:strRef>
           </c:tx>
+          <c:invertIfNegative val="0"/>
+          <c:dLbls>
+            <c:spPr>
+              <a:noFill/>
+              <a:ln>
+                <a:noFill/>
+              </a:ln>
+              <a:effectLst/>
+            </c:spPr>
+            <c:showLegendKey val="0"/>
+            <c:showVal val="1"/>
+            <c:showCatName val="0"/>
+            <c:showSerName val="0"/>
+            <c:showPercent val="0"/>
+            <c:showBubbleSize val="0"/>
+            <c:showLeaderLines val="0"/>
+            <c:extLst>
+              <c:ext xmlns:c15="http://schemas.microsoft.com/office/drawing/2012/chart" uri="{CE6537A1-D6FC-4f65-9D91-7224C49458BB}">
+                <c15:showLeaderLines val="0"/>
+              </c:ext>
+            </c:extLst>
+          </c:dLbls>
           <c:cat>
             <c:strRef>
               <c:f>top_products!$A$2:$A$11</c:f>
@@ -2463,83 +2784,109 @@
                 <c:formatCode>General</c:formatCode>
                 <c:ptCount val="10"/>
                 <c:pt idx="0">
-                  <c:v>54</c:v>
+                  <c:v>54.0</c:v>
                 </c:pt>
                 <c:pt idx="1">
-                  <c:v>51</c:v>
+                  <c:v>51.0</c:v>
                 </c:pt>
                 <c:pt idx="2">
-                  <c:v>51</c:v>
+                  <c:v>51.0</c:v>
                 </c:pt>
                 <c:pt idx="3">
-                  <c:v>51</c:v>
+                  <c:v>51.0</c:v>
                 </c:pt>
                 <c:pt idx="4">
-                  <c:v>50</c:v>
+                  <c:v>50.0</c:v>
                 </c:pt>
                 <c:pt idx="5">
-                  <c:v>48</c:v>
+                  <c:v>48.0</c:v>
                 </c:pt>
                 <c:pt idx="6">
-                  <c:v>47</c:v>
+                  <c:v>47.0</c:v>
                 </c:pt>
                 <c:pt idx="7">
-                  <c:v>46</c:v>
+                  <c:v>46.0</c:v>
                 </c:pt>
                 <c:pt idx="8">
-                  <c:v>44</c:v>
+                  <c:v>44.0</c:v>
                 </c:pt>
                 <c:pt idx="9">
-                  <c:v>43</c:v>
+                  <c:v>43.0</c:v>
                 </c:pt>
               </c:numCache>
             </c:numRef>
           </c:val>
         </c:ser>
         <c:dLbls>
+          <c:showLegendKey val="0"/>
           <c:showVal val="1"/>
+          <c:showCatName val="0"/>
+          <c:showSerName val="0"/>
+          <c:showPercent val="0"/>
+          <c:showBubbleSize val="0"/>
         </c:dLbls>
+        <c:gapWidth val="150"/>
         <c:overlap val="-25"/>
-        <c:axId val="75895552"/>
-        <c:axId val="75929856"/>
+        <c:axId val="-978819024"/>
+        <c:axId val="-908332112"/>
       </c:barChart>
       <c:catAx>
-        <c:axId val="75895552"/>
+        <c:axId val="-978819024"/>
         <c:scaling>
           <c:orientation val="minMax"/>
         </c:scaling>
+        <c:delete val="0"/>
         <c:axPos val="l"/>
+        <c:numFmt formatCode="General" sourceLinked="0"/>
         <c:majorTickMark val="none"/>
+        <c:minorTickMark val="none"/>
         <c:tickLblPos val="nextTo"/>
-        <c:crossAx val="75929856"/>
+        <c:crossAx val="-908332112"/>
         <c:crosses val="autoZero"/>
         <c:auto val="1"/>
         <c:lblAlgn val="ctr"/>
         <c:lblOffset val="100"/>
+        <c:noMultiLvlLbl val="0"/>
       </c:catAx>
       <c:valAx>
-        <c:axId val="75929856"/>
+        <c:axId val="-908332112"/>
         <c:scaling>
           <c:orientation val="minMax"/>
         </c:scaling>
         <c:delete val="1"/>
         <c:axPos val="b"/>
         <c:numFmt formatCode="General" sourceLinked="1"/>
+        <c:majorTickMark val="out"/>
+        <c:minorTickMark val="none"/>
         <c:tickLblPos val="none"/>
-        <c:crossAx val="75895552"/>
+        <c:crossAx val="-978819024"/>
         <c:crosses val="autoZero"/>
         <c:crossBetween val="between"/>
       </c:valAx>
     </c:plotArea>
     <c:plotVisOnly val="1"/>
+    <c:dispBlanksAs val="gap"/>
+    <c:showDLblsOverMax val="0"/>
   </c:chart>
-  <c:externalData r:id="rId1"/>
+  <c:externalData r:id="rId1">
+    <c:autoUpdate val="0"/>
+  </c:externalData>
 </c:chartSpace>
 </file>
 
 <file path=ppt/charts/chart8.xml><?xml version="1.0" encoding="utf-8"?>
 <c:chartSpace xmlns:c="http://schemas.openxmlformats.org/drawingml/2006/chart" xmlns:a="http://schemas.openxmlformats.org/drawingml/2006/main" xmlns:r="http://schemas.openxmlformats.org/officeDocument/2006/relationships">
+  <c:date1904 val="0"/>
   <c:lang val="zh-CN"/>
+  <c:roundedCorners val="0"/>
+  <mc:AlternateContent xmlns:mc="http://schemas.openxmlformats.org/markup-compatibility/2006">
+    <mc:Choice xmlns:c14="http://schemas.microsoft.com/office/drawing/2007/8/2/chart" Requires="c14">
+      <c14:style val="102"/>
+    </mc:Choice>
+    <mc:Fallback>
+      <c:style val="2"/>
+    </mc:Fallback>
+  </mc:AlternateContent>
   <c:chart>
     <c:title>
       <c:tx>
@@ -2590,13 +2937,15 @@
           </a:p>
         </c:rich>
       </c:tx>
-      <c:layout/>
+      <c:overlay val="0"/>
     </c:title>
+    <c:autoTitleDeleted val="0"/>
     <c:plotArea>
       <c:layout/>
       <c:barChart>
         <c:barDir val="bar"/>
         <c:grouping val="clustered"/>
+        <c:varyColors val="0"/>
         <c:ser>
           <c:idx val="0"/>
           <c:order val="0"/>
@@ -2611,6 +2960,7 @@
               </c:strCache>
             </c:strRef>
           </c:tx>
+          <c:invertIfNegative val="0"/>
           <c:cat>
             <c:strRef>
               <c:f>top_products_supplier!$A$2:$A$11</c:f>
@@ -2656,78 +3006,109 @@
                 <c:formatCode>General</c:formatCode>
                 <c:ptCount val="10"/>
                 <c:pt idx="0">
-                  <c:v>1</c:v>
+                  <c:v>1.0</c:v>
                 </c:pt>
                 <c:pt idx="1">
-                  <c:v>1</c:v>
+                  <c:v>1.0</c:v>
                 </c:pt>
                 <c:pt idx="2">
-                  <c:v>1</c:v>
+                  <c:v>1.0</c:v>
                 </c:pt>
                 <c:pt idx="3">
-                  <c:v>1</c:v>
+                  <c:v>1.0</c:v>
                 </c:pt>
                 <c:pt idx="4">
-                  <c:v>1</c:v>
+                  <c:v>1.0</c:v>
                 </c:pt>
                 <c:pt idx="5">
-                  <c:v>1</c:v>
+                  <c:v>1.0</c:v>
                 </c:pt>
                 <c:pt idx="6">
-                  <c:v>1</c:v>
+                  <c:v>1.0</c:v>
                 </c:pt>
                 <c:pt idx="7">
-                  <c:v>1</c:v>
+                  <c:v>1.0</c:v>
                 </c:pt>
                 <c:pt idx="8">
-                  <c:v>1</c:v>
+                  <c:v>1.0</c:v>
                 </c:pt>
                 <c:pt idx="9">
-                  <c:v>1</c:v>
+                  <c:v>1.0</c:v>
                 </c:pt>
               </c:numCache>
             </c:numRef>
           </c:val>
         </c:ser>
-        <c:axId val="73374336"/>
-        <c:axId val="73379200"/>
+        <c:dLbls>
+          <c:showLegendKey val="0"/>
+          <c:showVal val="0"/>
+          <c:showCatName val="0"/>
+          <c:showSerName val="0"/>
+          <c:showPercent val="0"/>
+          <c:showBubbleSize val="0"/>
+        </c:dLbls>
+        <c:gapWidth val="150"/>
+        <c:axId val="-868264144"/>
+        <c:axId val="-868260544"/>
       </c:barChart>
       <c:catAx>
-        <c:axId val="73374336"/>
+        <c:axId val="-868264144"/>
         <c:scaling>
           <c:orientation val="minMax"/>
         </c:scaling>
+        <c:delete val="0"/>
         <c:axPos val="l"/>
+        <c:numFmt formatCode="General" sourceLinked="0"/>
+        <c:majorTickMark val="out"/>
+        <c:minorTickMark val="none"/>
         <c:tickLblPos val="nextTo"/>
-        <c:crossAx val="73379200"/>
+        <c:crossAx val="-868260544"/>
         <c:crosses val="autoZero"/>
         <c:auto val="1"/>
         <c:lblAlgn val="ctr"/>
         <c:lblOffset val="100"/>
+        <c:noMultiLvlLbl val="0"/>
       </c:catAx>
       <c:valAx>
-        <c:axId val="73379200"/>
+        <c:axId val="-868260544"/>
         <c:scaling>
           <c:orientation val="minMax"/>
         </c:scaling>
+        <c:delete val="0"/>
         <c:axPos val="b"/>
         <c:majorGridlines/>
         <c:numFmt formatCode="General" sourceLinked="1"/>
+        <c:majorTickMark val="out"/>
+        <c:minorTickMark val="none"/>
         <c:tickLblPos val="nextTo"/>
-        <c:crossAx val="73374336"/>
+        <c:crossAx val="-868264144"/>
         <c:crosses val="autoZero"/>
         <c:crossBetween val="between"/>
       </c:valAx>
     </c:plotArea>
     <c:plotVisOnly val="1"/>
+    <c:dispBlanksAs val="gap"/>
+    <c:showDLblsOverMax val="0"/>
   </c:chart>
-  <c:externalData r:id="rId1"/>
+  <c:externalData r:id="rId1">
+    <c:autoUpdate val="0"/>
+  </c:externalData>
 </c:chartSpace>
 </file>
 
 <file path=ppt/charts/chart9.xml><?xml version="1.0" encoding="utf-8"?>
 <c:chartSpace xmlns:c="http://schemas.openxmlformats.org/drawingml/2006/chart" xmlns:a="http://schemas.openxmlformats.org/drawingml/2006/main" xmlns:r="http://schemas.openxmlformats.org/officeDocument/2006/relationships">
+  <c:date1904 val="0"/>
   <c:lang val="zh-CN"/>
+  <c:roundedCorners val="0"/>
+  <mc:AlternateContent xmlns:mc="http://schemas.openxmlformats.org/markup-compatibility/2006">
+    <mc:Choice xmlns:c14="http://schemas.microsoft.com/office/drawing/2007/8/2/chart" Requires="c14">
+      <c14:style val="102"/>
+    </mc:Choice>
+    <mc:Fallback>
+      <c:style val="2"/>
+    </mc:Fallback>
+  </mc:AlternateContent>
   <c:chart>
     <c:title>
       <c:tx>
@@ -2754,13 +3135,15 @@
           </a:p>
         </c:rich>
       </c:tx>
-      <c:layout/>
+      <c:overlay val="0"/>
     </c:title>
+    <c:autoTitleDeleted val="0"/>
     <c:plotArea>
       <c:layout/>
       <c:barChart>
         <c:barDir val="col"/>
         <c:grouping val="clustered"/>
+        <c:varyColors val="0"/>
         <c:ser>
           <c:idx val="0"/>
           <c:order val="0"/>
@@ -2775,6 +3158,7 @@
               </c:strCache>
             </c:strRef>
           </c:tx>
+          <c:invertIfNegative val="0"/>
           <c:cat>
             <c:strRef>
               <c:f>top_employee!$B$1</c:f>
@@ -2793,49 +3177,70 @@
                 <c:formatCode>General</c:formatCode>
                 <c:ptCount val="1"/>
                 <c:pt idx="0">
-                  <c:v>232890.84599999999</c:v>
+                  <c:v>232890.846</c:v>
                 </c:pt>
               </c:numCache>
             </c:numRef>
           </c:val>
         </c:ser>
-        <c:axId val="75194752"/>
-        <c:axId val="75405568"/>
+        <c:dLbls>
+          <c:showLegendKey val="0"/>
+          <c:showVal val="0"/>
+          <c:showCatName val="0"/>
+          <c:showSerName val="0"/>
+          <c:showPercent val="0"/>
+          <c:showBubbleSize val="0"/>
+        </c:dLbls>
+        <c:gapWidth val="150"/>
+        <c:axId val="-925333632"/>
+        <c:axId val="-925330416"/>
       </c:barChart>
       <c:catAx>
-        <c:axId val="75194752"/>
+        <c:axId val="-925333632"/>
         <c:scaling>
           <c:orientation val="minMax"/>
         </c:scaling>
+        <c:delete val="0"/>
         <c:axPos val="b"/>
+        <c:numFmt formatCode="General" sourceLinked="0"/>
+        <c:majorTickMark val="out"/>
+        <c:minorTickMark val="none"/>
         <c:tickLblPos val="nextTo"/>
-        <c:crossAx val="75405568"/>
+        <c:crossAx val="-925330416"/>
         <c:crosses val="autoZero"/>
         <c:auto val="1"/>
         <c:lblAlgn val="ctr"/>
         <c:lblOffset val="100"/>
+        <c:noMultiLvlLbl val="0"/>
       </c:catAx>
       <c:valAx>
-        <c:axId val="75405568"/>
+        <c:axId val="-925330416"/>
         <c:scaling>
           <c:orientation val="minMax"/>
         </c:scaling>
+        <c:delete val="0"/>
         <c:axPos val="l"/>
         <c:majorGridlines/>
         <c:numFmt formatCode="General" sourceLinked="1"/>
+        <c:majorTickMark val="out"/>
+        <c:minorTickMark val="none"/>
         <c:tickLblPos val="nextTo"/>
-        <c:crossAx val="75194752"/>
+        <c:crossAx val="-925333632"/>
         <c:crosses val="autoZero"/>
         <c:crossBetween val="between"/>
       </c:valAx>
     </c:plotArea>
     <c:legend>
       <c:legendPos val="r"/>
-      <c:layout/>
+      <c:overlay val="0"/>
     </c:legend>
     <c:plotVisOnly val="1"/>
+    <c:dispBlanksAs val="gap"/>
+    <c:showDLblsOverMax val="0"/>
   </c:chart>
-  <c:externalData r:id="rId1"/>
+  <c:externalData r:id="rId1">
+    <c:autoUpdate val="0"/>
+  </c:externalData>
 </c:chartSpace>
 </file>
 
@@ -3299,7 +3704,7 @@
     </p:spTree>
     <p:extLst>
       <p:ext uri="{BB962C8B-B14F-4D97-AF65-F5344CB8AC3E}">
-        <p14:creationId xmlns="" xmlns:p14="http://schemas.microsoft.com/office/powerpoint/2010/main" val="1826259304"/>
+        <p14:creationId xmlns:p14="http://schemas.microsoft.com/office/powerpoint/2010/main" val="1826259304"/>
       </p:ext>
     </p:extLst>
   </p:cSld>
@@ -3408,7 +3813,7 @@
     </p:spTree>
     <p:extLst>
       <p:ext uri="{BB962C8B-B14F-4D97-AF65-F5344CB8AC3E}">
-        <p14:creationId xmlns="" xmlns:p14="http://schemas.microsoft.com/office/powerpoint/2010/main" val="4115276723"/>
+        <p14:creationId xmlns:p14="http://schemas.microsoft.com/office/powerpoint/2010/main" val="4115276723"/>
       </p:ext>
     </p:extLst>
   </p:cSld>
@@ -3517,7 +3922,7 @@
     </p:spTree>
     <p:extLst>
       <p:ext uri="{BB962C8B-B14F-4D97-AF65-F5344CB8AC3E}">
-        <p14:creationId xmlns="" xmlns:p14="http://schemas.microsoft.com/office/powerpoint/2010/main" val="3272676116"/>
+        <p14:creationId xmlns:p14="http://schemas.microsoft.com/office/powerpoint/2010/main" val="3272676116"/>
       </p:ext>
     </p:extLst>
   </p:cSld>
@@ -3626,7 +4031,7 @@
     </p:spTree>
     <p:extLst>
       <p:ext uri="{BB962C8B-B14F-4D97-AF65-F5344CB8AC3E}">
-        <p14:creationId xmlns="" xmlns:p14="http://schemas.microsoft.com/office/powerpoint/2010/main" val="1583937697"/>
+        <p14:creationId xmlns:p14="http://schemas.microsoft.com/office/powerpoint/2010/main" val="1583937697"/>
       </p:ext>
     </p:extLst>
   </p:cSld>
@@ -3735,7 +4140,7 @@
     </p:spTree>
     <p:extLst>
       <p:ext uri="{BB962C8B-B14F-4D97-AF65-F5344CB8AC3E}">
-        <p14:creationId xmlns="" xmlns:p14="http://schemas.microsoft.com/office/powerpoint/2010/main" val="3210818610"/>
+        <p14:creationId xmlns:p14="http://schemas.microsoft.com/office/powerpoint/2010/main" val="3210818610"/>
       </p:ext>
     </p:extLst>
   </p:cSld>
@@ -3844,7 +4249,7 @@
     </p:spTree>
     <p:extLst>
       <p:ext uri="{BB962C8B-B14F-4D97-AF65-F5344CB8AC3E}">
-        <p14:creationId xmlns="" xmlns:p14="http://schemas.microsoft.com/office/powerpoint/2010/main" val="201768770"/>
+        <p14:creationId xmlns:p14="http://schemas.microsoft.com/office/powerpoint/2010/main" val="201768770"/>
       </p:ext>
     </p:extLst>
   </p:cSld>
@@ -3953,7 +4358,7 @@
     </p:spTree>
     <p:extLst>
       <p:ext uri="{BB962C8B-B14F-4D97-AF65-F5344CB8AC3E}">
-        <p14:creationId xmlns="" xmlns:p14="http://schemas.microsoft.com/office/powerpoint/2010/main" val="2601641878"/>
+        <p14:creationId xmlns:p14="http://schemas.microsoft.com/office/powerpoint/2010/main" val="2601641878"/>
       </p:ext>
     </p:extLst>
   </p:cSld>
@@ -4374,7 +4779,7 @@
     </p:spTree>
     <p:extLst>
       <p:ext uri="{BB962C8B-B14F-4D97-AF65-F5344CB8AC3E}">
-        <p14:creationId xmlns="" xmlns:p14="http://schemas.microsoft.com/office/powerpoint/2010/main" val="3140290525"/>
+        <p14:creationId xmlns:p14="http://schemas.microsoft.com/office/powerpoint/2010/main" val="3140290525"/>
       </p:ext>
     </p:extLst>
   </p:cSld>
@@ -4483,7 +4888,7 @@
     </p:spTree>
     <p:extLst>
       <p:ext uri="{BB962C8B-B14F-4D97-AF65-F5344CB8AC3E}">
-        <p14:creationId xmlns="" xmlns:p14="http://schemas.microsoft.com/office/powerpoint/2010/main" val="784533323"/>
+        <p14:creationId xmlns:p14="http://schemas.microsoft.com/office/powerpoint/2010/main" val="784533323"/>
       </p:ext>
     </p:extLst>
   </p:cSld>
@@ -4592,7 +4997,7 @@
     </p:spTree>
     <p:extLst>
       <p:ext uri="{BB962C8B-B14F-4D97-AF65-F5344CB8AC3E}">
-        <p14:creationId xmlns="" xmlns:p14="http://schemas.microsoft.com/office/powerpoint/2010/main" val="1898423308"/>
+        <p14:creationId xmlns:p14="http://schemas.microsoft.com/office/powerpoint/2010/main" val="1898423308"/>
       </p:ext>
     </p:extLst>
   </p:cSld>
@@ -4701,7 +5106,7 @@
     </p:spTree>
     <p:extLst>
       <p:ext uri="{BB962C8B-B14F-4D97-AF65-F5344CB8AC3E}">
-        <p14:creationId xmlns="" xmlns:p14="http://schemas.microsoft.com/office/powerpoint/2010/main" val="2598258310"/>
+        <p14:creationId xmlns:p14="http://schemas.microsoft.com/office/powerpoint/2010/main" val="2598258310"/>
       </p:ext>
     </p:extLst>
   </p:cSld>
@@ -4810,7 +5215,7 @@
     </p:spTree>
     <p:extLst>
       <p:ext uri="{BB962C8B-B14F-4D97-AF65-F5344CB8AC3E}">
-        <p14:creationId xmlns="" xmlns:p14="http://schemas.microsoft.com/office/powerpoint/2010/main" val="447378083"/>
+        <p14:creationId xmlns:p14="http://schemas.microsoft.com/office/powerpoint/2010/main" val="447378083"/>
       </p:ext>
     </p:extLst>
   </p:cSld>
@@ -8643,7 +9048,7 @@
     </p:spTree>
     <p:extLst>
       <p:ext uri="{BB962C8B-B14F-4D97-AF65-F5344CB8AC3E}">
-        <p14:creationId xmlns="" xmlns:p14="http://schemas.microsoft.com/office/powerpoint/2010/main" val="1101716891"/>
+        <p14:creationId xmlns:p14="http://schemas.microsoft.com/office/powerpoint/2010/main" val="1101716891"/>
       </p:ext>
     </p:extLst>
   </p:cSld>
@@ -8846,7 +9251,7 @@
     </p:spTree>
     <p:extLst>
       <p:ext uri="{BB962C8B-B14F-4D97-AF65-F5344CB8AC3E}">
-        <p14:creationId xmlns="" xmlns:p14="http://schemas.microsoft.com/office/powerpoint/2010/main" val="2856159636"/>
+        <p14:creationId xmlns:p14="http://schemas.microsoft.com/office/powerpoint/2010/main" val="2856159636"/>
       </p:ext>
     </p:extLst>
   </p:cSld>
@@ -9103,7 +9508,7 @@
     </p:spTree>
     <p:extLst>
       <p:ext uri="{BB962C8B-B14F-4D97-AF65-F5344CB8AC3E}">
-        <p14:creationId xmlns="" xmlns:p14="http://schemas.microsoft.com/office/powerpoint/2010/main" val="3700927216"/>
+        <p14:creationId xmlns:p14="http://schemas.microsoft.com/office/powerpoint/2010/main" val="3700927216"/>
       </p:ext>
     </p:extLst>
   </p:cSld>
@@ -9308,7 +9713,7 @@
     </p:spTree>
     <p:extLst>
       <p:ext uri="{BB962C8B-B14F-4D97-AF65-F5344CB8AC3E}">
-        <p14:creationId xmlns="" xmlns:p14="http://schemas.microsoft.com/office/powerpoint/2010/main" val="2065037496"/>
+        <p14:creationId xmlns:p14="http://schemas.microsoft.com/office/powerpoint/2010/main" val="2065037496"/>
       </p:ext>
     </p:extLst>
   </p:cSld>
@@ -9509,7 +9914,7 @@
           <p:cNvPr id="3" name="表格 2">
             <a:extLst>
               <a:ext uri="{FF2B5EF4-FFF2-40B4-BE49-F238E27FC236}">
-                <a16:creationId xmlns="" xmlns:a16="http://schemas.microsoft.com/office/drawing/2014/main" id="{2D39FB35-8015-4D29-BDC4-CB73B7B175DF}"/>
+                <a16:creationId xmlns:a16="http://schemas.microsoft.com/office/drawing/2014/main" xmlns="" id="{2D39FB35-8015-4D29-BDC4-CB73B7B175DF}"/>
               </a:ext>
             </a:extLst>
           </p:cNvPr>
@@ -9519,7 +9924,7 @@
           <p:nvPr>
             <p:extLst>
               <p:ext uri="{D42A27DB-BD31-4B8C-83A1-F6EECF244321}">
-                <p14:modId xmlns="" xmlns:p14="http://schemas.microsoft.com/office/powerpoint/2010/main" val="217349875"/>
+                <p14:modId xmlns:p14="http://schemas.microsoft.com/office/powerpoint/2010/main" val="217349875"/>
               </p:ext>
             </p:extLst>
           </p:nvPr>
@@ -9538,21 +9943,21 @@
                 <a:gridCol w="1432148">
                   <a:extLst>
                     <a:ext uri="{9D8B030D-6E8A-4147-A177-3AD203B41FA5}">
-                      <a16:colId xmlns="" xmlns:a16="http://schemas.microsoft.com/office/drawing/2014/main" val="1549921318"/>
+                      <a16:colId xmlns:a16="http://schemas.microsoft.com/office/drawing/2014/main" xmlns="" val="1549921318"/>
                     </a:ext>
                   </a:extLst>
                 </a:gridCol>
                 <a:gridCol w="2137842">
                   <a:extLst>
                     <a:ext uri="{9D8B030D-6E8A-4147-A177-3AD203B41FA5}">
-                      <a16:colId xmlns="" xmlns:a16="http://schemas.microsoft.com/office/drawing/2014/main" val="4196427295"/>
+                      <a16:colId xmlns:a16="http://schemas.microsoft.com/office/drawing/2014/main" xmlns="" val="4196427295"/>
                     </a:ext>
                   </a:extLst>
                 </a:gridCol>
                 <a:gridCol w="980710">
                   <a:extLst>
                     <a:ext uri="{9D8B030D-6E8A-4147-A177-3AD203B41FA5}">
-                      <a16:colId xmlns="" xmlns:a16="http://schemas.microsoft.com/office/drawing/2014/main" val="203599089"/>
+                      <a16:colId xmlns:a16="http://schemas.microsoft.com/office/drawing/2014/main" xmlns="" val="203599089"/>
                     </a:ext>
                   </a:extLst>
                 </a:gridCol>
@@ -9632,7 +10037,7 @@
                 </a:tc>
                 <a:extLst>
                   <a:ext uri="{0D108BD9-81ED-4DB2-BD59-A6C34878D82A}">
-                    <a16:rowId xmlns="" xmlns:a16="http://schemas.microsoft.com/office/drawing/2014/main" val="328112543"/>
+                    <a16:rowId xmlns:a16="http://schemas.microsoft.com/office/drawing/2014/main" xmlns="" val="328112543"/>
                   </a:ext>
                 </a:extLst>
               </a:tr>
@@ -9711,7 +10116,7 @@
                 </a:tc>
                 <a:extLst>
                   <a:ext uri="{0D108BD9-81ED-4DB2-BD59-A6C34878D82A}">
-                    <a16:rowId xmlns="" xmlns:a16="http://schemas.microsoft.com/office/drawing/2014/main" val="1489529571"/>
+                    <a16:rowId xmlns:a16="http://schemas.microsoft.com/office/drawing/2014/main" xmlns="" val="1489529571"/>
                   </a:ext>
                 </a:extLst>
               </a:tr>
@@ -9722,7 +10127,7 @@
     </p:spTree>
     <p:extLst>
       <p:ext uri="{BB962C8B-B14F-4D97-AF65-F5344CB8AC3E}">
-        <p14:creationId xmlns="" xmlns:p14="http://schemas.microsoft.com/office/powerpoint/2010/main" val="845620608"/>
+        <p14:creationId xmlns:p14="http://schemas.microsoft.com/office/powerpoint/2010/main" val="845620608"/>
       </p:ext>
     </p:extLst>
   </p:cSld>
@@ -9961,7 +10366,7 @@
     </p:spTree>
     <p:extLst>
       <p:ext uri="{BB962C8B-B14F-4D97-AF65-F5344CB8AC3E}">
-        <p14:creationId xmlns="" xmlns:p14="http://schemas.microsoft.com/office/powerpoint/2010/main" val="2759208397"/>
+        <p14:creationId xmlns:p14="http://schemas.microsoft.com/office/powerpoint/2010/main" val="2759208397"/>
       </p:ext>
     </p:extLst>
   </p:cSld>
@@ -10176,7 +10581,7 @@
           <p:cNvPr id="2" name="表格 1">
             <a:extLst>
               <a:ext uri="{FF2B5EF4-FFF2-40B4-BE49-F238E27FC236}">
-                <a16:creationId xmlns="" xmlns:a16="http://schemas.microsoft.com/office/drawing/2014/main" id="{D28284AC-031D-4B89-9AD7-2DFEFA599CEE}"/>
+                <a16:creationId xmlns:a16="http://schemas.microsoft.com/office/drawing/2014/main" xmlns="" id="{D28284AC-031D-4B89-9AD7-2DFEFA599CEE}"/>
               </a:ext>
             </a:extLst>
           </p:cNvPr>
@@ -10186,7 +10591,7 @@
           <p:nvPr>
             <p:extLst>
               <p:ext uri="{D42A27DB-BD31-4B8C-83A1-F6EECF244321}">
-                <p14:modId xmlns="" xmlns:p14="http://schemas.microsoft.com/office/powerpoint/2010/main" val="1828837529"/>
+                <p14:modId xmlns:p14="http://schemas.microsoft.com/office/powerpoint/2010/main" val="1828837529"/>
               </p:ext>
             </p:extLst>
           </p:nvPr>
@@ -10205,7 +10610,7 @@
                 <a:gridCol w="5011582">
                   <a:extLst>
                     <a:ext uri="{9D8B030D-6E8A-4147-A177-3AD203B41FA5}">
-                      <a16:colId xmlns="" xmlns:a16="http://schemas.microsoft.com/office/drawing/2014/main" val="3463904528"/>
+                      <a16:colId xmlns:a16="http://schemas.microsoft.com/office/drawing/2014/main" xmlns="" val="3463904528"/>
                     </a:ext>
                   </a:extLst>
                 </a:gridCol>
@@ -10237,7 +10642,7 @@
                 </a:tc>
                 <a:extLst>
                   <a:ext uri="{0D108BD9-81ED-4DB2-BD59-A6C34878D82A}">
-                    <a16:rowId xmlns="" xmlns:a16="http://schemas.microsoft.com/office/drawing/2014/main" val="4091948932"/>
+                    <a16:rowId xmlns:a16="http://schemas.microsoft.com/office/drawing/2014/main" xmlns="" val="4091948932"/>
                   </a:ext>
                 </a:extLst>
               </a:tr>
@@ -10268,7 +10673,7 @@
                 </a:tc>
                 <a:extLst>
                   <a:ext uri="{0D108BD9-81ED-4DB2-BD59-A6C34878D82A}">
-                    <a16:rowId xmlns="" xmlns:a16="http://schemas.microsoft.com/office/drawing/2014/main" val="2438696293"/>
+                    <a16:rowId xmlns:a16="http://schemas.microsoft.com/office/drawing/2014/main" xmlns="" val="2438696293"/>
                   </a:ext>
                 </a:extLst>
               </a:tr>
@@ -10299,7 +10704,7 @@
                 </a:tc>
                 <a:extLst>
                   <a:ext uri="{0D108BD9-81ED-4DB2-BD59-A6C34878D82A}">
-                    <a16:rowId xmlns="" xmlns:a16="http://schemas.microsoft.com/office/drawing/2014/main" val="771921306"/>
+                    <a16:rowId xmlns:a16="http://schemas.microsoft.com/office/drawing/2014/main" xmlns="" val="771921306"/>
                   </a:ext>
                 </a:extLst>
               </a:tr>
@@ -10336,7 +10741,7 @@
                 </a:tc>
                 <a:extLst>
                   <a:ext uri="{0D108BD9-81ED-4DB2-BD59-A6C34878D82A}">
-                    <a16:rowId xmlns="" xmlns:a16="http://schemas.microsoft.com/office/drawing/2014/main" val="2093193868"/>
+                    <a16:rowId xmlns:a16="http://schemas.microsoft.com/office/drawing/2014/main" xmlns="" val="2093193868"/>
                   </a:ext>
                 </a:extLst>
               </a:tr>
@@ -10367,7 +10772,7 @@
                 </a:tc>
                 <a:extLst>
                   <a:ext uri="{0D108BD9-81ED-4DB2-BD59-A6C34878D82A}">
-                    <a16:rowId xmlns="" xmlns:a16="http://schemas.microsoft.com/office/drawing/2014/main" val="4111422834"/>
+                    <a16:rowId xmlns:a16="http://schemas.microsoft.com/office/drawing/2014/main" xmlns="" val="4111422834"/>
                   </a:ext>
                 </a:extLst>
               </a:tr>
@@ -10398,7 +10803,7 @@
                 </a:tc>
                 <a:extLst>
                   <a:ext uri="{0D108BD9-81ED-4DB2-BD59-A6C34878D82A}">
-                    <a16:rowId xmlns="" xmlns:a16="http://schemas.microsoft.com/office/drawing/2014/main" val="3339438511"/>
+                    <a16:rowId xmlns:a16="http://schemas.microsoft.com/office/drawing/2014/main" xmlns="" val="3339438511"/>
                   </a:ext>
                 </a:extLst>
               </a:tr>
@@ -10435,7 +10840,7 @@
                 </a:tc>
                 <a:extLst>
                   <a:ext uri="{0D108BD9-81ED-4DB2-BD59-A6C34878D82A}">
-                    <a16:rowId xmlns="" xmlns:a16="http://schemas.microsoft.com/office/drawing/2014/main" val="230388172"/>
+                    <a16:rowId xmlns:a16="http://schemas.microsoft.com/office/drawing/2014/main" xmlns="" val="230388172"/>
                   </a:ext>
                 </a:extLst>
               </a:tr>
@@ -10466,7 +10871,7 @@
                 </a:tc>
                 <a:extLst>
                   <a:ext uri="{0D108BD9-81ED-4DB2-BD59-A6C34878D82A}">
-                    <a16:rowId xmlns="" xmlns:a16="http://schemas.microsoft.com/office/drawing/2014/main" val="3207027375"/>
+                    <a16:rowId xmlns:a16="http://schemas.microsoft.com/office/drawing/2014/main" xmlns="" val="3207027375"/>
                   </a:ext>
                 </a:extLst>
               </a:tr>
@@ -10509,7 +10914,7 @@
                 </a:tc>
                 <a:extLst>
                   <a:ext uri="{0D108BD9-81ED-4DB2-BD59-A6C34878D82A}">
-                    <a16:rowId xmlns="" xmlns:a16="http://schemas.microsoft.com/office/drawing/2014/main" val="612231981"/>
+                    <a16:rowId xmlns:a16="http://schemas.microsoft.com/office/drawing/2014/main" xmlns="" val="612231981"/>
                   </a:ext>
                 </a:extLst>
               </a:tr>
@@ -10540,7 +10945,7 @@
                 </a:tc>
                 <a:extLst>
                   <a:ext uri="{0D108BD9-81ED-4DB2-BD59-A6C34878D82A}">
-                    <a16:rowId xmlns="" xmlns:a16="http://schemas.microsoft.com/office/drawing/2014/main" val="4216389288"/>
+                    <a16:rowId xmlns:a16="http://schemas.microsoft.com/office/drawing/2014/main" xmlns="" val="4216389288"/>
                   </a:ext>
                 </a:extLst>
               </a:tr>
@@ -10571,7 +10976,7 @@
                 </a:tc>
                 <a:extLst>
                   <a:ext uri="{0D108BD9-81ED-4DB2-BD59-A6C34878D82A}">
-                    <a16:rowId xmlns="" xmlns:a16="http://schemas.microsoft.com/office/drawing/2014/main" val="2776213753"/>
+                    <a16:rowId xmlns:a16="http://schemas.microsoft.com/office/drawing/2014/main" xmlns="" val="2776213753"/>
                   </a:ext>
                 </a:extLst>
               </a:tr>
@@ -10614,7 +11019,7 @@
                 </a:tc>
                 <a:extLst>
                   <a:ext uri="{0D108BD9-81ED-4DB2-BD59-A6C34878D82A}">
-                    <a16:rowId xmlns="" xmlns:a16="http://schemas.microsoft.com/office/drawing/2014/main" val="1738463537"/>
+                    <a16:rowId xmlns:a16="http://schemas.microsoft.com/office/drawing/2014/main" xmlns="" val="1738463537"/>
                   </a:ext>
                 </a:extLst>
               </a:tr>
@@ -10645,7 +11050,7 @@
                 </a:tc>
                 <a:extLst>
                   <a:ext uri="{0D108BD9-81ED-4DB2-BD59-A6C34878D82A}">
-                    <a16:rowId xmlns="" xmlns:a16="http://schemas.microsoft.com/office/drawing/2014/main" val="2738121876"/>
+                    <a16:rowId xmlns:a16="http://schemas.microsoft.com/office/drawing/2014/main" xmlns="" val="2738121876"/>
                   </a:ext>
                 </a:extLst>
               </a:tr>
@@ -10676,7 +11081,7 @@
                 </a:tc>
                 <a:extLst>
                   <a:ext uri="{0D108BD9-81ED-4DB2-BD59-A6C34878D82A}">
-                    <a16:rowId xmlns="" xmlns:a16="http://schemas.microsoft.com/office/drawing/2014/main" val="1204649880"/>
+                    <a16:rowId xmlns:a16="http://schemas.microsoft.com/office/drawing/2014/main" xmlns="" val="1204649880"/>
                   </a:ext>
                 </a:extLst>
               </a:tr>
@@ -10707,7 +11112,7 @@
                 </a:tc>
                 <a:extLst>
                   <a:ext uri="{0D108BD9-81ED-4DB2-BD59-A6C34878D82A}">
-                    <a16:rowId xmlns="" xmlns:a16="http://schemas.microsoft.com/office/drawing/2014/main" val="4110251295"/>
+                    <a16:rowId xmlns:a16="http://schemas.microsoft.com/office/drawing/2014/main" xmlns="" val="4110251295"/>
                   </a:ext>
                 </a:extLst>
               </a:tr>
@@ -10750,7 +11155,7 @@
                 </a:tc>
                 <a:extLst>
                   <a:ext uri="{0D108BD9-81ED-4DB2-BD59-A6C34878D82A}">
-                    <a16:rowId xmlns="" xmlns:a16="http://schemas.microsoft.com/office/drawing/2014/main" val="3410028310"/>
+                    <a16:rowId xmlns:a16="http://schemas.microsoft.com/office/drawing/2014/main" xmlns="" val="3410028310"/>
                   </a:ext>
                 </a:extLst>
               </a:tr>
@@ -10781,7 +11186,7 @@
                 </a:tc>
                 <a:extLst>
                   <a:ext uri="{0D108BD9-81ED-4DB2-BD59-A6C34878D82A}">
-                    <a16:rowId xmlns="" xmlns:a16="http://schemas.microsoft.com/office/drawing/2014/main" val="259021414"/>
+                    <a16:rowId xmlns:a16="http://schemas.microsoft.com/office/drawing/2014/main" xmlns="" val="259021414"/>
                   </a:ext>
                 </a:extLst>
               </a:tr>
@@ -10812,7 +11217,7 @@
                 </a:tc>
                 <a:extLst>
                   <a:ext uri="{0D108BD9-81ED-4DB2-BD59-A6C34878D82A}">
-                    <a16:rowId xmlns="" xmlns:a16="http://schemas.microsoft.com/office/drawing/2014/main" val="2665229790"/>
+                    <a16:rowId xmlns:a16="http://schemas.microsoft.com/office/drawing/2014/main" xmlns="" val="2665229790"/>
                   </a:ext>
                 </a:extLst>
               </a:tr>
@@ -10843,7 +11248,7 @@
                 </a:tc>
                 <a:extLst>
                   <a:ext uri="{0D108BD9-81ED-4DB2-BD59-A6C34878D82A}">
-                    <a16:rowId xmlns="" xmlns:a16="http://schemas.microsoft.com/office/drawing/2014/main" val="3240751692"/>
+                    <a16:rowId xmlns:a16="http://schemas.microsoft.com/office/drawing/2014/main" xmlns="" val="3240751692"/>
                   </a:ext>
                 </a:extLst>
               </a:tr>
@@ -10874,7 +11279,7 @@
                 </a:tc>
                 <a:extLst>
                   <a:ext uri="{0D108BD9-81ED-4DB2-BD59-A6C34878D82A}">
-                    <a16:rowId xmlns="" xmlns:a16="http://schemas.microsoft.com/office/drawing/2014/main" val="31033076"/>
+                    <a16:rowId xmlns:a16="http://schemas.microsoft.com/office/drawing/2014/main" xmlns="" val="31033076"/>
                   </a:ext>
                 </a:extLst>
               </a:tr>
@@ -10905,7 +11310,7 @@
                 </a:tc>
                 <a:extLst>
                   <a:ext uri="{0D108BD9-81ED-4DB2-BD59-A6C34878D82A}">
-                    <a16:rowId xmlns="" xmlns:a16="http://schemas.microsoft.com/office/drawing/2014/main" val="3708396627"/>
+                    <a16:rowId xmlns:a16="http://schemas.microsoft.com/office/drawing/2014/main" xmlns="" val="3708396627"/>
                   </a:ext>
                 </a:extLst>
               </a:tr>
@@ -10936,7 +11341,7 @@
                 </a:tc>
                 <a:extLst>
                   <a:ext uri="{0D108BD9-81ED-4DB2-BD59-A6C34878D82A}">
-                    <a16:rowId xmlns="" xmlns:a16="http://schemas.microsoft.com/office/drawing/2014/main" val="1303695582"/>
+                    <a16:rowId xmlns:a16="http://schemas.microsoft.com/office/drawing/2014/main" xmlns="" val="1303695582"/>
                   </a:ext>
                 </a:extLst>
               </a:tr>
@@ -10985,7 +11390,7 @@
                 </a:tc>
                 <a:extLst>
                   <a:ext uri="{0D108BD9-81ED-4DB2-BD59-A6C34878D82A}">
-                    <a16:rowId xmlns="" xmlns:a16="http://schemas.microsoft.com/office/drawing/2014/main" val="3806625861"/>
+                    <a16:rowId xmlns:a16="http://schemas.microsoft.com/office/drawing/2014/main" xmlns="" val="3806625861"/>
                   </a:ext>
                 </a:extLst>
               </a:tr>
@@ -11016,7 +11421,7 @@
                 </a:tc>
                 <a:extLst>
                   <a:ext uri="{0D108BD9-81ED-4DB2-BD59-A6C34878D82A}">
-                    <a16:rowId xmlns="" xmlns:a16="http://schemas.microsoft.com/office/drawing/2014/main" val="4212537299"/>
+                    <a16:rowId xmlns:a16="http://schemas.microsoft.com/office/drawing/2014/main" xmlns="" val="4212537299"/>
                   </a:ext>
                 </a:extLst>
               </a:tr>
@@ -11047,7 +11452,7 @@
                 </a:tc>
                 <a:extLst>
                   <a:ext uri="{0D108BD9-81ED-4DB2-BD59-A6C34878D82A}">
-                    <a16:rowId xmlns="" xmlns:a16="http://schemas.microsoft.com/office/drawing/2014/main" val="2625674316"/>
+                    <a16:rowId xmlns:a16="http://schemas.microsoft.com/office/drawing/2014/main" xmlns="" val="2625674316"/>
                   </a:ext>
                 </a:extLst>
               </a:tr>
@@ -11078,7 +11483,7 @@
                 </a:tc>
                 <a:extLst>
                   <a:ext uri="{0D108BD9-81ED-4DB2-BD59-A6C34878D82A}">
-                    <a16:rowId xmlns="" xmlns:a16="http://schemas.microsoft.com/office/drawing/2014/main" val="4112695082"/>
+                    <a16:rowId xmlns:a16="http://schemas.microsoft.com/office/drawing/2014/main" xmlns="" val="4112695082"/>
                   </a:ext>
                 </a:extLst>
               </a:tr>
@@ -11133,7 +11538,7 @@
                 </a:tc>
                 <a:extLst>
                   <a:ext uri="{0D108BD9-81ED-4DB2-BD59-A6C34878D82A}">
-                    <a16:rowId xmlns="" xmlns:a16="http://schemas.microsoft.com/office/drawing/2014/main" val="749592438"/>
+                    <a16:rowId xmlns:a16="http://schemas.microsoft.com/office/drawing/2014/main" xmlns="" val="749592438"/>
                   </a:ext>
                 </a:extLst>
               </a:tr>
@@ -11176,7 +11581,7 @@
                 </a:tc>
                 <a:extLst>
                   <a:ext uri="{0D108BD9-81ED-4DB2-BD59-A6C34878D82A}">
-                    <a16:rowId xmlns="" xmlns:a16="http://schemas.microsoft.com/office/drawing/2014/main" val="973446347"/>
+                    <a16:rowId xmlns:a16="http://schemas.microsoft.com/office/drawing/2014/main" xmlns="" val="973446347"/>
                   </a:ext>
                 </a:extLst>
               </a:tr>
@@ -11207,7 +11612,7 @@
                 </a:tc>
                 <a:extLst>
                   <a:ext uri="{0D108BD9-81ED-4DB2-BD59-A6C34878D82A}">
-                    <a16:rowId xmlns="" xmlns:a16="http://schemas.microsoft.com/office/drawing/2014/main" val="4265856994"/>
+                    <a16:rowId xmlns:a16="http://schemas.microsoft.com/office/drawing/2014/main" xmlns="" val="4265856994"/>
                   </a:ext>
                 </a:extLst>
               </a:tr>
@@ -11238,7 +11643,7 @@
                 </a:tc>
                 <a:extLst>
                   <a:ext uri="{0D108BD9-81ED-4DB2-BD59-A6C34878D82A}">
-                    <a16:rowId xmlns="" xmlns:a16="http://schemas.microsoft.com/office/drawing/2014/main" val="1995163143"/>
+                    <a16:rowId xmlns:a16="http://schemas.microsoft.com/office/drawing/2014/main" xmlns="" val="1995163143"/>
                   </a:ext>
                 </a:extLst>
               </a:tr>
@@ -11269,7 +11674,7 @@
                 </a:tc>
                 <a:extLst>
                   <a:ext uri="{0D108BD9-81ED-4DB2-BD59-A6C34878D82A}">
-                    <a16:rowId xmlns="" xmlns:a16="http://schemas.microsoft.com/office/drawing/2014/main" val="3544728545"/>
+                    <a16:rowId xmlns:a16="http://schemas.microsoft.com/office/drawing/2014/main" xmlns="" val="3544728545"/>
                   </a:ext>
                 </a:extLst>
               </a:tr>
@@ -11300,7 +11705,7 @@
                 </a:tc>
                 <a:extLst>
                   <a:ext uri="{0D108BD9-81ED-4DB2-BD59-A6C34878D82A}">
-                    <a16:rowId xmlns="" xmlns:a16="http://schemas.microsoft.com/office/drawing/2014/main" val="2582452092"/>
+                    <a16:rowId xmlns:a16="http://schemas.microsoft.com/office/drawing/2014/main" xmlns="" val="2582452092"/>
                   </a:ext>
                 </a:extLst>
               </a:tr>
@@ -11331,7 +11736,7 @@
                 </a:tc>
                 <a:extLst>
                   <a:ext uri="{0D108BD9-81ED-4DB2-BD59-A6C34878D82A}">
-                    <a16:rowId xmlns="" xmlns:a16="http://schemas.microsoft.com/office/drawing/2014/main" val="1461982673"/>
+                    <a16:rowId xmlns:a16="http://schemas.microsoft.com/office/drawing/2014/main" xmlns="" val="1461982673"/>
                   </a:ext>
                 </a:extLst>
               </a:tr>
@@ -11362,7 +11767,7 @@
                 </a:tc>
                 <a:extLst>
                   <a:ext uri="{0D108BD9-81ED-4DB2-BD59-A6C34878D82A}">
-                    <a16:rowId xmlns="" xmlns:a16="http://schemas.microsoft.com/office/drawing/2014/main" val="3191619606"/>
+                    <a16:rowId xmlns:a16="http://schemas.microsoft.com/office/drawing/2014/main" xmlns="" val="3191619606"/>
                   </a:ext>
                 </a:extLst>
               </a:tr>
@@ -11393,7 +11798,7 @@
                 </a:tc>
                 <a:extLst>
                   <a:ext uri="{0D108BD9-81ED-4DB2-BD59-A6C34878D82A}">
-                    <a16:rowId xmlns="" xmlns:a16="http://schemas.microsoft.com/office/drawing/2014/main" val="2902466869"/>
+                    <a16:rowId xmlns:a16="http://schemas.microsoft.com/office/drawing/2014/main" xmlns="" val="2902466869"/>
                   </a:ext>
                 </a:extLst>
               </a:tr>
@@ -11436,7 +11841,7 @@
                 </a:tc>
                 <a:extLst>
                   <a:ext uri="{0D108BD9-81ED-4DB2-BD59-A6C34878D82A}">
-                    <a16:rowId xmlns="" xmlns:a16="http://schemas.microsoft.com/office/drawing/2014/main" val="2752488636"/>
+                    <a16:rowId xmlns:a16="http://schemas.microsoft.com/office/drawing/2014/main" xmlns="" val="2752488636"/>
                   </a:ext>
                 </a:extLst>
               </a:tr>
@@ -11467,7 +11872,7 @@
                 </a:tc>
                 <a:extLst>
                   <a:ext uri="{0D108BD9-81ED-4DB2-BD59-A6C34878D82A}">
-                    <a16:rowId xmlns="" xmlns:a16="http://schemas.microsoft.com/office/drawing/2014/main" val="3696462965"/>
+                    <a16:rowId xmlns:a16="http://schemas.microsoft.com/office/drawing/2014/main" xmlns="" val="3696462965"/>
                   </a:ext>
                 </a:extLst>
               </a:tr>
@@ -11498,7 +11903,7 @@
                 </a:tc>
                 <a:extLst>
                   <a:ext uri="{0D108BD9-81ED-4DB2-BD59-A6C34878D82A}">
-                    <a16:rowId xmlns="" xmlns:a16="http://schemas.microsoft.com/office/drawing/2014/main" val="3953048771"/>
+                    <a16:rowId xmlns:a16="http://schemas.microsoft.com/office/drawing/2014/main" xmlns="" val="3953048771"/>
                   </a:ext>
                 </a:extLst>
               </a:tr>
@@ -11529,7 +11934,7 @@
                 </a:tc>
                 <a:extLst>
                   <a:ext uri="{0D108BD9-81ED-4DB2-BD59-A6C34878D82A}">
-                    <a16:rowId xmlns="" xmlns:a16="http://schemas.microsoft.com/office/drawing/2014/main" val="357671711"/>
+                    <a16:rowId xmlns:a16="http://schemas.microsoft.com/office/drawing/2014/main" xmlns="" val="357671711"/>
                   </a:ext>
                 </a:extLst>
               </a:tr>
@@ -11560,7 +11965,7 @@
                 </a:tc>
                 <a:extLst>
                   <a:ext uri="{0D108BD9-81ED-4DB2-BD59-A6C34878D82A}">
-                    <a16:rowId xmlns="" xmlns:a16="http://schemas.microsoft.com/office/drawing/2014/main" val="993109970"/>
+                    <a16:rowId xmlns:a16="http://schemas.microsoft.com/office/drawing/2014/main" xmlns="" val="993109970"/>
                   </a:ext>
                 </a:extLst>
               </a:tr>
@@ -11591,7 +11996,7 @@
                 </a:tc>
                 <a:extLst>
                   <a:ext uri="{0D108BD9-81ED-4DB2-BD59-A6C34878D82A}">
-                    <a16:rowId xmlns="" xmlns:a16="http://schemas.microsoft.com/office/drawing/2014/main" val="596643128"/>
+                    <a16:rowId xmlns:a16="http://schemas.microsoft.com/office/drawing/2014/main" xmlns="" val="596643128"/>
                   </a:ext>
                 </a:extLst>
               </a:tr>
@@ -11622,7 +12027,7 @@
                 </a:tc>
                 <a:extLst>
                   <a:ext uri="{0D108BD9-81ED-4DB2-BD59-A6C34878D82A}">
-                    <a16:rowId xmlns="" xmlns:a16="http://schemas.microsoft.com/office/drawing/2014/main" val="1772225895"/>
+                    <a16:rowId xmlns:a16="http://schemas.microsoft.com/office/drawing/2014/main" xmlns="" val="1772225895"/>
                   </a:ext>
                 </a:extLst>
               </a:tr>
@@ -11653,7 +12058,7 @@
                 </a:tc>
                 <a:extLst>
                   <a:ext uri="{0D108BD9-81ED-4DB2-BD59-A6C34878D82A}">
-                    <a16:rowId xmlns="" xmlns:a16="http://schemas.microsoft.com/office/drawing/2014/main" val="3988894987"/>
+                    <a16:rowId xmlns:a16="http://schemas.microsoft.com/office/drawing/2014/main" xmlns="" val="3988894987"/>
                   </a:ext>
                 </a:extLst>
               </a:tr>
@@ -11684,7 +12089,7 @@
                 </a:tc>
                 <a:extLst>
                   <a:ext uri="{0D108BD9-81ED-4DB2-BD59-A6C34878D82A}">
-                    <a16:rowId xmlns="" xmlns:a16="http://schemas.microsoft.com/office/drawing/2014/main" val="3976101928"/>
+                    <a16:rowId xmlns:a16="http://schemas.microsoft.com/office/drawing/2014/main" xmlns="" val="3976101928"/>
                   </a:ext>
                 </a:extLst>
               </a:tr>
@@ -11715,7 +12120,7 @@
                 </a:tc>
                 <a:extLst>
                   <a:ext uri="{0D108BD9-81ED-4DB2-BD59-A6C34878D82A}">
-                    <a16:rowId xmlns="" xmlns:a16="http://schemas.microsoft.com/office/drawing/2014/main" val="2730293553"/>
+                    <a16:rowId xmlns:a16="http://schemas.microsoft.com/office/drawing/2014/main" xmlns="" val="2730293553"/>
                   </a:ext>
                 </a:extLst>
               </a:tr>
@@ -11746,7 +12151,7 @@
                 </a:tc>
                 <a:extLst>
                   <a:ext uri="{0D108BD9-81ED-4DB2-BD59-A6C34878D82A}">
-                    <a16:rowId xmlns="" xmlns:a16="http://schemas.microsoft.com/office/drawing/2014/main" val="2293493827"/>
+                    <a16:rowId xmlns:a16="http://schemas.microsoft.com/office/drawing/2014/main" xmlns="" val="2293493827"/>
                   </a:ext>
                 </a:extLst>
               </a:tr>
@@ -11789,7 +12194,7 @@
                 </a:tc>
                 <a:extLst>
                   <a:ext uri="{0D108BD9-81ED-4DB2-BD59-A6C34878D82A}">
-                    <a16:rowId xmlns="" xmlns:a16="http://schemas.microsoft.com/office/drawing/2014/main" val="1159400711"/>
+                    <a16:rowId xmlns:a16="http://schemas.microsoft.com/office/drawing/2014/main" xmlns="" val="1159400711"/>
                   </a:ext>
                 </a:extLst>
               </a:tr>
@@ -11844,7 +12249,7 @@
                 </a:tc>
                 <a:extLst>
                   <a:ext uri="{0D108BD9-81ED-4DB2-BD59-A6C34878D82A}">
-                    <a16:rowId xmlns="" xmlns:a16="http://schemas.microsoft.com/office/drawing/2014/main" val="1331264224"/>
+                    <a16:rowId xmlns:a16="http://schemas.microsoft.com/office/drawing/2014/main" xmlns="" val="1331264224"/>
                   </a:ext>
                 </a:extLst>
               </a:tr>
@@ -11875,7 +12280,7 @@
                 </a:tc>
                 <a:extLst>
                   <a:ext uri="{0D108BD9-81ED-4DB2-BD59-A6C34878D82A}">
-                    <a16:rowId xmlns="" xmlns:a16="http://schemas.microsoft.com/office/drawing/2014/main" val="2051836190"/>
+                    <a16:rowId xmlns:a16="http://schemas.microsoft.com/office/drawing/2014/main" xmlns="" val="2051836190"/>
                   </a:ext>
                 </a:extLst>
               </a:tr>
@@ -11918,7 +12323,7 @@
                 </a:tc>
                 <a:extLst>
                   <a:ext uri="{0D108BD9-81ED-4DB2-BD59-A6C34878D82A}">
-                    <a16:rowId xmlns="" xmlns:a16="http://schemas.microsoft.com/office/drawing/2014/main" val="515805966"/>
+                    <a16:rowId xmlns:a16="http://schemas.microsoft.com/office/drawing/2014/main" xmlns="" val="515805966"/>
                   </a:ext>
                 </a:extLst>
               </a:tr>
@@ -11949,7 +12354,7 @@
                 </a:tc>
                 <a:extLst>
                   <a:ext uri="{0D108BD9-81ED-4DB2-BD59-A6C34878D82A}">
-                    <a16:rowId xmlns="" xmlns:a16="http://schemas.microsoft.com/office/drawing/2014/main" val="4154653161"/>
+                    <a16:rowId xmlns:a16="http://schemas.microsoft.com/office/drawing/2014/main" xmlns="" val="4154653161"/>
                   </a:ext>
                 </a:extLst>
               </a:tr>
@@ -11980,7 +12385,7 @@
                 </a:tc>
                 <a:extLst>
                   <a:ext uri="{0D108BD9-81ED-4DB2-BD59-A6C34878D82A}">
-                    <a16:rowId xmlns="" xmlns:a16="http://schemas.microsoft.com/office/drawing/2014/main" val="1055785984"/>
+                    <a16:rowId xmlns:a16="http://schemas.microsoft.com/office/drawing/2014/main" xmlns="" val="1055785984"/>
                   </a:ext>
                 </a:extLst>
               </a:tr>
@@ -12023,7 +12428,7 @@
                 </a:tc>
                 <a:extLst>
                   <a:ext uri="{0D108BD9-81ED-4DB2-BD59-A6C34878D82A}">
-                    <a16:rowId xmlns="" xmlns:a16="http://schemas.microsoft.com/office/drawing/2014/main" val="2248866576"/>
+                    <a16:rowId xmlns:a16="http://schemas.microsoft.com/office/drawing/2014/main" xmlns="" val="2248866576"/>
                   </a:ext>
                 </a:extLst>
               </a:tr>
@@ -12054,7 +12459,7 @@
                 </a:tc>
                 <a:extLst>
                   <a:ext uri="{0D108BD9-81ED-4DB2-BD59-A6C34878D82A}">
-                    <a16:rowId xmlns="" xmlns:a16="http://schemas.microsoft.com/office/drawing/2014/main" val="1775905330"/>
+                    <a16:rowId xmlns:a16="http://schemas.microsoft.com/office/drawing/2014/main" xmlns="" val="1775905330"/>
                   </a:ext>
                 </a:extLst>
               </a:tr>
@@ -12085,7 +12490,7 @@
                 </a:tc>
                 <a:extLst>
                   <a:ext uri="{0D108BD9-81ED-4DB2-BD59-A6C34878D82A}">
-                    <a16:rowId xmlns="" xmlns:a16="http://schemas.microsoft.com/office/drawing/2014/main" val="821273348"/>
+                    <a16:rowId xmlns:a16="http://schemas.microsoft.com/office/drawing/2014/main" xmlns="" val="821273348"/>
                   </a:ext>
                 </a:extLst>
               </a:tr>
@@ -12116,7 +12521,7 @@
                 </a:tc>
                 <a:extLst>
                   <a:ext uri="{0D108BD9-81ED-4DB2-BD59-A6C34878D82A}">
-                    <a16:rowId xmlns="" xmlns:a16="http://schemas.microsoft.com/office/drawing/2014/main" val="1779776765"/>
+                    <a16:rowId xmlns:a16="http://schemas.microsoft.com/office/drawing/2014/main" xmlns="" val="1779776765"/>
                   </a:ext>
                 </a:extLst>
               </a:tr>
@@ -12147,7 +12552,7 @@
                 </a:tc>
                 <a:extLst>
                   <a:ext uri="{0D108BD9-81ED-4DB2-BD59-A6C34878D82A}">
-                    <a16:rowId xmlns="" xmlns:a16="http://schemas.microsoft.com/office/drawing/2014/main" val="1496126187"/>
+                    <a16:rowId xmlns:a16="http://schemas.microsoft.com/office/drawing/2014/main" xmlns="" val="1496126187"/>
                   </a:ext>
                 </a:extLst>
               </a:tr>
@@ -12178,7 +12583,7 @@
                 </a:tc>
                 <a:extLst>
                   <a:ext uri="{0D108BD9-81ED-4DB2-BD59-A6C34878D82A}">
-                    <a16:rowId xmlns="" xmlns:a16="http://schemas.microsoft.com/office/drawing/2014/main" val="2714271431"/>
+                    <a16:rowId xmlns:a16="http://schemas.microsoft.com/office/drawing/2014/main" xmlns="" val="2714271431"/>
                   </a:ext>
                 </a:extLst>
               </a:tr>
@@ -12209,7 +12614,7 @@
                 </a:tc>
                 <a:extLst>
                   <a:ext uri="{0D108BD9-81ED-4DB2-BD59-A6C34878D82A}">
-                    <a16:rowId xmlns="" xmlns:a16="http://schemas.microsoft.com/office/drawing/2014/main" val="637736928"/>
+                    <a16:rowId xmlns:a16="http://schemas.microsoft.com/office/drawing/2014/main" xmlns="" val="637736928"/>
                   </a:ext>
                 </a:extLst>
               </a:tr>
@@ -12240,7 +12645,7 @@
                 </a:tc>
                 <a:extLst>
                   <a:ext uri="{0D108BD9-81ED-4DB2-BD59-A6C34878D82A}">
-                    <a16:rowId xmlns="" xmlns:a16="http://schemas.microsoft.com/office/drawing/2014/main" val="1020468247"/>
+                    <a16:rowId xmlns:a16="http://schemas.microsoft.com/office/drawing/2014/main" xmlns="" val="1020468247"/>
                   </a:ext>
                 </a:extLst>
               </a:tr>
@@ -12271,7 +12676,7 @@
                 </a:tc>
                 <a:extLst>
                   <a:ext uri="{0D108BD9-81ED-4DB2-BD59-A6C34878D82A}">
-                    <a16:rowId xmlns="" xmlns:a16="http://schemas.microsoft.com/office/drawing/2014/main" val="3330933353"/>
+                    <a16:rowId xmlns:a16="http://schemas.microsoft.com/office/drawing/2014/main" xmlns="" val="3330933353"/>
                   </a:ext>
                 </a:extLst>
               </a:tr>
@@ -12302,7 +12707,7 @@
                 </a:tc>
                 <a:extLst>
                   <a:ext uri="{0D108BD9-81ED-4DB2-BD59-A6C34878D82A}">
-                    <a16:rowId xmlns="" xmlns:a16="http://schemas.microsoft.com/office/drawing/2014/main" val="3833136805"/>
+                    <a16:rowId xmlns:a16="http://schemas.microsoft.com/office/drawing/2014/main" xmlns="" val="3833136805"/>
                   </a:ext>
                 </a:extLst>
               </a:tr>
@@ -12333,7 +12738,7 @@
                 </a:tc>
                 <a:extLst>
                   <a:ext uri="{0D108BD9-81ED-4DB2-BD59-A6C34878D82A}">
-                    <a16:rowId xmlns="" xmlns:a16="http://schemas.microsoft.com/office/drawing/2014/main" val="21259246"/>
+                    <a16:rowId xmlns:a16="http://schemas.microsoft.com/office/drawing/2014/main" xmlns="" val="21259246"/>
                   </a:ext>
                 </a:extLst>
               </a:tr>
@@ -12388,7 +12793,7 @@
                 </a:tc>
                 <a:extLst>
                   <a:ext uri="{0D108BD9-81ED-4DB2-BD59-A6C34878D82A}">
-                    <a16:rowId xmlns="" xmlns:a16="http://schemas.microsoft.com/office/drawing/2014/main" val="3407144342"/>
+                    <a16:rowId xmlns:a16="http://schemas.microsoft.com/office/drawing/2014/main" xmlns="" val="3407144342"/>
                   </a:ext>
                 </a:extLst>
               </a:tr>
@@ -12419,7 +12824,7 @@
                 </a:tc>
                 <a:extLst>
                   <a:ext uri="{0D108BD9-81ED-4DB2-BD59-A6C34878D82A}">
-                    <a16:rowId xmlns="" xmlns:a16="http://schemas.microsoft.com/office/drawing/2014/main" val="2680945847"/>
+                    <a16:rowId xmlns:a16="http://schemas.microsoft.com/office/drawing/2014/main" xmlns="" val="2680945847"/>
                   </a:ext>
                 </a:extLst>
               </a:tr>
@@ -12462,7 +12867,7 @@
                 </a:tc>
                 <a:extLst>
                   <a:ext uri="{0D108BD9-81ED-4DB2-BD59-A6C34878D82A}">
-                    <a16:rowId xmlns="" xmlns:a16="http://schemas.microsoft.com/office/drawing/2014/main" val="1113120304"/>
+                    <a16:rowId xmlns:a16="http://schemas.microsoft.com/office/drawing/2014/main" xmlns="" val="1113120304"/>
                   </a:ext>
                 </a:extLst>
               </a:tr>
@@ -12493,7 +12898,7 @@
                 </a:tc>
                 <a:extLst>
                   <a:ext uri="{0D108BD9-81ED-4DB2-BD59-A6C34878D82A}">
-                    <a16:rowId xmlns="" xmlns:a16="http://schemas.microsoft.com/office/drawing/2014/main" val="3004706882"/>
+                    <a16:rowId xmlns:a16="http://schemas.microsoft.com/office/drawing/2014/main" xmlns="" val="3004706882"/>
                   </a:ext>
                 </a:extLst>
               </a:tr>
@@ -12536,7 +12941,7 @@
                 </a:tc>
                 <a:extLst>
                   <a:ext uri="{0D108BD9-81ED-4DB2-BD59-A6C34878D82A}">
-                    <a16:rowId xmlns="" xmlns:a16="http://schemas.microsoft.com/office/drawing/2014/main" val="2418333455"/>
+                    <a16:rowId xmlns:a16="http://schemas.microsoft.com/office/drawing/2014/main" xmlns="" val="2418333455"/>
                   </a:ext>
                 </a:extLst>
               </a:tr>
@@ -12567,7 +12972,7 @@
                 </a:tc>
                 <a:extLst>
                   <a:ext uri="{0D108BD9-81ED-4DB2-BD59-A6C34878D82A}">
-                    <a16:rowId xmlns="" xmlns:a16="http://schemas.microsoft.com/office/drawing/2014/main" val="122528630"/>
+                    <a16:rowId xmlns:a16="http://schemas.microsoft.com/office/drawing/2014/main" xmlns="" val="122528630"/>
                   </a:ext>
                 </a:extLst>
               </a:tr>
@@ -12598,7 +13003,7 @@
                 </a:tc>
                 <a:extLst>
                   <a:ext uri="{0D108BD9-81ED-4DB2-BD59-A6C34878D82A}">
-                    <a16:rowId xmlns="" xmlns:a16="http://schemas.microsoft.com/office/drawing/2014/main" val="1500657746"/>
+                    <a16:rowId xmlns:a16="http://schemas.microsoft.com/office/drawing/2014/main" xmlns="" val="1500657746"/>
                   </a:ext>
                 </a:extLst>
               </a:tr>
@@ -12629,7 +13034,7 @@
                 </a:tc>
                 <a:extLst>
                   <a:ext uri="{0D108BD9-81ED-4DB2-BD59-A6C34878D82A}">
-                    <a16:rowId xmlns="" xmlns:a16="http://schemas.microsoft.com/office/drawing/2014/main" val="3419398636"/>
+                    <a16:rowId xmlns:a16="http://schemas.microsoft.com/office/drawing/2014/main" xmlns="" val="3419398636"/>
                   </a:ext>
                 </a:extLst>
               </a:tr>
@@ -12660,7 +13065,7 @@
                 </a:tc>
                 <a:extLst>
                   <a:ext uri="{0D108BD9-81ED-4DB2-BD59-A6C34878D82A}">
-                    <a16:rowId xmlns="" xmlns:a16="http://schemas.microsoft.com/office/drawing/2014/main" val="2490630339"/>
+                    <a16:rowId xmlns:a16="http://schemas.microsoft.com/office/drawing/2014/main" xmlns="" val="2490630339"/>
                   </a:ext>
                 </a:extLst>
               </a:tr>
@@ -12691,7 +13096,7 @@
                 </a:tc>
                 <a:extLst>
                   <a:ext uri="{0D108BD9-81ED-4DB2-BD59-A6C34878D82A}">
-                    <a16:rowId xmlns="" xmlns:a16="http://schemas.microsoft.com/office/drawing/2014/main" val="2337872214"/>
+                    <a16:rowId xmlns:a16="http://schemas.microsoft.com/office/drawing/2014/main" xmlns="" val="2337872214"/>
                   </a:ext>
                 </a:extLst>
               </a:tr>
@@ -12722,7 +13127,7 @@
                 </a:tc>
                 <a:extLst>
                   <a:ext uri="{0D108BD9-81ED-4DB2-BD59-A6C34878D82A}">
-                    <a16:rowId xmlns="" xmlns:a16="http://schemas.microsoft.com/office/drawing/2014/main" val="460925434"/>
+                    <a16:rowId xmlns:a16="http://schemas.microsoft.com/office/drawing/2014/main" xmlns="" val="460925434"/>
                   </a:ext>
                 </a:extLst>
               </a:tr>
@@ -12753,7 +13158,7 @@
                 </a:tc>
                 <a:extLst>
                   <a:ext uri="{0D108BD9-81ED-4DB2-BD59-A6C34878D82A}">
-                    <a16:rowId xmlns="" xmlns:a16="http://schemas.microsoft.com/office/drawing/2014/main" val="2822141245"/>
+                    <a16:rowId xmlns:a16="http://schemas.microsoft.com/office/drawing/2014/main" xmlns="" val="2822141245"/>
                   </a:ext>
                 </a:extLst>
               </a:tr>
@@ -12790,7 +13195,7 @@
                 </a:tc>
                 <a:extLst>
                   <a:ext uri="{0D108BD9-81ED-4DB2-BD59-A6C34878D82A}">
-                    <a16:rowId xmlns="" xmlns:a16="http://schemas.microsoft.com/office/drawing/2014/main" val="1098887757"/>
+                    <a16:rowId xmlns:a16="http://schemas.microsoft.com/office/drawing/2014/main" xmlns="" val="1098887757"/>
                   </a:ext>
                 </a:extLst>
               </a:tr>
@@ -12801,7 +13206,7 @@
     </p:spTree>
     <p:extLst>
       <p:ext uri="{BB962C8B-B14F-4D97-AF65-F5344CB8AC3E}">
-        <p14:creationId xmlns="" xmlns:p14="http://schemas.microsoft.com/office/powerpoint/2010/main" val="3999067714"/>
+        <p14:creationId xmlns:p14="http://schemas.microsoft.com/office/powerpoint/2010/main" val="3999067714"/>
       </p:ext>
     </p:extLst>
   </p:cSld>
@@ -13798,7 +14203,7 @@
     </p:spTree>
     <p:extLst>
       <p:ext uri="{BB962C8B-B14F-4D97-AF65-F5344CB8AC3E}">
-        <p14:creationId xmlns="" xmlns:p14="http://schemas.microsoft.com/office/powerpoint/2010/main" val="3688676492"/>
+        <p14:creationId xmlns:p14="http://schemas.microsoft.com/office/powerpoint/2010/main" val="3688676492"/>
       </p:ext>
     </p:extLst>
   </p:cSld>
@@ -13837,7 +14242,7 @@
         </p:nvSpPr>
         <p:spPr>
           <a:xfrm>
-            <a:off x="7167728" y="1482553"/>
+            <a:off x="5849730" y="1318592"/>
             <a:ext cx="3591300" cy="3072600"/>
           </a:xfrm>
           <a:prstGeom prst="rect">
@@ -14037,7 +14442,7 @@
     </p:spTree>
     <p:extLst>
       <p:ext uri="{BB962C8B-B14F-4D97-AF65-F5344CB8AC3E}">
-        <p14:creationId xmlns="" xmlns:p14="http://schemas.microsoft.com/office/powerpoint/2010/main" val="2001426443"/>
+        <p14:creationId xmlns:p14="http://schemas.microsoft.com/office/powerpoint/2010/main" val="2001426443"/>
       </p:ext>
     </p:extLst>
   </p:cSld>
@@ -14328,7 +14733,7 @@
     </p:spTree>
     <p:extLst>
       <p:ext uri="{BB962C8B-B14F-4D97-AF65-F5344CB8AC3E}">
-        <p14:creationId xmlns="" xmlns:p14="http://schemas.microsoft.com/office/powerpoint/2010/main" val="2998957844"/>
+        <p14:creationId xmlns:p14="http://schemas.microsoft.com/office/powerpoint/2010/main" val="2998957844"/>
       </p:ext>
     </p:extLst>
   </p:cSld>
@@ -14585,7 +14990,7 @@
     </p:spTree>
     <p:extLst>
       <p:ext uri="{BB962C8B-B14F-4D97-AF65-F5344CB8AC3E}">
-        <p14:creationId xmlns="" xmlns:p14="http://schemas.microsoft.com/office/powerpoint/2010/main" val="216992392"/>
+        <p14:creationId xmlns:p14="http://schemas.microsoft.com/office/powerpoint/2010/main" val="216992392"/>
       </p:ext>
     </p:extLst>
   </p:cSld>
@@ -14806,7 +15211,7 @@
     </p:spTree>
     <p:extLst>
       <p:ext uri="{BB962C8B-B14F-4D97-AF65-F5344CB8AC3E}">
-        <p14:creationId xmlns="" xmlns:p14="http://schemas.microsoft.com/office/powerpoint/2010/main" val="834190173"/>
+        <p14:creationId xmlns:p14="http://schemas.microsoft.com/office/powerpoint/2010/main" val="834190173"/>
       </p:ext>
     </p:extLst>
   </p:cSld>
